--- a/development/AdvancedDNASeq/slides/Part3_SomaticAndDeNovo.pptx
+++ b/development/AdvancedDNASeq/slides/Part3_SomaticAndDeNovo.pptx
@@ -238,7 +238,7 @@
           <a:p>
             <a:fld id="{07AFF704-C85E-D24C-A7E3-0F9EBEED715E}" type="datetimeFigureOut">
               <a:rPr lang="en-US" smtClean="0"/>
-              <a:t>5/21/17</a:t>
+              <a:t>5/22/17</a:t>
             </a:fld>
             <a:endParaRPr lang="en-US"/>
           </a:p>
@@ -612,7 +612,7 @@
           <a:p>
             <a:fld id="{C8A432C8-69A7-458B-9684-2BFA64B31948}" type="datetime2">
               <a:rPr lang="en-US" smtClean="0"/>
-              <a:t>Sunday, May 21, 17</a:t>
+              <a:t>Monday, May 22, 17</a:t>
             </a:fld>
             <a:endParaRPr lang="en-US"/>
           </a:p>
@@ -805,7 +805,7 @@
           <a:p>
             <a:fld id="{8CC057FC-95B6-4D89-AFDA-ABA33EE921E5}" type="datetime2">
               <a:rPr lang="en-US" smtClean="0"/>
-              <a:t>Sunday, May 21, 17</a:t>
+              <a:t>Monday, May 22, 17</a:t>
             </a:fld>
             <a:endParaRPr lang="en-US"/>
           </a:p>
@@ -992,7 +992,7 @@
           <a:p>
             <a:fld id="{EC4549AC-EB31-477F-92A9-B1988E232878}" type="datetime2">
               <a:rPr lang="en-US" smtClean="0"/>
-              <a:t>Sunday, May 21, 17</a:t>
+              <a:t>Monday, May 22, 17</a:t>
             </a:fld>
             <a:endParaRPr lang="en-US"/>
           </a:p>
@@ -1257,7 +1257,7 @@
           <a:p>
             <a:fld id="{6396A3A3-94A6-4E5B-AF39-173ACA3E61CC}" type="datetime2">
               <a:rPr lang="en-US" smtClean="0"/>
-              <a:t>Sunday, May 21, 17</a:t>
+              <a:t>Monday, May 22, 17</a:t>
             </a:fld>
             <a:endParaRPr lang="en-US"/>
           </a:p>
@@ -1675,7 +1675,7 @@
           <a:p>
             <a:fld id="{9933D019-A32C-4EAD-B8E6-DBDA699692FD}" type="datetime2">
               <a:rPr lang="en-US" smtClean="0"/>
-              <a:t>Sunday, May 21, 17</a:t>
+              <a:t>Monday, May 22, 17</a:t>
             </a:fld>
             <a:endParaRPr lang="en-US"/>
           </a:p>
@@ -1919,7 +1919,7 @@
           <a:p>
             <a:fld id="{CCEBA98F-560C-4997-81C4-81D4D9187EAB}" type="datetime2">
               <a:rPr lang="en-US" smtClean="0"/>
-              <a:t>Sunday, May 21, 17</a:t>
+              <a:t>Monday, May 22, 17</a:t>
             </a:fld>
             <a:endParaRPr lang="en-US"/>
           </a:p>
@@ -2157,7 +2157,7 @@
           <a:p>
             <a:fld id="{150972B2-CA5C-437D-87D0-8081271A9E4B}" type="datetime2">
               <a:rPr lang="en-US" smtClean="0"/>
-              <a:t>Sunday, May 21, 17</a:t>
+              <a:t>Monday, May 22, 17</a:t>
             </a:fld>
             <a:endParaRPr lang="en-US"/>
           </a:p>
@@ -2354,7 +2354,7 @@
           <a:p>
             <a:fld id="{79CD4847-11EF-4466-A8AD-85CDB7B49118}" type="datetime2">
               <a:rPr lang="en-US" smtClean="0"/>
-              <a:t>Sunday, May 21, 17</a:t>
+              <a:t>Monday, May 22, 17</a:t>
             </a:fld>
             <a:endParaRPr lang="en-US"/>
           </a:p>
@@ -2454,7 +2454,7 @@
           <a:p>
             <a:fld id="{F168457A-3AB9-4880-8A0C-9F8524491207}" type="datetime2">
               <a:rPr lang="en-US" smtClean="0"/>
-              <a:t>Sunday, May 21, 17</a:t>
+              <a:t>Monday, May 22, 17</a:t>
             </a:fld>
             <a:endParaRPr lang="en-US"/>
           </a:p>
@@ -2592,7 +2592,7 @@
           <a:p>
             <a:fld id="{3FE976D3-5B7F-4300-ABED-C91F1B2AE209}" type="datetime2">
               <a:rPr lang="en-US" smtClean="0"/>
-              <a:t>Sunday, May 21, 17</a:t>
+              <a:t>Monday, May 22, 17</a:t>
             </a:fld>
             <a:endParaRPr lang="en-US"/>
           </a:p>
@@ -3112,7 +3112,7 @@
           <a:p>
             <a:fld id="{EBDC1E59-17DD-41CE-97CA-624A472382D4}" type="datetime2">
               <a:rPr lang="en-US" smtClean="0"/>
-              <a:t>Sunday, May 21, 17</a:t>
+              <a:t>Monday, May 22, 17</a:t>
             </a:fld>
             <a:endParaRPr lang="en-US"/>
           </a:p>
@@ -3375,7 +3375,7 @@
           <a:p>
             <a:fld id="{A80CB818-7379-467D-8E76-EF9D9074A26C}" type="datetime2">
               <a:rPr lang="en-US" smtClean="0"/>
-              <a:t>Sunday, May 21, 17</a:t>
+              <a:t>Monday, May 22, 17</a:t>
             </a:fld>
             <a:endParaRPr lang="en-US" dirty="0"/>
           </a:p>
@@ -4746,7 +4746,15 @@
           <a:p>
             <a:r>
               <a:rPr lang="en-US" dirty="0" smtClean="0"/>
-              <a:t>Mendelian errors can be due to artifacts or </a:t>
+              <a:t>Mendelian errors can be due to </a:t>
+            </a:r>
+            <a:r>
+              <a:rPr lang="en-US" dirty="0" smtClean="0"/>
+              <a:t>artifacts, loss of heterozygosity, </a:t>
+            </a:r>
+            <a:r>
+              <a:rPr lang="en-US" dirty="0" smtClean="0"/>
+              <a:t>or </a:t>
             </a:r>
             <a:r>
               <a:rPr lang="en-US" i="1" dirty="0" smtClean="0"/>
@@ -5735,8 +5743,19 @@
                 <a:latin typeface="Courier"/>
                 <a:cs typeface="Courier"/>
               </a:rPr>
-              <a:t> \ </a:t>
-            </a:r>
+              <a:t> </a:t>
+            </a:r>
+            <a:r>
+              <a:rPr lang="en-US" sz="2000" dirty="0" smtClean="0">
+                <a:latin typeface="Courier"/>
+                <a:cs typeface="Courier"/>
+              </a:rPr>
+              <a:t>\</a:t>
+            </a:r>
+            <a:endParaRPr lang="en-US" sz="2000" dirty="0">
+              <a:latin typeface="Courier"/>
+              <a:cs typeface="Courier"/>
+            </a:endParaRPr>
           </a:p>
           <a:p>
             <a:pPr marL="0" indent="0">
@@ -5761,8 +5780,19 @@
                 <a:latin typeface="Courier"/>
                 <a:cs typeface="Courier"/>
               </a:rPr>
-              <a:t> \ </a:t>
-            </a:r>
+              <a:t> </a:t>
+            </a:r>
+            <a:r>
+              <a:rPr lang="en-US" sz="2000" dirty="0" smtClean="0">
+                <a:latin typeface="Courier"/>
+                <a:cs typeface="Courier"/>
+              </a:rPr>
+              <a:t>\</a:t>
+            </a:r>
+            <a:endParaRPr lang="en-US" sz="2000" dirty="0">
+              <a:latin typeface="Courier"/>
+              <a:cs typeface="Courier"/>
+            </a:endParaRPr>
           </a:p>
           <a:p>
             <a:pPr marL="0" indent="0">
@@ -5787,8 +5817,19 @@
                 <a:latin typeface="Courier"/>
                 <a:cs typeface="Courier"/>
               </a:rPr>
-              <a:t>fasta \ </a:t>
-            </a:r>
+              <a:t>fasta </a:t>
+            </a:r>
+            <a:r>
+              <a:rPr lang="en-US" sz="2000" dirty="0" smtClean="0">
+                <a:latin typeface="Courier"/>
+                <a:cs typeface="Courier"/>
+              </a:rPr>
+              <a:t>\</a:t>
+            </a:r>
+            <a:endParaRPr lang="en-US" sz="2000" dirty="0">
+              <a:latin typeface="Courier"/>
+              <a:cs typeface="Courier"/>
+            </a:endParaRPr>
           </a:p>
           <a:p>
             <a:pPr marL="0" indent="0">
@@ -5823,11 +5864,41 @@
               <a:t> </a:t>
             </a:r>
             <a:r>
+              <a:rPr lang="en-US" sz="2000" dirty="0" smtClean="0">
+                <a:latin typeface="Courier"/>
+                <a:cs typeface="Courier"/>
+              </a:rPr>
+              <a:t>\</a:t>
+            </a:r>
+            <a:endParaRPr lang="en-US" sz="2000" dirty="0">
+              <a:latin typeface="Courier"/>
+              <a:cs typeface="Courier"/>
+            </a:endParaRPr>
+          </a:p>
+          <a:p>
+            <a:pPr marL="0" indent="0">
+              <a:buNone/>
+            </a:pPr>
+            <a:r>
               <a:rPr lang="en-US" sz="2000" dirty="0">
                 <a:latin typeface="Courier"/>
                 <a:cs typeface="Courier"/>
               </a:rPr>
-              <a:t>\ </a:t>
+              <a:t>    --</a:t>
+            </a:r>
+            <a:r>
+              <a:rPr lang="en-US" sz="2000" dirty="0" err="1">
+                <a:latin typeface="Courier"/>
+                <a:cs typeface="Courier"/>
+              </a:rPr>
+              <a:t>filterExpression</a:t>
+            </a:r>
+            <a:r>
+              <a:rPr lang="en-US" sz="2000" dirty="0">
+                <a:latin typeface="Courier"/>
+                <a:cs typeface="Courier"/>
+              </a:rPr>
+              <a:t> "QD &lt; 2.0 || \</a:t>
             </a:r>
           </a:p>
           <a:p>
@@ -5839,6 +5910,69 @@
                 <a:latin typeface="Courier"/>
                 <a:cs typeface="Courier"/>
               </a:rPr>
+              <a:t>	SOR &gt; 3.0 || MQ &lt; 40.0 || </a:t>
+            </a:r>
+            <a:r>
+              <a:rPr lang="en-US" sz="2000" dirty="0" err="1">
+                <a:latin typeface="Courier"/>
+                <a:cs typeface="Courier"/>
+              </a:rPr>
+              <a:t>MQRankSum</a:t>
+            </a:r>
+            <a:r>
+              <a:rPr lang="en-US" sz="2000" dirty="0">
+                <a:latin typeface="Courier"/>
+                <a:cs typeface="Courier"/>
+              </a:rPr>
+              <a:t> &lt; -12.5 || \</a:t>
+            </a:r>
+          </a:p>
+          <a:p>
+            <a:pPr marL="0" indent="0">
+              <a:buNone/>
+            </a:pPr>
+            <a:r>
+              <a:rPr lang="en-US" sz="2000" dirty="0">
+                <a:latin typeface="Courier"/>
+                <a:cs typeface="Courier"/>
+              </a:rPr>
+              <a:t>	</a:t>
+            </a:r>
+            <a:r>
+              <a:rPr lang="en-US" sz="2000" dirty="0" err="1">
+                <a:latin typeface="Courier"/>
+                <a:cs typeface="Courier"/>
+              </a:rPr>
+              <a:t>ReadPosRankSum</a:t>
+            </a:r>
+            <a:r>
+              <a:rPr lang="en-US" sz="2000" dirty="0">
+                <a:latin typeface="Courier"/>
+                <a:cs typeface="Courier"/>
+              </a:rPr>
+              <a:t> &lt; -8.0" </a:t>
+            </a:r>
+            <a:r>
+              <a:rPr lang="en-US" sz="2000" dirty="0" smtClean="0">
+                <a:latin typeface="Courier"/>
+                <a:cs typeface="Courier"/>
+              </a:rPr>
+              <a:t>\</a:t>
+            </a:r>
+            <a:endParaRPr lang="en-US" sz="2000" dirty="0">
+              <a:latin typeface="Courier"/>
+              <a:cs typeface="Courier"/>
+            </a:endParaRPr>
+          </a:p>
+          <a:p>
+            <a:pPr marL="0" indent="0">
+              <a:buNone/>
+            </a:pPr>
+            <a:r>
+              <a:rPr lang="en-US" sz="2000" dirty="0">
+                <a:latin typeface="Courier"/>
+                <a:cs typeface="Courier"/>
+              </a:rPr>
               <a:t>    --</a:t>
             </a:r>
             <a:r>
@@ -5846,93 +5980,26 @@
                 <a:latin typeface="Courier"/>
                 <a:cs typeface="Courier"/>
               </a:rPr>
-              <a:t>filterExpression</a:t>
+              <a:t>filterName</a:t>
             </a:r>
             <a:r>
               <a:rPr lang="en-US" sz="2000" dirty="0">
                 <a:latin typeface="Courier"/>
                 <a:cs typeface="Courier"/>
               </a:rPr>
-              <a:t> "QD &lt; 2.0 || \</a:t>
-            </a:r>
-          </a:p>
-          <a:p>
-            <a:pPr marL="0" indent="0">
-              <a:buNone/>
-            </a:pPr>
-            <a:r>
-              <a:rPr lang="en-US" sz="2000" dirty="0">
-                <a:latin typeface="Courier"/>
-                <a:cs typeface="Courier"/>
-              </a:rPr>
-              <a:t>	SOR &gt; 3.0 || MQ &lt; 40.0 || </a:t>
-            </a:r>
-            <a:r>
-              <a:rPr lang="en-US" sz="2000" dirty="0" err="1">
-                <a:latin typeface="Courier"/>
-                <a:cs typeface="Courier"/>
-              </a:rPr>
-              <a:t>MQRankSum</a:t>
-            </a:r>
-            <a:r>
-              <a:rPr lang="en-US" sz="2000" dirty="0">
-                <a:latin typeface="Courier"/>
-                <a:cs typeface="Courier"/>
-              </a:rPr>
-              <a:t> &lt; -12.5 || \</a:t>
-            </a:r>
-          </a:p>
-          <a:p>
-            <a:pPr marL="0" indent="0">
-              <a:buNone/>
-            </a:pPr>
-            <a:r>
-              <a:rPr lang="en-US" sz="2000" dirty="0">
-                <a:latin typeface="Courier"/>
-                <a:cs typeface="Courier"/>
-              </a:rPr>
-              <a:t>	</a:t>
-            </a:r>
-            <a:r>
-              <a:rPr lang="en-US" sz="2000" dirty="0" err="1">
-                <a:latin typeface="Courier"/>
-                <a:cs typeface="Courier"/>
-              </a:rPr>
-              <a:t>ReadPosRankSum</a:t>
-            </a:r>
-            <a:r>
-              <a:rPr lang="en-US" sz="2000" dirty="0">
-                <a:latin typeface="Courier"/>
-                <a:cs typeface="Courier"/>
-              </a:rPr>
-              <a:t> &lt; -8.0" \ </a:t>
-            </a:r>
-          </a:p>
-          <a:p>
-            <a:pPr marL="0" indent="0">
-              <a:buNone/>
-            </a:pPr>
-            <a:r>
-              <a:rPr lang="en-US" sz="2000" dirty="0">
-                <a:latin typeface="Courier"/>
-                <a:cs typeface="Courier"/>
-              </a:rPr>
-              <a:t>    --</a:t>
-            </a:r>
-            <a:r>
-              <a:rPr lang="en-US" sz="2000" dirty="0" err="1">
-                <a:latin typeface="Courier"/>
-                <a:cs typeface="Courier"/>
-              </a:rPr>
-              <a:t>filterName</a:t>
-            </a:r>
-            <a:r>
-              <a:rPr lang="en-US" sz="2000" dirty="0">
-                <a:latin typeface="Courier"/>
-                <a:cs typeface="Courier"/>
-              </a:rPr>
-              <a:t> "HARD_FILTER" \ </a:t>
-            </a:r>
+              <a:t> "HARD_FILTER" </a:t>
+            </a:r>
+            <a:r>
+              <a:rPr lang="en-US" sz="2000" dirty="0" smtClean="0">
+                <a:latin typeface="Courier"/>
+                <a:cs typeface="Courier"/>
+              </a:rPr>
+              <a:t>\</a:t>
+            </a:r>
+            <a:endParaRPr lang="en-US" sz="2000" dirty="0">
+              <a:latin typeface="Courier"/>
+              <a:cs typeface="Courier"/>
+            </a:endParaRPr>
           </a:p>
           <a:p>
             <a:pPr marL="0" indent="0">
@@ -6613,7 +6680,14 @@
                 <a:latin typeface="Courier"/>
                 <a:cs typeface="Courier"/>
               </a:rPr>
-              <a:t> \ </a:t>
+              <a:t> </a:t>
+            </a:r>
+            <a:r>
+              <a:rPr lang="en-US" sz="2000" dirty="0" smtClean="0">
+                <a:latin typeface="Courier"/>
+                <a:cs typeface="Courier"/>
+              </a:rPr>
+              <a:t>\</a:t>
             </a:r>
             <a:endParaRPr lang="en-US" sz="2000" dirty="0">
               <a:latin typeface="Courier"/>
@@ -6643,8 +6717,19 @@
                 <a:latin typeface="Courier"/>
                 <a:cs typeface="Courier"/>
               </a:rPr>
-              <a:t>fasta \ </a:t>
-            </a:r>
+              <a:t>fasta </a:t>
+            </a:r>
+            <a:r>
+              <a:rPr lang="en-US" sz="2000" dirty="0" smtClean="0">
+                <a:latin typeface="Courier"/>
+                <a:cs typeface="Courier"/>
+              </a:rPr>
+              <a:t>\</a:t>
+            </a:r>
+            <a:endParaRPr lang="en-US" sz="2000" dirty="0">
+              <a:latin typeface="Courier"/>
+              <a:cs typeface="Courier"/>
+            </a:endParaRPr>
           </a:p>
           <a:p>
             <a:pPr marL="0" indent="0">
@@ -6679,22 +6764,26 @@
               <a:t> </a:t>
             </a:r>
             <a:r>
+              <a:rPr lang="en-US" sz="2000" dirty="0" smtClean="0">
+                <a:latin typeface="Courier"/>
+                <a:cs typeface="Courier"/>
+              </a:rPr>
+              <a:t>\</a:t>
+            </a:r>
+            <a:endParaRPr lang="en-US" sz="2000" dirty="0">
+              <a:latin typeface="Courier"/>
+              <a:cs typeface="Courier"/>
+            </a:endParaRPr>
+          </a:p>
+          <a:p>
+            <a:pPr marL="0" indent="0">
+              <a:buNone/>
+            </a:pPr>
+            <a:r>
               <a:rPr lang="en-US" sz="2000" dirty="0">
                 <a:latin typeface="Courier"/>
                 <a:cs typeface="Courier"/>
               </a:rPr>
-              <a:t>\ </a:t>
-            </a:r>
-          </a:p>
-          <a:p>
-            <a:pPr marL="0" indent="0">
-              <a:buNone/>
-            </a:pPr>
-            <a:r>
-              <a:rPr lang="en-US" sz="2000" dirty="0">
-                <a:latin typeface="Courier"/>
-                <a:cs typeface="Courier"/>
-              </a:rPr>
               <a:t>    </a:t>
             </a:r>
             <a:r>
@@ -6731,6 +6820,13 @@
                 <a:cs typeface="Courier"/>
               </a:rPr>
               <a:t> </a:t>
+            </a:r>
+            <a:r>
+              <a:rPr lang="en-US" sz="2000" dirty="0" smtClean="0">
+                <a:latin typeface="Courier"/>
+                <a:cs typeface="Courier"/>
+              </a:rPr>
+              <a:t>\</a:t>
             </a:r>
             <a:endParaRPr lang="en-US" sz="2000" dirty="0">
               <a:latin typeface="Courier"/>
@@ -7664,7 +7760,14 @@
                 <a:latin typeface="Courier"/>
                 <a:cs typeface="Courier"/>
               </a:rPr>
-              <a:t>output/ceu_trio_chr22_jointcalls_filtered.vcf </a:t>
+              <a:t>output/</a:t>
+            </a:r>
+            <a:r>
+              <a:rPr lang="en-US" sz="2000" dirty="0" smtClean="0">
+                <a:latin typeface="Courier"/>
+                <a:cs typeface="Courier"/>
+              </a:rPr>
+              <a:t>ceu_trio_chr22_jointcalls_phased.vcf </a:t>
             </a:r>
             <a:r>
               <a:rPr lang="en-US" sz="2000" dirty="0">
@@ -8897,7 +9000,21 @@
             </a:pPr>
             <a:r>
               <a:rPr lang="en-US" dirty="0" smtClean="0"/>
-              <a:t>Select reference panel</a:t>
+              <a:t>Create account or login</a:t>
+            </a:r>
+          </a:p>
+          <a:p>
+            <a:pPr marL="514350" indent="-514350">
+              <a:buFont typeface="+mj-lt"/>
+              <a:buAutoNum type="arabicPeriod"/>
+            </a:pPr>
+            <a:r>
+              <a:rPr lang="en-US" dirty="0" smtClean="0"/>
+              <a:t>Select </a:t>
+            </a:r>
+            <a:r>
+              <a:rPr lang="en-US" dirty="0" smtClean="0"/>
+              <a:t>reference panel</a:t>
             </a:r>
           </a:p>
           <a:p>
@@ -9032,7 +9149,7 @@
           <a:p>
             <a:pPr marL="514350" indent="-514350">
               <a:buFont typeface="+mj-lt"/>
-              <a:buAutoNum type="arabicPeriod" startAt="2"/>
+              <a:buAutoNum type="arabicPeriod" startAt="3"/>
             </a:pPr>
             <a:r>
               <a:rPr lang="en-US" dirty="0" smtClean="0"/>
@@ -9045,7 +9162,35 @@
               </a:rPr>
               <a:t>bgzip</a:t>
             </a:r>
-            <a:endParaRPr lang="en-US" sz="2600" dirty="0" smtClean="0">
+            <a:r>
+              <a:rPr lang="en-US" sz="2600" dirty="0" smtClean="0">
+                <a:latin typeface="Courier"/>
+                <a:cs typeface="Courier"/>
+              </a:rPr>
+              <a:t> </a:t>
+            </a:r>
+            <a:r>
+              <a:rPr lang="en-US" dirty="0" smtClean="0">
+                <a:latin typeface="+mj-lt"/>
+                <a:cs typeface="Courier"/>
+              </a:rPr>
+              <a:t>(</a:t>
+            </a:r>
+            <a:r>
+              <a:rPr lang="en-US" dirty="0" err="1" smtClean="0">
+                <a:latin typeface="+mj-lt"/>
+                <a:cs typeface="Courier"/>
+              </a:rPr>
+              <a:t>WhatsHap</a:t>
+            </a:r>
+            <a:r>
+              <a:rPr lang="en-US" dirty="0" smtClean="0">
+                <a:latin typeface="+mj-lt"/>
+                <a:cs typeface="Courier"/>
+              </a:rPr>
+              <a:t> does this)</a:t>
+            </a:r>
+            <a:endParaRPr lang="en-US" dirty="0" smtClean="0">
               <a:latin typeface="Courier"/>
               <a:cs typeface="Courier"/>
             </a:endParaRPr>
@@ -9073,9 +9218,23 @@
                 <a:latin typeface="Courier"/>
                 <a:cs typeface="Courier"/>
               </a:rPr>
-              <a:t> output/NA12878_wgs_20_HC_jointcalls.vcf</a:t>
-            </a:r>
-            <a:endParaRPr lang="en-US" sz="2200" dirty="0" smtClean="0">
+              <a:t> output</a:t>
+            </a:r>
+            <a:r>
+              <a:rPr lang="en-US" sz="2000" dirty="0">
+                <a:latin typeface="Courier"/>
+                <a:cs typeface="Courier"/>
+              </a:rPr>
+              <a:t>/</a:t>
+            </a:r>
+            <a:r>
+              <a:rPr lang="en-US" sz="2000" dirty="0" smtClean="0">
+                <a:latin typeface="Courier"/>
+                <a:cs typeface="Courier"/>
+              </a:rPr>
+              <a:t>ceu_trio_chr22_jointcalls_phased.vcf</a:t>
+            </a:r>
+            <a:endParaRPr lang="en-US" sz="2000" dirty="0">
               <a:latin typeface="Courier"/>
               <a:cs typeface="Courier"/>
             </a:endParaRPr>
@@ -9083,28 +9242,40 @@
           <a:p>
             <a:pPr marL="514350" indent="-514350">
               <a:buFont typeface="+mj-lt"/>
-              <a:buAutoNum type="arabicPeriod" startAt="2"/>
-            </a:pPr>
-            <a:r>
-              <a:rPr lang="en-US" dirty="0" smtClean="0"/>
-              <a:t>Upload VCF file</a:t>
+              <a:buAutoNum type="arabicPeriod" startAt="4"/>
+            </a:pPr>
+            <a:r>
+              <a:rPr lang="en-US" dirty="0" smtClean="0"/>
+              <a:t>Upload </a:t>
+            </a:r>
+            <a:r>
+              <a:rPr lang="en-US" dirty="0" smtClean="0"/>
+              <a:t>VCF </a:t>
+            </a:r>
+            <a:r>
+              <a:rPr lang="en-US" dirty="0" smtClean="0"/>
+              <a:t>file</a:t>
             </a:r>
             <a:endParaRPr lang="en-US" dirty="0"/>
           </a:p>
           <a:p>
             <a:pPr marL="514350" indent="-514350">
               <a:buFont typeface="+mj-lt"/>
-              <a:buAutoNum type="arabicPeriod" startAt="2"/>
-            </a:pPr>
-            <a:r>
-              <a:rPr lang="en-US" dirty="0" smtClean="0"/>
-              <a:t>Leave other choices as default unless you have good reason to change them</a:t>
+              <a:buAutoNum type="arabicPeriod" startAt="4"/>
+            </a:pPr>
+            <a:r>
+              <a:rPr lang="en-US" dirty="0" smtClean="0"/>
+              <a:t>Leave </a:t>
+            </a:r>
+            <a:r>
+              <a:rPr lang="en-US" dirty="0" smtClean="0"/>
+              <a:t>other choices as default unless you have good reason to change them</a:t>
             </a:r>
           </a:p>
           <a:p>
             <a:pPr marL="514350" indent="-514350">
               <a:buFont typeface="+mj-lt"/>
-              <a:buAutoNum type="arabicPeriod" startAt="2"/>
+              <a:buAutoNum type="arabicPeriod" startAt="4"/>
             </a:pPr>
             <a:r>
               <a:rPr lang="en-US" dirty="0" smtClean="0"/>
@@ -9114,7 +9285,7 @@
           <a:p>
             <a:pPr marL="514350" indent="-514350">
               <a:buFont typeface="+mj-lt"/>
-              <a:buAutoNum type="arabicPeriod" startAt="2"/>
+              <a:buAutoNum type="arabicPeriod" startAt="4"/>
             </a:pPr>
             <a:r>
               <a:rPr lang="en-US" dirty="0" smtClean="0"/>
@@ -9138,7 +9309,7 @@
           <a:p>
             <a:pPr marL="514350" indent="-514350">
               <a:buFont typeface="+mj-lt"/>
-              <a:buAutoNum type="arabicPeriod" startAt="2"/>
+              <a:buAutoNum type="arabicPeriod" startAt="4"/>
             </a:pPr>
             <a:r>
               <a:rPr lang="en-US" dirty="0" smtClean="0"/>
@@ -9979,17 +10150,17 @@
                 <a:latin typeface="Courier"/>
                 <a:cs typeface="Courier"/>
               </a:rPr>
-              <a:t>resources/1000G_22.</a:t>
-            </a:r>
-            <a:r>
-              <a:rPr lang="en-US" sz="2000" dirty="0">
-                <a:latin typeface="Courier"/>
-                <a:cs typeface="Courier"/>
-              </a:rPr>
-              <a:t>sites.vcf</a:t>
-            </a:r>
-            <a:r>
-              <a:rPr lang="en-US" sz="2000" dirty="0">
+              <a:t>resources/</a:t>
+            </a:r>
+            <a:r>
+              <a:rPr lang="en-US" sz="2000" dirty="0" smtClean="0">
+                <a:latin typeface="Courier"/>
+                <a:cs typeface="Courier"/>
+              </a:rPr>
+              <a:t>1000G_22_sites.vcf</a:t>
+            </a:r>
+            <a:r>
+              <a:rPr lang="en-US" sz="2000" dirty="0" smtClean="0">
                 <a:solidFill>
                   <a:srgbClr val="FF0000"/>
                 </a:solidFill>
@@ -10394,7 +10565,14 @@
                 <a:latin typeface="Courier"/>
                 <a:cs typeface="Courier"/>
               </a:rPr>
-              <a:t>fasta \ </a:t>
+              <a:t>fasta </a:t>
+            </a:r>
+            <a:r>
+              <a:rPr lang="en-US" sz="2000" dirty="0" smtClean="0">
+                <a:latin typeface="Courier"/>
+                <a:cs typeface="Courier"/>
+              </a:rPr>
+              <a:t>\</a:t>
             </a:r>
             <a:endParaRPr lang="en-US" sz="2000" dirty="0" smtClean="0">
               <a:latin typeface="Courier"/>
@@ -10760,8 +10938,19 @@
                 <a:latin typeface="Courier"/>
                 <a:cs typeface="Courier"/>
               </a:rPr>
-              <a:t>fasta \ </a:t>
-            </a:r>
+              <a:t>fasta </a:t>
+            </a:r>
+            <a:r>
+              <a:rPr lang="en-US" sz="2000" dirty="0" smtClean="0">
+                <a:latin typeface="Courier"/>
+                <a:cs typeface="Courier"/>
+              </a:rPr>
+              <a:t>\</a:t>
+            </a:r>
+            <a:endParaRPr lang="en-US" sz="2000" dirty="0">
+              <a:latin typeface="Courier"/>
+              <a:cs typeface="Courier"/>
+            </a:endParaRPr>
           </a:p>
           <a:p>
             <a:pPr marL="0" indent="0">
@@ -12499,7 +12688,14 @@
                 <a:latin typeface="Courier"/>
                 <a:cs typeface="Courier"/>
               </a:rPr>
-              <a:t> &amp;&amp; \</a:t>
+              <a:t> </a:t>
+            </a:r>
+            <a:r>
+              <a:rPr lang="en-US" sz="2200" dirty="0" smtClean="0">
+                <a:latin typeface="Courier"/>
+                <a:cs typeface="Courier"/>
+              </a:rPr>
+              <a:t>\</a:t>
             </a:r>
           </a:p>
           <a:p>
@@ -12507,11 +12703,32 @@
               <a:buNone/>
             </a:pPr>
             <a:r>
+              <a:rPr lang="en-US" sz="2200" dirty="0">
+                <a:latin typeface="Courier"/>
+                <a:cs typeface="Courier"/>
+              </a:rPr>
+              <a:t> </a:t>
+            </a:r>
+            <a:r>
               <a:rPr lang="en-US" sz="2200" dirty="0" smtClean="0">
                 <a:latin typeface="Courier"/>
                 <a:cs typeface="Courier"/>
               </a:rPr>
-              <a:t>  </a:t>
+              <a:t> </a:t>
+            </a:r>
+            <a:r>
+              <a:rPr lang="en-US" sz="2200" dirty="0" smtClean="0">
+                <a:latin typeface="Courier"/>
+                <a:cs typeface="Courier"/>
+              </a:rPr>
+              <a:t>&amp;</a:t>
+            </a:r>
+            <a:r>
+              <a:rPr lang="en-US" sz="2200" dirty="0" smtClean="0">
+                <a:latin typeface="Courier"/>
+                <a:cs typeface="Courier"/>
+              </a:rPr>
+              <a:t>&amp; </a:t>
             </a:r>
             <a:r>
               <a:rPr lang="en-US" sz="2200" dirty="0" err="1" smtClean="0">
@@ -13294,7 +13511,7 @@
         </p:spPr>
         <p:txBody>
           <a:bodyPr>
-            <a:normAutofit lnSpcReduction="10000"/>
+            <a:normAutofit/>
           </a:bodyPr>
           <a:lstStyle/>
           <a:p>
@@ -13403,21 +13620,24 @@
                 </a:solidFill>
                 <a:cs typeface="Courier"/>
               </a:rPr>
-              <a:t>&gt; 0.8</a:t>
-            </a:r>
-          </a:p>
-          <a:p>
-            <a:pPr lvl="1"/>
+              <a:t>&gt; </a:t>
+            </a:r>
             <a:r>
               <a:rPr lang="en-US" dirty="0" smtClean="0">
                 <a:solidFill>
                   <a:srgbClr val="000000"/>
                 </a:solidFill>
-                <a:latin typeface="+mj-lt"/>
-                <a:cs typeface="Courier"/>
-              </a:rPr>
-              <a:t>This fact is key to the success of human genomic studies</a:t>
-            </a:r>
+                <a:cs typeface="Courier"/>
+              </a:rPr>
+              <a:t>0.8</a:t>
+            </a:r>
+            <a:endParaRPr lang="en-US" dirty="0" smtClean="0">
+              <a:solidFill>
+                <a:srgbClr val="000000"/>
+              </a:solidFill>
+              <a:latin typeface="+mj-lt"/>
+              <a:cs typeface="Courier"/>
+            </a:endParaRPr>
           </a:p>
         </p:txBody>
       </p:sp>

--- a/development/AdvancedDNASeq/slides/Part3_SomaticAndDeNovo.pptx
+++ b/development/AdvancedDNASeq/slides/Part3_SomaticAndDeNovo.pptx
@@ -41,8 +41,8 @@
     <p:sldId id="425" r:id="rId32"/>
     <p:sldId id="430" r:id="rId33"/>
     <p:sldId id="404" r:id="rId34"/>
-    <p:sldId id="405" r:id="rId35"/>
-    <p:sldId id="406" r:id="rId36"/>
+    <p:sldId id="406" r:id="rId35"/>
+    <p:sldId id="405" r:id="rId36"/>
     <p:sldId id="413" r:id="rId37"/>
     <p:sldId id="412" r:id="rId38"/>
     <p:sldId id="414" r:id="rId39"/>
@@ -153,6 +153,22 @@
       </a:defRPr>
     </a:lvl9pPr>
   </p:defaultTextStyle>
+  <p:extLst>
+    <p:ext uri="{EFAFB233-063F-42B5-8137-9DF3F51BA10A}">
+      <p15:sldGuideLst xmlns:p15="http://schemas.microsoft.com/office/powerpoint/2012/main">
+        <p15:guide id="1" orient="horz" pos="2160">
+          <p15:clr>
+            <a:srgbClr val="A4A3A4"/>
+          </p15:clr>
+        </p15:guide>
+        <p15:guide id="2" pos="2880">
+          <p15:clr>
+            <a:srgbClr val="A4A3A4"/>
+          </p15:clr>
+        </p15:guide>
+      </p15:sldGuideLst>
+    </p:ext>
+  </p:extLst>
 </p:presentation>
 </file>
 
@@ -238,7 +254,7 @@
           <a:p>
             <a:fld id="{07AFF704-C85E-D24C-A7E3-0F9EBEED715E}" type="datetimeFigureOut">
               <a:rPr lang="en-US" smtClean="0"/>
-              <a:t>5/22/17</a:t>
+              <a:t>5/24/17</a:t>
             </a:fld>
             <a:endParaRPr lang="en-US"/>
           </a:p>
@@ -612,7 +628,7 @@
           <a:p>
             <a:fld id="{C8A432C8-69A7-458B-9684-2BFA64B31948}" type="datetime2">
               <a:rPr lang="en-US" smtClean="0"/>
-              <a:t>Monday, May 22, 17</a:t>
+              <a:t>Wednesday, May 24, 2017</a:t>
             </a:fld>
             <a:endParaRPr lang="en-US"/>
           </a:p>
@@ -805,7 +821,7 @@
           <a:p>
             <a:fld id="{8CC057FC-95B6-4D89-AFDA-ABA33EE921E5}" type="datetime2">
               <a:rPr lang="en-US" smtClean="0"/>
-              <a:t>Monday, May 22, 17</a:t>
+              <a:t>Wednesday, May 24, 2017</a:t>
             </a:fld>
             <a:endParaRPr lang="en-US"/>
           </a:p>
@@ -992,7 +1008,7 @@
           <a:p>
             <a:fld id="{EC4549AC-EB31-477F-92A9-B1988E232878}" type="datetime2">
               <a:rPr lang="en-US" smtClean="0"/>
-              <a:t>Monday, May 22, 17</a:t>
+              <a:t>Wednesday, May 24, 2017</a:t>
             </a:fld>
             <a:endParaRPr lang="en-US"/>
           </a:p>
@@ -1257,7 +1273,7 @@
           <a:p>
             <a:fld id="{6396A3A3-94A6-4E5B-AF39-173ACA3E61CC}" type="datetime2">
               <a:rPr lang="en-US" smtClean="0"/>
-              <a:t>Monday, May 22, 17</a:t>
+              <a:t>Wednesday, May 24, 2017</a:t>
             </a:fld>
             <a:endParaRPr lang="en-US"/>
           </a:p>
@@ -1675,7 +1691,7 @@
           <a:p>
             <a:fld id="{9933D019-A32C-4EAD-B8E6-DBDA699692FD}" type="datetime2">
               <a:rPr lang="en-US" smtClean="0"/>
-              <a:t>Monday, May 22, 17</a:t>
+              <a:t>Wednesday, May 24, 2017</a:t>
             </a:fld>
             <a:endParaRPr lang="en-US"/>
           </a:p>
@@ -1919,7 +1935,7 @@
           <a:p>
             <a:fld id="{CCEBA98F-560C-4997-81C4-81D4D9187EAB}" type="datetime2">
               <a:rPr lang="en-US" smtClean="0"/>
-              <a:t>Monday, May 22, 17</a:t>
+              <a:t>Wednesday, May 24, 2017</a:t>
             </a:fld>
             <a:endParaRPr lang="en-US"/>
           </a:p>
@@ -2157,7 +2173,7 @@
           <a:p>
             <a:fld id="{150972B2-CA5C-437D-87D0-8081271A9E4B}" type="datetime2">
               <a:rPr lang="en-US" smtClean="0"/>
-              <a:t>Monday, May 22, 17</a:t>
+              <a:t>Wednesday, May 24, 2017</a:t>
             </a:fld>
             <a:endParaRPr lang="en-US"/>
           </a:p>
@@ -2354,7 +2370,7 @@
           <a:p>
             <a:fld id="{79CD4847-11EF-4466-A8AD-85CDB7B49118}" type="datetime2">
               <a:rPr lang="en-US" smtClean="0"/>
-              <a:t>Monday, May 22, 17</a:t>
+              <a:t>Wednesday, May 24, 2017</a:t>
             </a:fld>
             <a:endParaRPr lang="en-US"/>
           </a:p>
@@ -2454,7 +2470,7 @@
           <a:p>
             <a:fld id="{F168457A-3AB9-4880-8A0C-9F8524491207}" type="datetime2">
               <a:rPr lang="en-US" smtClean="0"/>
-              <a:t>Monday, May 22, 17</a:t>
+              <a:t>Wednesday, May 24, 2017</a:t>
             </a:fld>
             <a:endParaRPr lang="en-US"/>
           </a:p>
@@ -2592,7 +2608,7 @@
           <a:p>
             <a:fld id="{3FE976D3-5B7F-4300-ABED-C91F1B2AE209}" type="datetime2">
               <a:rPr lang="en-US" smtClean="0"/>
-              <a:t>Monday, May 22, 17</a:t>
+              <a:t>Wednesday, May 24, 2017</a:t>
             </a:fld>
             <a:endParaRPr lang="en-US"/>
           </a:p>
@@ -3112,7 +3128,7 @@
           <a:p>
             <a:fld id="{EBDC1E59-17DD-41CE-97CA-624A472382D4}" type="datetime2">
               <a:rPr lang="en-US" smtClean="0"/>
-              <a:t>Monday, May 22, 17</a:t>
+              <a:t>Wednesday, May 24, 2017</a:t>
             </a:fld>
             <a:endParaRPr lang="en-US"/>
           </a:p>
@@ -3375,7 +3391,7 @@
           <a:p>
             <a:fld id="{A80CB818-7379-467D-8E76-EF9D9074A26C}" type="datetime2">
               <a:rPr lang="en-US" smtClean="0"/>
-              <a:t>Monday, May 22, 17</a:t>
+              <a:t>Wednesday, May 24, 2017</a:t>
             </a:fld>
             <a:endParaRPr lang="en-US" dirty="0"/>
           </a:p>
@@ -3978,6 +3994,13 @@
   <p:clrMapOvr>
     <a:masterClrMapping/>
   </p:clrMapOvr>
+  <p:timing>
+    <p:tnLst>
+      <p:par>
+        <p:cTn id="1" dur="indefinite" restart="never" nodeType="tmRoot"/>
+      </p:par>
+    </p:tnLst>
+  </p:timing>
 </p:sld>
 </file>
 
@@ -4195,6 +4218,13 @@
       <p:transition xmlns:p14="http://schemas.microsoft.com/office/powerpoint/2010/main" spd="slow"/>
     </mc:Fallback>
   </mc:AlternateContent>
+  <p:timing>
+    <p:tnLst>
+      <p:par>
+        <p:cTn id="1" dur="indefinite" restart="never" nodeType="tmRoot"/>
+      </p:par>
+    </p:tnLst>
+  </p:timing>
 </p:sld>
 </file>
 
@@ -4318,6 +4348,13 @@
       <p:transition xmlns:p14="http://schemas.microsoft.com/office/powerpoint/2010/main" spd="slow"/>
     </mc:Fallback>
   </mc:AlternateContent>
+  <p:timing>
+    <p:tnLst>
+      <p:par>
+        <p:cTn id="1" dur="indefinite" restart="never" nodeType="tmRoot"/>
+      </p:par>
+    </p:tnLst>
+  </p:timing>
 </p:sld>
 </file>
 
@@ -4595,6 +4632,13 @@
       <p:transition xmlns:p14="http://schemas.microsoft.com/office/powerpoint/2010/main" spd="slow"/>
     </mc:Fallback>
   </mc:AlternateContent>
+  <p:timing>
+    <p:tnLst>
+      <p:par>
+        <p:cTn id="1" dur="indefinite" restart="never" nodeType="tmRoot"/>
+      </p:par>
+    </p:tnLst>
+  </p:timing>
 </p:sld>
 </file>
 
@@ -4663,7 +4707,7 @@
         </p:spPr>
         <p:txBody>
           <a:bodyPr>
-            <a:normAutofit lnSpcReduction="10000"/>
+            <a:normAutofit/>
           </a:bodyPr>
           <a:lstStyle/>
           <a:p>
@@ -4746,15 +4790,7 @@
           <a:p>
             <a:r>
               <a:rPr lang="en-US" dirty="0" smtClean="0"/>
-              <a:t>Mendelian errors can be due to </a:t>
-            </a:r>
-            <a:r>
-              <a:rPr lang="en-US" dirty="0" smtClean="0"/>
-              <a:t>artifacts, loss of heterozygosity, </a:t>
-            </a:r>
-            <a:r>
-              <a:rPr lang="en-US" dirty="0" smtClean="0"/>
-              <a:t>or </a:t>
+              <a:t>Mendelian errors can be due to artifacts, loss of heterozygosity, or </a:t>
             </a:r>
             <a:r>
               <a:rPr lang="en-US" i="1" dirty="0" smtClean="0"/>
@@ -4844,6 +4880,13 @@
       <p:transition xmlns:p14="http://schemas.microsoft.com/office/powerpoint/2010/main" spd="slow"/>
     </mc:Fallback>
   </mc:AlternateContent>
+  <p:timing>
+    <p:tnLst>
+      <p:par>
+        <p:cTn id="1" dur="indefinite" restart="never" nodeType="tmRoot"/>
+      </p:par>
+    </p:tnLst>
+  </p:timing>
 </p:sld>
 </file>
 
@@ -5082,6 +5125,13 @@
       <p:transition xmlns:p14="http://schemas.microsoft.com/office/powerpoint/2010/main" spd="slow"/>
     </mc:Fallback>
   </mc:AlternateContent>
+  <p:timing>
+    <p:tnLst>
+      <p:par>
+        <p:cTn id="1" dur="indefinite" restart="never" nodeType="tmRoot"/>
+      </p:par>
+    </p:tnLst>
+  </p:timing>
 </p:sld>
 </file>
 
@@ -5423,6 +5473,13 @@
       <p:transition xmlns:p14="http://schemas.microsoft.com/office/powerpoint/2010/main" spd="slow"/>
     </mc:Fallback>
   </mc:AlternateContent>
+  <p:timing>
+    <p:tnLst>
+      <p:par>
+        <p:cTn id="1" dur="indefinite" restart="never" nodeType="tmRoot"/>
+      </p:par>
+    </p:tnLst>
+  </p:timing>
 </p:sld>
 </file>
 
@@ -5861,14 +5918,7 @@
                 <a:latin typeface="Courier"/>
                 <a:cs typeface="Courier"/>
               </a:rPr>
-              <a:t> </a:t>
-            </a:r>
-            <a:r>
-              <a:rPr lang="en-US" sz="2000" dirty="0" smtClean="0">
-                <a:latin typeface="Courier"/>
-                <a:cs typeface="Courier"/>
-              </a:rPr>
-              <a:t>\</a:t>
+              <a:t> \</a:t>
             </a:r>
             <a:endParaRPr lang="en-US" sz="2000" dirty="0">
               <a:latin typeface="Courier"/>
@@ -6549,6 +6599,13 @@
       <p:transition xmlns:p14="http://schemas.microsoft.com/office/powerpoint/2010/main" spd="slow"/>
     </mc:Fallback>
   </mc:AlternateContent>
+  <p:timing>
+    <p:tnLst>
+      <p:par>
+        <p:cTn id="1" dur="indefinite" restart="never" nodeType="tmRoot"/>
+      </p:par>
+    </p:tnLst>
+  </p:timing>
 </p:sld>
 </file>
 
@@ -6680,14 +6737,7 @@
                 <a:latin typeface="Courier"/>
                 <a:cs typeface="Courier"/>
               </a:rPr>
-              <a:t> </a:t>
-            </a:r>
-            <a:r>
-              <a:rPr lang="en-US" sz="2000" dirty="0" smtClean="0">
-                <a:latin typeface="Courier"/>
-                <a:cs typeface="Courier"/>
-              </a:rPr>
-              <a:t>\</a:t>
+              <a:t> \</a:t>
             </a:r>
             <a:endParaRPr lang="en-US" sz="2000" dirty="0">
               <a:latin typeface="Courier"/>
@@ -6761,14 +6811,7 @@
                 <a:latin typeface="Courier"/>
                 <a:cs typeface="Courier"/>
               </a:rPr>
-              <a:t> </a:t>
-            </a:r>
-            <a:r>
-              <a:rPr lang="en-US" sz="2000" dirty="0" smtClean="0">
-                <a:latin typeface="Courier"/>
-                <a:cs typeface="Courier"/>
-              </a:rPr>
-              <a:t>\</a:t>
+              <a:t> \</a:t>
             </a:r>
             <a:endParaRPr lang="en-US" sz="2000" dirty="0">
               <a:latin typeface="Courier"/>
@@ -6819,14 +6862,7 @@
                 <a:latin typeface="Courier"/>
                 <a:cs typeface="Courier"/>
               </a:rPr>
-              <a:t> </a:t>
-            </a:r>
-            <a:r>
-              <a:rPr lang="en-US" sz="2000" dirty="0" smtClean="0">
-                <a:latin typeface="Courier"/>
-                <a:cs typeface="Courier"/>
-              </a:rPr>
-              <a:t>\</a:t>
+              <a:t> \</a:t>
             </a:r>
             <a:endParaRPr lang="en-US" sz="2000" dirty="0">
               <a:latin typeface="Courier"/>
@@ -7225,6 +7261,13 @@
       <p:transition xmlns:p14="http://schemas.microsoft.com/office/powerpoint/2010/main" spd="slow"/>
     </mc:Fallback>
   </mc:AlternateContent>
+  <p:timing>
+    <p:tnLst>
+      <p:par>
+        <p:cTn id="1" dur="indefinite" restart="never" nodeType="tmRoot"/>
+      </p:par>
+    </p:tnLst>
+  </p:timing>
 </p:sld>
 </file>
 
@@ -7398,6 +7441,13 @@
       <p:transition xmlns:p14="http://schemas.microsoft.com/office/powerpoint/2010/main" spd="slow"/>
     </mc:Fallback>
   </mc:AlternateContent>
+  <p:timing>
+    <p:tnLst>
+      <p:par>
+        <p:cTn id="1" dur="indefinite" restart="never" nodeType="tmRoot"/>
+      </p:par>
+    </p:tnLst>
+  </p:timing>
 </p:sld>
 </file>
 
@@ -7760,14 +7810,7 @@
                 <a:latin typeface="Courier"/>
                 <a:cs typeface="Courier"/>
               </a:rPr>
-              <a:t>output/</a:t>
-            </a:r>
-            <a:r>
-              <a:rPr lang="en-US" sz="2000" dirty="0" smtClean="0">
-                <a:latin typeface="Courier"/>
-                <a:cs typeface="Courier"/>
-              </a:rPr>
-              <a:t>ceu_trio_chr22_jointcalls_phased.vcf </a:t>
+              <a:t>output/ceu_trio_chr22_jointcalls_phased.vcf </a:t>
             </a:r>
             <a:r>
               <a:rPr lang="en-US" sz="2000" dirty="0">
@@ -7847,6 +7890,13 @@
       <p:transition xmlns:p14="http://schemas.microsoft.com/office/powerpoint/2010/main" spd="slow"/>
     </mc:Fallback>
   </mc:AlternateContent>
+  <p:timing>
+    <p:tnLst>
+      <p:par>
+        <p:cTn id="1" dur="indefinite" restart="never" nodeType="tmRoot"/>
+      </p:par>
+    </p:tnLst>
+  </p:timing>
 </p:sld>
 </file>
 
@@ -8065,6 +8115,13 @@
       <p:transition xmlns:p14="http://schemas.microsoft.com/office/powerpoint/2010/main" spd="slow"/>
     </mc:Fallback>
   </mc:AlternateContent>
+  <p:timing>
+    <p:tnLst>
+      <p:par>
+        <p:cTn id="1" dur="indefinite" restart="never" nodeType="tmRoot"/>
+      </p:par>
+    </p:tnLst>
+  </p:timing>
 </p:sld>
 </file>
 
@@ -8235,6 +8292,13 @@
       <p:transition xmlns:p14="http://schemas.microsoft.com/office/powerpoint/2010/main" spd="slow"/>
     </mc:Fallback>
   </mc:AlternateContent>
+  <p:timing>
+    <p:tnLst>
+      <p:par>
+        <p:cTn id="1" dur="indefinite" restart="never" nodeType="tmRoot"/>
+      </p:par>
+    </p:tnLst>
+  </p:timing>
 </p:sld>
 </file>
 
@@ -8385,6 +8449,13 @@
       <p:transition xmlns:p14="http://schemas.microsoft.com/office/powerpoint/2010/main" spd="slow"/>
     </mc:Fallback>
   </mc:AlternateContent>
+  <p:timing>
+    <p:tnLst>
+      <p:par>
+        <p:cTn id="1" dur="indefinite" restart="never" nodeType="tmRoot"/>
+      </p:par>
+    </p:tnLst>
+  </p:timing>
 </p:sld>
 </file>
 
@@ -8513,6 +8584,13 @@
       <p:transition xmlns:p14="http://schemas.microsoft.com/office/powerpoint/2010/main" spd="slow"/>
     </mc:Fallback>
   </mc:AlternateContent>
+  <p:timing>
+    <p:tnLst>
+      <p:par>
+        <p:cTn id="1" dur="indefinite" restart="never" nodeType="tmRoot"/>
+      </p:par>
+    </p:tnLst>
+  </p:timing>
 </p:sld>
 </file>
 
@@ -8680,6 +8758,13 @@
       <p:transition xmlns:p14="http://schemas.microsoft.com/office/powerpoint/2010/main" spd="slow"/>
     </mc:Fallback>
   </mc:AlternateContent>
+  <p:timing>
+    <p:tnLst>
+      <p:par>
+        <p:cTn id="1" dur="indefinite" restart="never" nodeType="tmRoot"/>
+      </p:par>
+    </p:tnLst>
+  </p:timing>
 </p:sld>
 </file>
 
@@ -8815,6 +8900,13 @@
       <p:transition xmlns:p14="http://schemas.microsoft.com/office/powerpoint/2010/main" spd="slow"/>
     </mc:Fallback>
   </mc:AlternateContent>
+  <p:timing>
+    <p:tnLst>
+      <p:par>
+        <p:cTn id="1" dur="indefinite" restart="never" nodeType="tmRoot"/>
+      </p:par>
+    </p:tnLst>
+  </p:timing>
 </p:sld>
 </file>
 
@@ -8908,6 +9000,13 @@
       <p:transition xmlns:p14="http://schemas.microsoft.com/office/powerpoint/2010/main" spd="slow"/>
     </mc:Fallback>
   </mc:AlternateContent>
+  <p:timing>
+    <p:tnLst>
+      <p:par>
+        <p:cTn id="1" dur="indefinite" restart="never" nodeType="tmRoot"/>
+      </p:par>
+    </p:tnLst>
+  </p:timing>
 </p:sld>
 </file>
 
@@ -9010,11 +9109,7 @@
             </a:pPr>
             <a:r>
               <a:rPr lang="en-US" dirty="0" smtClean="0"/>
-              <a:t>Select </a:t>
-            </a:r>
-            <a:r>
-              <a:rPr lang="en-US" dirty="0" smtClean="0"/>
-              <a:t>reference panel</a:t>
+              <a:t>Select reference panel</a:t>
             </a:r>
           </a:p>
           <a:p>
@@ -9058,6 +9153,13 @@
       <p:transition xmlns:p14="http://schemas.microsoft.com/office/powerpoint/2010/main" spd="slow"/>
     </mc:Fallback>
   </mc:AlternateContent>
+  <p:timing>
+    <p:tnLst>
+      <p:par>
+        <p:cTn id="1" dur="indefinite" restart="never" nodeType="tmRoot"/>
+      </p:par>
+    </p:tnLst>
+  </p:timing>
 </p:sld>
 </file>
 
@@ -9218,14 +9320,7 @@
                 <a:latin typeface="Courier"/>
                 <a:cs typeface="Courier"/>
               </a:rPr>
-              <a:t> output</a:t>
-            </a:r>
-            <a:r>
-              <a:rPr lang="en-US" sz="2000" dirty="0">
-                <a:latin typeface="Courier"/>
-                <a:cs typeface="Courier"/>
-              </a:rPr>
-              <a:t>/</a:t>
+              <a:t> output/</a:t>
             </a:r>
             <a:r>
               <a:rPr lang="en-US" sz="2000" dirty="0" smtClean="0">
@@ -9246,15 +9341,7 @@
             </a:pPr>
             <a:r>
               <a:rPr lang="en-US" dirty="0" smtClean="0"/>
-              <a:t>Upload </a:t>
-            </a:r>
-            <a:r>
-              <a:rPr lang="en-US" dirty="0" smtClean="0"/>
-              <a:t>VCF </a:t>
-            </a:r>
-            <a:r>
-              <a:rPr lang="en-US" dirty="0" smtClean="0"/>
-              <a:t>file</a:t>
+              <a:t>Upload VCF file</a:t>
             </a:r>
             <a:endParaRPr lang="en-US" dirty="0"/>
           </a:p>
@@ -9265,11 +9352,7 @@
             </a:pPr>
             <a:r>
               <a:rPr lang="en-US" dirty="0" smtClean="0"/>
-              <a:t>Leave </a:t>
-            </a:r>
-            <a:r>
-              <a:rPr lang="en-US" dirty="0" smtClean="0"/>
-              <a:t>other choices as default unless you have good reason to change them</a:t>
+              <a:t>Leave other choices as default unless you have good reason to change them</a:t>
             </a:r>
           </a:p>
           <a:p>
@@ -9344,6 +9427,13 @@
       <p:transition xmlns:p14="http://schemas.microsoft.com/office/powerpoint/2010/main" spd="slow"/>
     </mc:Fallback>
   </mc:AlternateContent>
+  <p:timing>
+    <p:tnLst>
+      <p:par>
+        <p:cTn id="1" dur="indefinite" restart="never" nodeType="tmRoot"/>
+      </p:par>
+    </p:tnLst>
+  </p:timing>
 </p:sld>
 </file>
 
@@ -9481,6 +9571,13 @@
       <p:transition xmlns:p14="http://schemas.microsoft.com/office/powerpoint/2010/main" spd="slow"/>
     </mc:Fallback>
   </mc:AlternateContent>
+  <p:timing>
+    <p:tnLst>
+      <p:par>
+        <p:cTn id="1" dur="indefinite" restart="never" nodeType="tmRoot"/>
+      </p:par>
+    </p:tnLst>
+  </p:timing>
 </p:sld>
 </file>
 
@@ -9545,7 +9642,7 @@
         </p:spPr>
         <p:txBody>
           <a:bodyPr>
-            <a:normAutofit/>
+            <a:normAutofit lnSpcReduction="10000"/>
           </a:bodyPr>
           <a:lstStyle/>
           <a:p>
@@ -9558,52 +9655,55 @@
             </a:r>
             <a:r>
               <a:rPr lang="en-US" u="sng" dirty="0" smtClean="0"/>
-              <a:t>Variation: Leverage prior knowledge</a:t>
-            </a:r>
-          </a:p>
-          <a:p>
-            <a:r>
-              <a:rPr lang="en-US" dirty="0" smtClean="0"/>
-              <a:t>Is the phenotype known, or similar to one that is known?</a:t>
-            </a:r>
-          </a:p>
-          <a:p>
-            <a:r>
-              <a:rPr lang="en-US" dirty="0" smtClean="0"/>
-              <a:t>Does the phenotype have characteristics that indicate a genetic cause?</a:t>
-            </a:r>
-          </a:p>
-          <a:p>
-            <a:pPr lvl="1"/>
-            <a:r>
-              <a:rPr lang="en-US" dirty="0" smtClean="0"/>
-              <a:t>Likelihood of being a protein-coding variant</a:t>
-            </a:r>
-          </a:p>
-          <a:p>
-            <a:pPr lvl="1"/>
-            <a:r>
-              <a:rPr lang="en-US" dirty="0" smtClean="0"/>
-              <a:t>Likelihood of being Mendelian</a:t>
-            </a:r>
-          </a:p>
-          <a:p>
-            <a:r>
-              <a:rPr lang="en-US" dirty="0"/>
-              <a:t>Is there family history (pedigree)</a:t>
-            </a:r>
-            <a:r>
-              <a:rPr lang="en-US" dirty="0" smtClean="0"/>
-              <a:t>?</a:t>
-            </a:r>
-            <a:endParaRPr lang="en-US" dirty="0"/>
+              <a:t>Variation: Strategies</a:t>
+            </a:r>
+          </a:p>
+          <a:p>
+            <a:r>
+              <a:rPr lang="en-US" dirty="0" smtClean="0"/>
+              <a:t>WGS is least biased but most expensive</a:t>
+            </a:r>
+          </a:p>
+          <a:p>
+            <a:r>
+              <a:rPr lang="en-US" dirty="0" smtClean="0"/>
+              <a:t>Low-coverage screening of trios/pedigrees, followed by deep sequencing of candidate panel; if nothing turns up, you have the option of sequencing more deeply</a:t>
+            </a:r>
+          </a:p>
+          <a:p>
+            <a:r>
+              <a:rPr lang="en-US" dirty="0" smtClean="0"/>
+              <a:t>WES or amplicon sequencing if you already have gene candidates</a:t>
+            </a:r>
+          </a:p>
+          <a:p>
+            <a:r>
+              <a:rPr lang="en-US" dirty="0" smtClean="0"/>
+              <a:t>Gene expression (</a:t>
+            </a:r>
+            <a:r>
+              <a:rPr lang="en-US" dirty="0" err="1" smtClean="0"/>
+              <a:t>qPCR</a:t>
+            </a:r>
+            <a:r>
+              <a:rPr lang="en-US" dirty="0" smtClean="0"/>
+              <a:t>, RNA-Seq) can diagnose complex causes (</a:t>
+            </a:r>
+            <a:r>
+              <a:rPr lang="en-US" i="1" dirty="0" smtClean="0"/>
+              <a:t>e.g. </a:t>
+            </a:r>
+            <a:r>
+              <a:rPr lang="en-US" dirty="0" smtClean="0"/>
+              <a:t>splice variants)</a:t>
+            </a:r>
           </a:p>
         </p:txBody>
       </p:sp>
     </p:spTree>
     <p:extLst>
       <p:ext uri="{BB962C8B-B14F-4D97-AF65-F5344CB8AC3E}">
-        <p14:creationId xmlns:p14="http://schemas.microsoft.com/office/powerpoint/2010/main" val="2630915436"/>
+        <p14:creationId xmlns:p14="http://schemas.microsoft.com/office/powerpoint/2010/main" val="1054487828"/>
       </p:ext>
     </p:extLst>
   </p:cSld>
@@ -9618,6 +9718,13 @@
       <p:transition xmlns:p14="http://schemas.microsoft.com/office/powerpoint/2010/main" spd="slow"/>
     </mc:Fallback>
   </mc:AlternateContent>
+  <p:timing>
+    <p:tnLst>
+      <p:par>
+        <p:cTn id="1" dur="indefinite" restart="never" nodeType="tmRoot"/>
+      </p:par>
+    </p:tnLst>
+  </p:timing>
 </p:sld>
 </file>
 
@@ -9682,7 +9789,7 @@
         </p:spPr>
         <p:txBody>
           <a:bodyPr>
-            <a:normAutofit lnSpcReduction="10000"/>
+            <a:normAutofit/>
           </a:bodyPr>
           <a:lstStyle/>
           <a:p>
@@ -9695,55 +9802,52 @@
             </a:r>
             <a:r>
               <a:rPr lang="en-US" u="sng" dirty="0" smtClean="0"/>
-              <a:t>Variation: Strategies</a:t>
-            </a:r>
-          </a:p>
-          <a:p>
-            <a:r>
-              <a:rPr lang="en-US" dirty="0" smtClean="0"/>
-              <a:t>WGS is least biased but most expensive</a:t>
-            </a:r>
-          </a:p>
-          <a:p>
-            <a:r>
-              <a:rPr lang="en-US" dirty="0" smtClean="0"/>
-              <a:t>Low-coverage screening of trios/pedigrees, followed by deep sequencing of candidate panel; if nothing turns up, you have the option of sequencing more deeply</a:t>
-            </a:r>
-          </a:p>
-          <a:p>
-            <a:r>
-              <a:rPr lang="en-US" dirty="0" smtClean="0"/>
-              <a:t>WES or amplicon sequencing if you already have gene candidates</a:t>
-            </a:r>
-          </a:p>
-          <a:p>
-            <a:r>
-              <a:rPr lang="en-US" dirty="0" smtClean="0"/>
-              <a:t>Gene expression (</a:t>
-            </a:r>
-            <a:r>
-              <a:rPr lang="en-US" dirty="0" err="1" smtClean="0"/>
-              <a:t>qPCR</a:t>
-            </a:r>
-            <a:r>
-              <a:rPr lang="en-US" dirty="0" smtClean="0"/>
-              <a:t>, RNA-Seq) can diagnose complex causes (</a:t>
-            </a:r>
-            <a:r>
-              <a:rPr lang="en-US" i="1" dirty="0" smtClean="0"/>
-              <a:t>e.g. </a:t>
-            </a:r>
-            <a:r>
-              <a:rPr lang="en-US" dirty="0" smtClean="0"/>
-              <a:t>splice variants)</a:t>
-            </a:r>
+              <a:t>Variation: Leverage prior knowledge</a:t>
+            </a:r>
+          </a:p>
+          <a:p>
+            <a:r>
+              <a:rPr lang="en-US" dirty="0" smtClean="0"/>
+              <a:t>Is the phenotype known, or similar to one that is known?</a:t>
+            </a:r>
+          </a:p>
+          <a:p>
+            <a:r>
+              <a:rPr lang="en-US" dirty="0" smtClean="0"/>
+              <a:t>Does the phenotype have characteristics that indicate a genetic cause?</a:t>
+            </a:r>
+          </a:p>
+          <a:p>
+            <a:pPr lvl="1"/>
+            <a:r>
+              <a:rPr lang="en-US" dirty="0" smtClean="0"/>
+              <a:t>Likelihood of being a protein-coding variant</a:t>
+            </a:r>
+          </a:p>
+          <a:p>
+            <a:pPr lvl="1"/>
+            <a:r>
+              <a:rPr lang="en-US" dirty="0" smtClean="0"/>
+              <a:t>Likelihood of being Mendelian</a:t>
+            </a:r>
+          </a:p>
+          <a:p>
+            <a:r>
+              <a:rPr lang="en-US" dirty="0"/>
+              <a:t>Is there family history (pedigree)</a:t>
+            </a:r>
+            <a:r>
+              <a:rPr lang="en-US" dirty="0" smtClean="0"/>
+              <a:t>?</a:t>
+            </a:r>
+            <a:endParaRPr lang="en-US" dirty="0"/>
           </a:p>
         </p:txBody>
       </p:sp>
     </p:spTree>
     <p:extLst>
       <p:ext uri="{BB962C8B-B14F-4D97-AF65-F5344CB8AC3E}">
-        <p14:creationId xmlns:p14="http://schemas.microsoft.com/office/powerpoint/2010/main" val="1054487828"/>
+        <p14:creationId xmlns:p14="http://schemas.microsoft.com/office/powerpoint/2010/main" val="2630915436"/>
       </p:ext>
     </p:extLst>
   </p:cSld>
@@ -9758,6 +9862,13 @@
       <p:transition xmlns:p14="http://schemas.microsoft.com/office/powerpoint/2010/main" spd="slow"/>
     </mc:Fallback>
   </mc:AlternateContent>
+  <p:timing>
+    <p:tnLst>
+      <p:par>
+        <p:cTn id="1" dur="indefinite" restart="never" nodeType="tmRoot"/>
+      </p:par>
+    </p:tnLst>
+  </p:timing>
 </p:sld>
 </file>
 
@@ -9897,6 +10008,13 @@
       <p:transition xmlns:p14="http://schemas.microsoft.com/office/powerpoint/2010/main" spd="slow"/>
     </mc:Fallback>
   </mc:AlternateContent>
+  <p:timing>
+    <p:tnLst>
+      <p:par>
+        <p:cTn id="1" dur="indefinite" restart="never" nodeType="tmRoot"/>
+      </p:par>
+    </p:tnLst>
+  </p:timing>
 </p:sld>
 </file>
 
@@ -10150,14 +10268,7 @@
                 <a:latin typeface="Courier"/>
                 <a:cs typeface="Courier"/>
               </a:rPr>
-              <a:t>resources/</a:t>
-            </a:r>
-            <a:r>
-              <a:rPr lang="en-US" sz="2000" dirty="0" smtClean="0">
-                <a:latin typeface="Courier"/>
-                <a:cs typeface="Courier"/>
-              </a:rPr>
-              <a:t>1000G_22_sites.vcf</a:t>
+              <a:t>resources/1000G_22_sites.vcf</a:t>
             </a:r>
             <a:r>
               <a:rPr lang="en-US" sz="2000" dirty="0" smtClean="0">
@@ -10347,6 +10458,13 @@
       <p:transition xmlns:p14="http://schemas.microsoft.com/office/powerpoint/2010/main" spd="slow"/>
     </mc:Fallback>
   </mc:AlternateContent>
+  <p:timing>
+    <p:tnLst>
+      <p:par>
+        <p:cTn id="1" dur="indefinite" restart="never" nodeType="tmRoot"/>
+      </p:par>
+    </p:tnLst>
+  </p:timing>
 </p:sld>
 </file>
 
@@ -10574,10 +10692,6 @@
               </a:rPr>
               <a:t>\</a:t>
             </a:r>
-            <a:endParaRPr lang="en-US" sz="2000" dirty="0" smtClean="0">
-              <a:latin typeface="Courier"/>
-              <a:cs typeface="Courier"/>
-            </a:endParaRPr>
           </a:p>
           <a:p>
             <a:pPr marL="0" indent="0">
@@ -10728,6 +10842,13 @@
       <p:transition xmlns:p14="http://schemas.microsoft.com/office/powerpoint/2010/main" spd="slow"/>
     </mc:Fallback>
   </mc:AlternateContent>
+  <p:timing>
+    <p:tnLst>
+      <p:par>
+        <p:cTn id="1" dur="indefinite" restart="never" nodeType="tmRoot"/>
+      </p:par>
+    </p:tnLst>
+  </p:timing>
 </p:sld>
 </file>
 
@@ -11162,6 +11283,13 @@
       <p:transition xmlns:p14="http://schemas.microsoft.com/office/powerpoint/2010/main" spd="slow"/>
     </mc:Fallback>
   </mc:AlternateContent>
+  <p:timing>
+    <p:tnLst>
+      <p:par>
+        <p:cTn id="1" dur="indefinite" restart="never" nodeType="tmRoot"/>
+      </p:par>
+    </p:tnLst>
+  </p:timing>
 </p:sld>
 </file>
 
@@ -11308,6 +11436,13 @@
       <p:transition xmlns:p14="http://schemas.microsoft.com/office/powerpoint/2010/main" spd="slow"/>
     </mc:Fallback>
   </mc:AlternateContent>
+  <p:timing>
+    <p:tnLst>
+      <p:par>
+        <p:cTn id="1" dur="indefinite" restart="never" nodeType="tmRoot"/>
+      </p:par>
+    </p:tnLst>
+  </p:timing>
 </p:sld>
 </file>
 
@@ -11429,6 +11564,13 @@
       <p:transition xmlns:p14="http://schemas.microsoft.com/office/powerpoint/2010/main" spd="slow"/>
     </mc:Fallback>
   </mc:AlternateContent>
+  <p:timing>
+    <p:tnLst>
+      <p:par>
+        <p:cTn id="1" dur="indefinite" restart="never" nodeType="tmRoot"/>
+      </p:par>
+    </p:tnLst>
+  </p:timing>
 </p:sld>
 </file>
 
@@ -11577,6 +11719,13 @@
       <p:transition xmlns:p14="http://schemas.microsoft.com/office/powerpoint/2010/main" spd="slow"/>
     </mc:Fallback>
   </mc:AlternateContent>
+  <p:timing>
+    <p:tnLst>
+      <p:par>
+        <p:cTn id="1" dur="indefinite" restart="never" nodeType="tmRoot"/>
+      </p:par>
+    </p:tnLst>
+  </p:timing>
 </p:sld>
 </file>
 
@@ -11725,6 +11874,13 @@
       <p:transition xmlns:p14="http://schemas.microsoft.com/office/powerpoint/2010/main" spd="slow"/>
     </mc:Fallback>
   </mc:AlternateContent>
+  <p:timing>
+    <p:tnLst>
+      <p:par>
+        <p:cTn id="1" dur="indefinite" restart="never" nodeType="tmRoot"/>
+      </p:par>
+    </p:tnLst>
+  </p:timing>
 </p:sld>
 </file>
 
@@ -11873,6 +12029,13 @@
       <p:transition xmlns:p14="http://schemas.microsoft.com/office/powerpoint/2010/main" spd="slow"/>
     </mc:Fallback>
   </mc:AlternateContent>
+  <p:timing>
+    <p:tnLst>
+      <p:par>
+        <p:cTn id="1" dur="indefinite" restart="never" nodeType="tmRoot"/>
+      </p:par>
+    </p:tnLst>
+  </p:timing>
 </p:sld>
 </file>
 
@@ -12021,6 +12184,13 @@
       <p:transition xmlns:p14="http://schemas.microsoft.com/office/powerpoint/2010/main" spd="slow"/>
     </mc:Fallback>
   </mc:AlternateContent>
+  <p:timing>
+    <p:tnLst>
+      <p:par>
+        <p:cTn id="1" dur="indefinite" restart="never" nodeType="tmRoot"/>
+      </p:par>
+    </p:tnLst>
+  </p:timing>
 </p:sld>
 </file>
 
@@ -12146,6 +12316,13 @@
       <p:transition xmlns:p14="http://schemas.microsoft.com/office/powerpoint/2010/main" spd="slow"/>
     </mc:Fallback>
   </mc:AlternateContent>
+  <p:timing>
+    <p:tnLst>
+      <p:par>
+        <p:cTn id="1" dur="indefinite" restart="never" nodeType="tmRoot"/>
+      </p:par>
+    </p:tnLst>
+  </p:timing>
 </p:sld>
 </file>
 
@@ -12304,6 +12481,13 @@
       <p:transition xmlns:p14="http://schemas.microsoft.com/office/powerpoint/2010/main" spd="slow"/>
     </mc:Fallback>
   </mc:AlternateContent>
+  <p:timing>
+    <p:tnLst>
+      <p:par>
+        <p:cTn id="1" dur="indefinite" restart="never" nodeType="tmRoot"/>
+      </p:par>
+    </p:tnLst>
+  </p:timing>
 </p:sld>
 </file>
 
@@ -12688,6 +12872,18 @@
                 <a:latin typeface="Courier"/>
                 <a:cs typeface="Courier"/>
               </a:rPr>
+              <a:t> \</a:t>
+            </a:r>
+          </a:p>
+          <a:p>
+            <a:pPr marL="0" indent="0">
+              <a:buNone/>
+            </a:pPr>
+            <a:r>
+              <a:rPr lang="en-US" sz="2200" dirty="0">
+                <a:latin typeface="Courier"/>
+                <a:cs typeface="Courier"/>
+              </a:rPr>
               <a:t> </a:t>
             </a:r>
             <a:r>
@@ -12695,40 +12891,7 @@
                 <a:latin typeface="Courier"/>
                 <a:cs typeface="Courier"/>
               </a:rPr>
-              <a:t>\</a:t>
-            </a:r>
-          </a:p>
-          <a:p>
-            <a:pPr marL="0" indent="0">
-              <a:buNone/>
-            </a:pPr>
-            <a:r>
-              <a:rPr lang="en-US" sz="2200" dirty="0">
-                <a:latin typeface="Courier"/>
-                <a:cs typeface="Courier"/>
-              </a:rPr>
-              <a:t> </a:t>
-            </a:r>
-            <a:r>
-              <a:rPr lang="en-US" sz="2200" dirty="0" smtClean="0">
-                <a:latin typeface="Courier"/>
-                <a:cs typeface="Courier"/>
-              </a:rPr>
-              <a:t> </a:t>
-            </a:r>
-            <a:r>
-              <a:rPr lang="en-US" sz="2200" dirty="0" smtClean="0">
-                <a:latin typeface="Courier"/>
-                <a:cs typeface="Courier"/>
-              </a:rPr>
-              <a:t>&amp;</a:t>
-            </a:r>
-            <a:r>
-              <a:rPr lang="en-US" sz="2200" dirty="0" smtClean="0">
-                <a:latin typeface="Courier"/>
-                <a:cs typeface="Courier"/>
-              </a:rPr>
-              <a:t>&amp; </a:t>
+              <a:t> &amp;&amp; </a:t>
             </a:r>
             <a:r>
               <a:rPr lang="en-US" sz="2200" dirty="0" err="1" smtClean="0">
@@ -12804,6 +12967,13 @@
       <p:transition xmlns:p14="http://schemas.microsoft.com/office/powerpoint/2010/main" spd="slow"/>
     </mc:Fallback>
   </mc:AlternateContent>
+  <p:timing>
+    <p:tnLst>
+      <p:par>
+        <p:cTn id="1" dur="indefinite" restart="never" nodeType="tmRoot"/>
+      </p:par>
+    </p:tnLst>
+  </p:timing>
 </p:sld>
 </file>
 
@@ -13000,6 +13170,13 @@
       <p:transition xmlns:p14="http://schemas.microsoft.com/office/powerpoint/2010/main" spd="slow"/>
     </mc:Fallback>
   </mc:AlternateContent>
+  <p:timing>
+    <p:tnLst>
+      <p:par>
+        <p:cTn id="1" dur="indefinite" restart="never" nodeType="tmRoot"/>
+      </p:par>
+    </p:tnLst>
+  </p:timing>
 </p:sld>
 </file>
 
@@ -13121,6 +13298,13 @@
       <p:transition xmlns:p14="http://schemas.microsoft.com/office/powerpoint/2010/main" spd="slow"/>
     </mc:Fallback>
   </mc:AlternateContent>
+  <p:timing>
+    <p:tnLst>
+      <p:par>
+        <p:cTn id="1" dur="indefinite" restart="never" nodeType="tmRoot"/>
+      </p:par>
+    </p:tnLst>
+  </p:timing>
 </p:sld>
 </file>
 
@@ -13314,6 +13498,13 @@
       <p:transition xmlns:p14="http://schemas.microsoft.com/office/powerpoint/2010/main" spd="slow"/>
     </mc:Fallback>
   </mc:AlternateContent>
+  <p:timing>
+    <p:tnLst>
+      <p:par>
+        <p:cTn id="1" dur="indefinite" restart="never" nodeType="tmRoot"/>
+      </p:par>
+    </p:tnLst>
+  </p:timing>
 </p:sld>
 </file>
 
@@ -13447,6 +13638,13 @@
       <p:transition xmlns:p14="http://schemas.microsoft.com/office/powerpoint/2010/main" spd="slow"/>
     </mc:Fallback>
   </mc:AlternateContent>
+  <p:timing>
+    <p:tnLst>
+      <p:par>
+        <p:cTn id="1" dur="indefinite" restart="never" nodeType="tmRoot"/>
+      </p:par>
+    </p:tnLst>
+  </p:timing>
 </p:sld>
 </file>
 
@@ -13620,16 +13818,7 @@
                 </a:solidFill>
                 <a:cs typeface="Courier"/>
               </a:rPr>
-              <a:t>&gt; </a:t>
-            </a:r>
-            <a:r>
-              <a:rPr lang="en-US" dirty="0" smtClean="0">
-                <a:solidFill>
-                  <a:srgbClr val="000000"/>
-                </a:solidFill>
-                <a:cs typeface="Courier"/>
-              </a:rPr>
-              <a:t>0.8</a:t>
+              <a:t>&gt; 0.8</a:t>
             </a:r>
             <a:endParaRPr lang="en-US" dirty="0" smtClean="0">
               <a:solidFill>
@@ -13659,6 +13848,13 @@
       <p:transition xmlns:p14="http://schemas.microsoft.com/office/powerpoint/2010/main" spd="slow"/>
     </mc:Fallback>
   </mc:AlternateContent>
+  <p:timing>
+    <p:tnLst>
+      <p:par>
+        <p:cTn id="1" dur="indefinite" restart="never" nodeType="tmRoot"/>
+      </p:par>
+    </p:tnLst>
+  </p:timing>
 </p:sld>
 </file>
 

--- a/development/AdvancedDNASeq/slides/Part3_SomaticAndDeNovo.pptx
+++ b/development/AdvancedDNASeq/slides/Part3_SomaticAndDeNovo.pptx
@@ -254,7 +254,7 @@
           <a:p>
             <a:fld id="{07AFF704-C85E-D24C-A7E3-0F9EBEED715E}" type="datetimeFigureOut">
               <a:rPr lang="en-US" smtClean="0"/>
-              <a:t>5/24/17</a:t>
+              <a:t>2/25/18</a:t>
             </a:fld>
             <a:endParaRPr lang="en-US"/>
           </a:p>
@@ -526,10 +526,9 @@
           </a:lstStyle>
           <a:p>
             <a:r>
-              <a:rPr kumimoji="0" lang="en-US" smtClean="0"/>
+              <a:rPr kumimoji="0" lang="en-US"/>
               <a:t>Click to edit Master title style</a:t>
             </a:r>
-            <a:endParaRPr kumimoji="0" lang="en-US"/>
           </a:p>
         </p:txBody>
       </p:sp>
@@ -589,10 +588,9 @@
           </a:lstStyle>
           <a:p>
             <a:r>
-              <a:rPr kumimoji="0" lang="en-US" smtClean="0"/>
+              <a:rPr kumimoji="0" lang="en-US"/>
               <a:t>Click to edit Master subtitle style</a:t>
             </a:r>
-            <a:endParaRPr kumimoji="0" lang="en-US"/>
           </a:p>
         </p:txBody>
       </p:sp>
@@ -628,7 +626,7 @@
           <a:p>
             <a:fld id="{C8A432C8-69A7-458B-9684-2BFA64B31948}" type="datetime2">
               <a:rPr lang="en-US" smtClean="0"/>
-              <a:t>Wednesday, May 24, 2017</a:t>
+              <a:t>Sunday, February 25, 2018</a:t>
             </a:fld>
             <a:endParaRPr lang="en-US"/>
           </a:p>
@@ -745,10 +743,9 @@
           <a:lstStyle/>
           <a:p>
             <a:r>
-              <a:rPr kumimoji="0" lang="en-US" smtClean="0"/>
+              <a:rPr kumimoji="0" lang="en-US"/>
               <a:t>Click to edit Master title style</a:t>
             </a:r>
-            <a:endParaRPr kumimoji="0" lang="en-US"/>
           </a:p>
         </p:txBody>
       </p:sp>
@@ -769,35 +766,35 @@
           <a:p>
             <a:pPr lvl="0" eaLnBrk="1" latinLnBrk="0" hangingPunct="1"/>
             <a:r>
-              <a:rPr lang="en-US" smtClean="0"/>
+              <a:rPr lang="en-US"/>
               <a:t>Click to edit Master text styles</a:t>
             </a:r>
           </a:p>
           <a:p>
             <a:pPr lvl="1" eaLnBrk="1" latinLnBrk="0" hangingPunct="1"/>
             <a:r>
-              <a:rPr lang="en-US" smtClean="0"/>
+              <a:rPr lang="en-US"/>
               <a:t>Second level</a:t>
             </a:r>
           </a:p>
           <a:p>
             <a:pPr lvl="2" eaLnBrk="1" latinLnBrk="0" hangingPunct="1"/>
             <a:r>
-              <a:rPr lang="en-US" smtClean="0"/>
+              <a:rPr lang="en-US"/>
               <a:t>Third level</a:t>
             </a:r>
           </a:p>
           <a:p>
             <a:pPr lvl="3" eaLnBrk="1" latinLnBrk="0" hangingPunct="1"/>
             <a:r>
-              <a:rPr lang="en-US" smtClean="0"/>
+              <a:rPr lang="en-US"/>
               <a:t>Fourth level</a:t>
             </a:r>
           </a:p>
           <a:p>
             <a:pPr lvl="4" eaLnBrk="1" latinLnBrk="0" hangingPunct="1"/>
             <a:r>
-              <a:rPr lang="en-US" smtClean="0"/>
+              <a:rPr lang="en-US"/>
               <a:t>Fifth level</a:t>
             </a:r>
             <a:endParaRPr kumimoji="0" lang="en-US"/>
@@ -821,7 +818,7 @@
           <a:p>
             <a:fld id="{8CC057FC-95B6-4D89-AFDA-ABA33EE921E5}" type="datetime2">
               <a:rPr lang="en-US" smtClean="0"/>
-              <a:t>Wednesday, May 24, 2017</a:t>
+              <a:t>Sunday, February 25, 2018</a:t>
             </a:fld>
             <a:endParaRPr lang="en-US"/>
           </a:p>
@@ -922,10 +919,9 @@
           <a:lstStyle/>
           <a:p>
             <a:r>
-              <a:rPr kumimoji="0" lang="en-US" smtClean="0"/>
+              <a:rPr kumimoji="0" lang="en-US"/>
               <a:t>Click to edit Master title style</a:t>
             </a:r>
-            <a:endParaRPr kumimoji="0" lang="en-US"/>
           </a:p>
         </p:txBody>
       </p:sp>
@@ -951,35 +947,35 @@
           <a:p>
             <a:pPr lvl="0" eaLnBrk="1" latinLnBrk="0" hangingPunct="1"/>
             <a:r>
-              <a:rPr lang="en-US" smtClean="0"/>
+              <a:rPr lang="en-US"/>
               <a:t>Click to edit Master text styles</a:t>
             </a:r>
           </a:p>
           <a:p>
             <a:pPr lvl="1" eaLnBrk="1" latinLnBrk="0" hangingPunct="1"/>
             <a:r>
-              <a:rPr lang="en-US" smtClean="0"/>
+              <a:rPr lang="en-US"/>
               <a:t>Second level</a:t>
             </a:r>
           </a:p>
           <a:p>
             <a:pPr lvl="2" eaLnBrk="1" latinLnBrk="0" hangingPunct="1"/>
             <a:r>
-              <a:rPr lang="en-US" smtClean="0"/>
+              <a:rPr lang="en-US"/>
               <a:t>Third level</a:t>
             </a:r>
           </a:p>
           <a:p>
             <a:pPr lvl="3" eaLnBrk="1" latinLnBrk="0" hangingPunct="1"/>
             <a:r>
-              <a:rPr lang="en-US" smtClean="0"/>
+              <a:rPr lang="en-US"/>
               <a:t>Fourth level</a:t>
             </a:r>
           </a:p>
           <a:p>
             <a:pPr lvl="4" eaLnBrk="1" latinLnBrk="0" hangingPunct="1"/>
             <a:r>
-              <a:rPr lang="en-US" smtClean="0"/>
+              <a:rPr lang="en-US"/>
               <a:t>Fifth level</a:t>
             </a:r>
             <a:endParaRPr kumimoji="0" lang="en-US"/>
@@ -1008,7 +1004,7 @@
           <a:p>
             <a:fld id="{EC4549AC-EB31-477F-92A9-B1988E232878}" type="datetime2">
               <a:rPr lang="en-US" smtClean="0"/>
-              <a:t>Wednesday, May 24, 2017</a:t>
+              <a:t>Sunday, February 25, 2018</a:t>
             </a:fld>
             <a:endParaRPr lang="en-US"/>
           </a:p>
@@ -1249,10 +1245,9 @@
           <a:lstStyle/>
           <a:p>
             <a:r>
-              <a:rPr kumimoji="0" lang="en-US" smtClean="0"/>
+              <a:rPr kumimoji="0" lang="en-US"/>
               <a:t>Click to edit Master title style</a:t>
             </a:r>
-            <a:endParaRPr kumimoji="0" lang="en-US"/>
           </a:p>
         </p:txBody>
       </p:sp>
@@ -1273,7 +1268,7 @@
           <a:p>
             <a:fld id="{6396A3A3-94A6-4E5B-AF39-173ACA3E61CC}" type="datetime2">
               <a:rPr lang="en-US" smtClean="0"/>
-              <a:t>Wednesday, May 24, 2017</a:t>
+              <a:t>Sunday, February 25, 2018</a:t>
             </a:fld>
             <a:endParaRPr lang="en-US"/>
           </a:p>
@@ -1353,35 +1348,35 @@
           <a:p>
             <a:pPr lvl="0" eaLnBrk="1" latinLnBrk="0" hangingPunct="1"/>
             <a:r>
-              <a:rPr lang="en-US" smtClean="0"/>
+              <a:rPr lang="en-US"/>
               <a:t>Click to edit Master text styles</a:t>
             </a:r>
           </a:p>
           <a:p>
             <a:pPr lvl="1" eaLnBrk="1" latinLnBrk="0" hangingPunct="1"/>
             <a:r>
-              <a:rPr lang="en-US" smtClean="0"/>
+              <a:rPr lang="en-US"/>
               <a:t>Second level</a:t>
             </a:r>
           </a:p>
           <a:p>
             <a:pPr lvl="2" eaLnBrk="1" latinLnBrk="0" hangingPunct="1"/>
             <a:r>
-              <a:rPr lang="en-US" smtClean="0"/>
+              <a:rPr lang="en-US"/>
               <a:t>Third level</a:t>
             </a:r>
           </a:p>
           <a:p>
             <a:pPr lvl="3" eaLnBrk="1" latinLnBrk="0" hangingPunct="1"/>
             <a:r>
-              <a:rPr lang="en-US" smtClean="0"/>
+              <a:rPr lang="en-US"/>
               <a:t>Fourth level</a:t>
             </a:r>
           </a:p>
           <a:p>
             <a:pPr lvl="4" eaLnBrk="1" latinLnBrk="0" hangingPunct="1"/>
             <a:r>
-              <a:rPr lang="en-US" smtClean="0"/>
+              <a:rPr lang="en-US"/>
               <a:t>Fifth level</a:t>
             </a:r>
             <a:endParaRPr kumimoji="0" lang="en-US"/>
@@ -1489,7 +1484,7 @@
           <a:p>
             <a:pPr lvl="0" eaLnBrk="1" latinLnBrk="0" hangingPunct="1"/>
             <a:r>
-              <a:rPr kumimoji="0" lang="en-US" smtClean="0"/>
+              <a:rPr kumimoji="0" lang="en-US"/>
               <a:t>Click to edit Master text styles</a:t>
             </a:r>
           </a:p>
@@ -1667,10 +1662,9 @@
           </a:lstStyle>
           <a:p>
             <a:r>
-              <a:rPr kumimoji="0" lang="en-US" smtClean="0"/>
+              <a:rPr kumimoji="0" lang="en-US"/>
               <a:t>Click to edit Master title style</a:t>
             </a:r>
-            <a:endParaRPr kumimoji="0" lang="en-US"/>
           </a:p>
         </p:txBody>
       </p:sp>
@@ -1691,7 +1685,7 @@
           <a:p>
             <a:fld id="{9933D019-A32C-4EAD-B8E6-DBDA699692FD}" type="datetime2">
               <a:rPr lang="en-US" smtClean="0"/>
-              <a:t>Wednesday, May 24, 2017</a:t>
+              <a:t>Sunday, February 25, 2018</a:t>
             </a:fld>
             <a:endParaRPr lang="en-US"/>
           </a:p>
@@ -1797,10 +1791,9 @@
           <a:lstStyle/>
           <a:p>
             <a:r>
-              <a:rPr kumimoji="0" lang="en-US" smtClean="0"/>
+              <a:rPr kumimoji="0" lang="en-US"/>
               <a:t>Click to edit Master title style</a:t>
             </a:r>
-            <a:endParaRPr kumimoji="0" lang="en-US"/>
           </a:p>
         </p:txBody>
       </p:sp>
@@ -1826,35 +1819,35 @@
           <a:p>
             <a:pPr lvl="0" eaLnBrk="1" latinLnBrk="0" hangingPunct="1"/>
             <a:r>
-              <a:rPr lang="en-US" smtClean="0"/>
+              <a:rPr lang="en-US"/>
               <a:t>Click to edit Master text styles</a:t>
             </a:r>
           </a:p>
           <a:p>
             <a:pPr lvl="1" eaLnBrk="1" latinLnBrk="0" hangingPunct="1"/>
             <a:r>
-              <a:rPr lang="en-US" smtClean="0"/>
+              <a:rPr lang="en-US"/>
               <a:t>Second level</a:t>
             </a:r>
           </a:p>
           <a:p>
             <a:pPr lvl="2" eaLnBrk="1" latinLnBrk="0" hangingPunct="1"/>
             <a:r>
-              <a:rPr lang="en-US" smtClean="0"/>
+              <a:rPr lang="en-US"/>
               <a:t>Third level</a:t>
             </a:r>
           </a:p>
           <a:p>
             <a:pPr lvl="3" eaLnBrk="1" latinLnBrk="0" hangingPunct="1"/>
             <a:r>
-              <a:rPr lang="en-US" smtClean="0"/>
+              <a:rPr lang="en-US"/>
               <a:t>Fourth level</a:t>
             </a:r>
           </a:p>
           <a:p>
             <a:pPr lvl="4" eaLnBrk="1" latinLnBrk="0" hangingPunct="1"/>
             <a:r>
-              <a:rPr lang="en-US" smtClean="0"/>
+              <a:rPr lang="en-US"/>
               <a:t>Fifth level</a:t>
             </a:r>
             <a:endParaRPr kumimoji="0" lang="en-US"/>
@@ -1883,35 +1876,35 @@
           <a:p>
             <a:pPr lvl="0" eaLnBrk="1" latinLnBrk="0" hangingPunct="1"/>
             <a:r>
-              <a:rPr lang="en-US" smtClean="0"/>
+              <a:rPr lang="en-US"/>
               <a:t>Click to edit Master text styles</a:t>
             </a:r>
           </a:p>
           <a:p>
             <a:pPr lvl="1" eaLnBrk="1" latinLnBrk="0" hangingPunct="1"/>
             <a:r>
-              <a:rPr lang="en-US" smtClean="0"/>
+              <a:rPr lang="en-US"/>
               <a:t>Second level</a:t>
             </a:r>
           </a:p>
           <a:p>
             <a:pPr lvl="2" eaLnBrk="1" latinLnBrk="0" hangingPunct="1"/>
             <a:r>
-              <a:rPr lang="en-US" smtClean="0"/>
+              <a:rPr lang="en-US"/>
               <a:t>Third level</a:t>
             </a:r>
           </a:p>
           <a:p>
             <a:pPr lvl="3" eaLnBrk="1" latinLnBrk="0" hangingPunct="1"/>
             <a:r>
-              <a:rPr lang="en-US" smtClean="0"/>
+              <a:rPr lang="en-US"/>
               <a:t>Fourth level</a:t>
             </a:r>
           </a:p>
           <a:p>
             <a:pPr lvl="4" eaLnBrk="1" latinLnBrk="0" hangingPunct="1"/>
             <a:r>
-              <a:rPr lang="en-US" smtClean="0"/>
+              <a:rPr lang="en-US"/>
               <a:t>Fifth level</a:t>
             </a:r>
             <a:endParaRPr kumimoji="0" lang="en-US"/>
@@ -1935,7 +1928,7 @@
           <a:p>
             <a:fld id="{CCEBA98F-560C-4997-81C4-81D4D9187EAB}" type="datetime2">
               <a:rPr lang="en-US" smtClean="0"/>
-              <a:t>Wednesday, May 24, 2017</a:t>
+              <a:t>Sunday, February 25, 2018</a:t>
             </a:fld>
             <a:endParaRPr lang="en-US"/>
           </a:p>
@@ -2035,10 +2028,9 @@
           </a:lstStyle>
           <a:p>
             <a:r>
-              <a:rPr kumimoji="0" lang="en-US" smtClean="0"/>
+              <a:rPr kumimoji="0" lang="en-US"/>
               <a:t>Click to edit Master title style</a:t>
             </a:r>
-            <a:endParaRPr kumimoji="0" lang="en-US"/>
           </a:p>
         </p:txBody>
       </p:sp>
@@ -2064,35 +2056,35 @@
           <a:p>
             <a:pPr lvl="0" eaLnBrk="1" latinLnBrk="0" hangingPunct="1"/>
             <a:r>
-              <a:rPr lang="en-US" smtClean="0"/>
+              <a:rPr lang="en-US"/>
               <a:t>Click to edit Master text styles</a:t>
             </a:r>
           </a:p>
           <a:p>
             <a:pPr lvl="1" eaLnBrk="1" latinLnBrk="0" hangingPunct="1"/>
             <a:r>
-              <a:rPr lang="en-US" smtClean="0"/>
+              <a:rPr lang="en-US"/>
               <a:t>Second level</a:t>
             </a:r>
           </a:p>
           <a:p>
             <a:pPr lvl="2" eaLnBrk="1" latinLnBrk="0" hangingPunct="1"/>
             <a:r>
-              <a:rPr lang="en-US" smtClean="0"/>
+              <a:rPr lang="en-US"/>
               <a:t>Third level</a:t>
             </a:r>
           </a:p>
           <a:p>
             <a:pPr lvl="3" eaLnBrk="1" latinLnBrk="0" hangingPunct="1"/>
             <a:r>
-              <a:rPr lang="en-US" smtClean="0"/>
+              <a:rPr lang="en-US"/>
               <a:t>Fourth level</a:t>
             </a:r>
           </a:p>
           <a:p>
             <a:pPr lvl="4" eaLnBrk="1" latinLnBrk="0" hangingPunct="1"/>
             <a:r>
-              <a:rPr lang="en-US" smtClean="0"/>
+              <a:rPr lang="en-US"/>
               <a:t>Fifth level</a:t>
             </a:r>
             <a:endParaRPr kumimoji="0" lang="en-US"/>
@@ -2121,35 +2113,35 @@
           <a:p>
             <a:pPr lvl="0" eaLnBrk="1" latinLnBrk="0" hangingPunct="1"/>
             <a:r>
-              <a:rPr lang="en-US" smtClean="0"/>
+              <a:rPr lang="en-US"/>
               <a:t>Click to edit Master text styles</a:t>
             </a:r>
           </a:p>
           <a:p>
             <a:pPr lvl="1" eaLnBrk="1" latinLnBrk="0" hangingPunct="1"/>
             <a:r>
-              <a:rPr lang="en-US" smtClean="0"/>
+              <a:rPr lang="en-US"/>
               <a:t>Second level</a:t>
             </a:r>
           </a:p>
           <a:p>
             <a:pPr lvl="2" eaLnBrk="1" latinLnBrk="0" hangingPunct="1"/>
             <a:r>
-              <a:rPr lang="en-US" smtClean="0"/>
+              <a:rPr lang="en-US"/>
               <a:t>Third level</a:t>
             </a:r>
           </a:p>
           <a:p>
             <a:pPr lvl="3" eaLnBrk="1" latinLnBrk="0" hangingPunct="1"/>
             <a:r>
-              <a:rPr lang="en-US" smtClean="0"/>
+              <a:rPr lang="en-US"/>
               <a:t>Fourth level</a:t>
             </a:r>
           </a:p>
           <a:p>
             <a:pPr lvl="4" eaLnBrk="1" latinLnBrk="0" hangingPunct="1"/>
             <a:r>
-              <a:rPr lang="en-US" smtClean="0"/>
+              <a:rPr lang="en-US"/>
               <a:t>Fifth level</a:t>
             </a:r>
             <a:endParaRPr kumimoji="0" lang="en-US"/>
@@ -2173,7 +2165,7 @@
           <a:p>
             <a:fld id="{150972B2-CA5C-437D-87D0-8081271A9E4B}" type="datetime2">
               <a:rPr lang="en-US" smtClean="0"/>
-              <a:t>Wednesday, May 24, 2017</a:t>
+              <a:t>Sunday, February 25, 2018</a:t>
             </a:fld>
             <a:endParaRPr lang="en-US"/>
           </a:p>
@@ -2258,7 +2250,7 @@
           <a:p>
             <a:pPr lvl="0" eaLnBrk="1" latinLnBrk="0" hangingPunct="1"/>
             <a:r>
-              <a:rPr kumimoji="0" lang="en-US" smtClean="0"/>
+              <a:rPr kumimoji="0" lang="en-US"/>
               <a:t>Click to edit Master text styles</a:t>
             </a:r>
           </a:p>
@@ -2299,7 +2291,7 @@
           <a:p>
             <a:pPr lvl="0" eaLnBrk="1" latinLnBrk="0" hangingPunct="1"/>
             <a:r>
-              <a:rPr kumimoji="0" lang="en-US" smtClean="0"/>
+              <a:rPr kumimoji="0" lang="en-US"/>
               <a:t>Click to edit Master text styles</a:t>
             </a:r>
           </a:p>
@@ -2346,10 +2338,9 @@
           <a:lstStyle/>
           <a:p>
             <a:r>
-              <a:rPr kumimoji="0" lang="en-US" smtClean="0"/>
+              <a:rPr kumimoji="0" lang="en-US"/>
               <a:t>Click to edit Master title style</a:t>
             </a:r>
-            <a:endParaRPr kumimoji="0" lang="en-US"/>
           </a:p>
         </p:txBody>
       </p:sp>
@@ -2370,7 +2361,7 @@
           <a:p>
             <a:fld id="{79CD4847-11EF-4466-A8AD-85CDB7B49118}" type="datetime2">
               <a:rPr lang="en-US" smtClean="0"/>
-              <a:t>Wednesday, May 24, 2017</a:t>
+              <a:t>Sunday, February 25, 2018</a:t>
             </a:fld>
             <a:endParaRPr lang="en-US"/>
           </a:p>
@@ -2470,7 +2461,7 @@
           <a:p>
             <a:fld id="{F168457A-3AB9-4880-8A0C-9F8524491207}" type="datetime2">
               <a:rPr lang="en-US" smtClean="0"/>
-              <a:t>Wednesday, May 24, 2017</a:t>
+              <a:t>Sunday, February 25, 2018</a:t>
             </a:fld>
             <a:endParaRPr lang="en-US"/>
           </a:p>
@@ -2584,10 +2575,9 @@
           </a:lstStyle>
           <a:p>
             <a:r>
-              <a:rPr kumimoji="0" lang="en-US" smtClean="0"/>
+              <a:rPr kumimoji="0" lang="en-US"/>
               <a:t>Click to edit Master title style</a:t>
             </a:r>
-            <a:endParaRPr kumimoji="0" lang="en-US"/>
           </a:p>
         </p:txBody>
       </p:sp>
@@ -2608,7 +2598,7 @@
           <a:p>
             <a:fld id="{3FE976D3-5B7F-4300-ABED-C91F1B2AE209}" type="datetime2">
               <a:rPr lang="en-US" smtClean="0"/>
-              <a:t>Wednesday, May 24, 2017</a:t>
+              <a:t>Sunday, February 25, 2018</a:t>
             </a:fld>
             <a:endParaRPr lang="en-US"/>
           </a:p>
@@ -2734,7 +2724,7 @@
           <a:p>
             <a:pPr lvl="0" eaLnBrk="1" latinLnBrk="0" hangingPunct="1"/>
             <a:r>
-              <a:rPr kumimoji="0" lang="en-US" smtClean="0"/>
+              <a:rPr kumimoji="0" lang="en-US"/>
               <a:t>Click to edit Master text styles</a:t>
             </a:r>
           </a:p>
@@ -2762,35 +2752,35 @@
           <a:p>
             <a:pPr lvl="0" eaLnBrk="1" latinLnBrk="0" hangingPunct="1"/>
             <a:r>
-              <a:rPr lang="en-US" smtClean="0"/>
+              <a:rPr lang="en-US"/>
               <a:t>Click to edit Master text styles</a:t>
             </a:r>
           </a:p>
           <a:p>
             <a:pPr lvl="1" eaLnBrk="1" latinLnBrk="0" hangingPunct="1"/>
             <a:r>
-              <a:rPr lang="en-US" smtClean="0"/>
+              <a:rPr lang="en-US"/>
               <a:t>Second level</a:t>
             </a:r>
           </a:p>
           <a:p>
             <a:pPr lvl="2" eaLnBrk="1" latinLnBrk="0" hangingPunct="1"/>
             <a:r>
-              <a:rPr lang="en-US" smtClean="0"/>
+              <a:rPr lang="en-US"/>
               <a:t>Third level</a:t>
             </a:r>
           </a:p>
           <a:p>
             <a:pPr lvl="3" eaLnBrk="1" latinLnBrk="0" hangingPunct="1"/>
             <a:r>
-              <a:rPr lang="en-US" smtClean="0"/>
+              <a:rPr lang="en-US"/>
               <a:t>Fourth level</a:t>
             </a:r>
           </a:p>
           <a:p>
             <a:pPr lvl="4" eaLnBrk="1" latinLnBrk="0" hangingPunct="1"/>
             <a:r>
-              <a:rPr lang="en-US" smtClean="0"/>
+              <a:rPr lang="en-US"/>
               <a:t>Fifth level</a:t>
             </a:r>
             <a:endParaRPr kumimoji="0" lang="en-US"/>
@@ -2875,7 +2865,7 @@
           <a:p>
             <a:pPr lvl="0" eaLnBrk="1" latinLnBrk="0" hangingPunct="1"/>
             <a:r>
-              <a:rPr kumimoji="0" lang="en-US" smtClean="0"/>
+              <a:rPr kumimoji="0" lang="en-US"/>
               <a:t>Click to edit Master text styles</a:t>
             </a:r>
           </a:p>
@@ -3053,10 +3043,9 @@
           </a:lstStyle>
           <a:p>
             <a:r>
-              <a:rPr kumimoji="0" lang="en-US" smtClean="0"/>
+              <a:rPr kumimoji="0" lang="en-US"/>
               <a:t>Click to edit Master title style</a:t>
             </a:r>
-            <a:endParaRPr kumimoji="0" lang="en-US"/>
           </a:p>
         </p:txBody>
       </p:sp>
@@ -3128,7 +3117,7 @@
           <a:p>
             <a:fld id="{EBDC1E59-17DD-41CE-97CA-624A472382D4}" type="datetime2">
               <a:rPr lang="en-US" smtClean="0"/>
-              <a:t>Wednesday, May 24, 2017</a:t>
+              <a:t>Sunday, February 25, 2018</a:t>
             </a:fld>
             <a:endParaRPr lang="en-US"/>
           </a:p>
@@ -3226,7 +3215,7 @@
           </a:lstStyle>
           <a:p>
             <a:r>
-              <a:rPr kumimoji="0" lang="en-US" smtClean="0"/>
+              <a:rPr kumimoji="0" lang="en-US"/>
               <a:t>Drag picture to placeholder or click icon to add</a:t>
             </a:r>
             <a:endParaRPr kumimoji="0" lang="en-US" dirty="0"/>
@@ -3289,10 +3278,9 @@
           <a:lstStyle/>
           <a:p>
             <a:r>
-              <a:rPr kumimoji="0" lang="en-US" dirty="0" smtClean="0"/>
+              <a:rPr kumimoji="0" lang="en-US" dirty="0"/>
               <a:t>Click to edit Master title style</a:t>
             </a:r>
-            <a:endParaRPr kumimoji="0" lang="en-US" dirty="0"/>
           </a:p>
         </p:txBody>
       </p:sp>
@@ -3323,38 +3311,37 @@
           <a:p>
             <a:pPr lvl="0" eaLnBrk="1" latinLnBrk="0" hangingPunct="1"/>
             <a:r>
-              <a:rPr kumimoji="0" lang="en-US" dirty="0" smtClean="0"/>
+              <a:rPr kumimoji="0" lang="en-US" dirty="0"/>
               <a:t>Click to edit Master text styles</a:t>
             </a:r>
           </a:p>
           <a:p>
             <a:pPr lvl="1" eaLnBrk="1" latinLnBrk="0" hangingPunct="1"/>
             <a:r>
-              <a:rPr kumimoji="0" lang="en-US" dirty="0" smtClean="0"/>
+              <a:rPr kumimoji="0" lang="en-US" dirty="0"/>
               <a:t>Second level</a:t>
             </a:r>
           </a:p>
           <a:p>
             <a:pPr lvl="2" eaLnBrk="1" latinLnBrk="0" hangingPunct="1"/>
             <a:r>
-              <a:rPr kumimoji="0" lang="en-US" dirty="0" smtClean="0"/>
+              <a:rPr kumimoji="0" lang="en-US" dirty="0"/>
               <a:t>Third level</a:t>
             </a:r>
           </a:p>
           <a:p>
             <a:pPr lvl="3" eaLnBrk="1" latinLnBrk="0" hangingPunct="1"/>
             <a:r>
-              <a:rPr kumimoji="0" lang="en-US" dirty="0" smtClean="0"/>
+              <a:rPr kumimoji="0" lang="en-US" dirty="0"/>
               <a:t>Fourth level</a:t>
             </a:r>
           </a:p>
           <a:p>
             <a:pPr lvl="4" eaLnBrk="1" latinLnBrk="0" hangingPunct="1"/>
             <a:r>
-              <a:rPr kumimoji="0" lang="en-US" dirty="0" smtClean="0"/>
+              <a:rPr kumimoji="0" lang="en-US" dirty="0"/>
               <a:t>Fifth level</a:t>
             </a:r>
-            <a:endParaRPr kumimoji="0" lang="en-US" dirty="0"/>
           </a:p>
         </p:txBody>
       </p:sp>
@@ -3391,7 +3378,7 @@
           <a:p>
             <a:fld id="{A80CB818-7379-467D-8E76-EF9D9074A26C}" type="datetime2">
               <a:rPr lang="en-US" smtClean="0"/>
-              <a:t>Wednesday, May 24, 2017</a:t>
+              <a:t>Sunday, February 25, 2018</a:t>
             </a:fld>
             <a:endParaRPr lang="en-US" dirty="0"/>
           </a:p>
@@ -3951,12 +3938,8 @@
           <a:lstStyle/>
           <a:p>
             <a:r>
-              <a:rPr lang="en-US" dirty="0" smtClean="0"/>
-              <a:t>Haplotype, de novo, and SOMATIC </a:t>
-            </a:r>
-            <a:r>
-              <a:rPr lang="en-US" dirty="0"/>
-              <a:t>variant calling</a:t>
+              <a:rPr lang="en-US" dirty="0"/>
+              <a:t>Haplotype, de novo, and SOMATIC variant calling</a:t>
             </a:r>
           </a:p>
         </p:txBody>
@@ -3977,10 +3960,9 @@
           <a:lstStyle/>
           <a:p>
             <a:r>
-              <a:rPr lang="en-US" dirty="0" smtClean="0"/>
+              <a:rPr lang="en-US" dirty="0"/>
               <a:t>John Didion, PhD</a:t>
             </a:r>
-            <a:endParaRPr lang="en-US" dirty="0"/>
           </a:p>
         </p:txBody>
       </p:sp>
@@ -3994,13 +3976,6 @@
   <p:clrMapOvr>
     <a:masterClrMapping/>
   </p:clrMapOvr>
-  <p:timing>
-    <p:tnLst>
-      <p:par>
-        <p:cTn id="1" dur="indefinite" restart="never" nodeType="tmRoot"/>
-      </p:par>
-    </p:tnLst>
-  </p:timing>
 </p:sld>
 </file>
 
@@ -4045,10 +4020,9 @@
           <a:p>
             <a:pPr algn="ctr"/>
             <a:r>
-              <a:rPr lang="en-US" dirty="0" smtClean="0"/>
+              <a:rPr lang="en-US" dirty="0"/>
               <a:t>DETERMINING HAPLOYPTES (PHASING)</a:t>
             </a:r>
-            <a:endParaRPr lang="en-US" dirty="0"/>
           </a:p>
         </p:txBody>
       </p:sp>
@@ -4075,7 +4049,7 @@
           <a:lstStyle/>
           <a:p>
             <a:r>
-              <a:rPr lang="en-US" dirty="0" smtClean="0"/>
+              <a:rPr lang="en-US" dirty="0"/>
               <a:t>Three methods</a:t>
             </a:r>
             <a:endParaRPr lang="en-US" dirty="0">
@@ -4092,31 +4066,13 @@
               <a:buAutoNum type="arabicPeriod"/>
             </a:pPr>
             <a:r>
-              <a:rPr lang="en-US" dirty="0" smtClean="0">
-                <a:solidFill>
-                  <a:srgbClr val="000000"/>
-                </a:solidFill>
-                <a:cs typeface="Courier"/>
-              </a:rPr>
-              <a:t>Transmission: </a:t>
-            </a:r>
-            <a:r>
               <a:rPr lang="en-US" dirty="0">
                 <a:solidFill>
                   <a:srgbClr val="000000"/>
                 </a:solidFill>
                 <a:cs typeface="Courier"/>
               </a:rPr>
-              <a:t>given genotypes of multiple individuals in a pedigree, offspring haplotypes can be determined from </a:t>
-            </a:r>
-            <a:r>
-              <a:rPr lang="en-US" dirty="0" smtClean="0">
-                <a:solidFill>
-                  <a:srgbClr val="000000"/>
-                </a:solidFill>
-                <a:cs typeface="Courier"/>
-              </a:rPr>
-              <a:t>parents.</a:t>
+              <a:t>Transmission: given genotypes of multiple individuals in a pedigree, offspring haplotypes can be determined from parents.</a:t>
             </a:r>
           </a:p>
           <a:p>
@@ -4124,16 +4080,6 @@
               <a:buFont typeface="+mj-lt"/>
               <a:buAutoNum type="arabicPeriod"/>
             </a:pPr>
-            <a:r>
-              <a:rPr lang="en-US" dirty="0" smtClean="0">
-                <a:solidFill>
-                  <a:srgbClr val="000000"/>
-                </a:solidFill>
-                <a:latin typeface="+mj-lt"/>
-                <a:cs typeface="Courier"/>
-              </a:rPr>
-              <a:t>Read-backed: identify alleles co-occurring in sequencing reads. </a:t>
-            </a:r>
             <a:r>
               <a:rPr lang="en-US" dirty="0">
                 <a:solidFill>
@@ -4142,17 +4088,7 @@
                 <a:latin typeface="+mj-lt"/>
                 <a:cs typeface="Courier"/>
               </a:rPr>
-              <a:t>S</a:t>
-            </a:r>
-            <a:r>
-              <a:rPr lang="en-US" dirty="0" smtClean="0">
-                <a:solidFill>
-                  <a:srgbClr val="000000"/>
-                </a:solidFill>
-                <a:latin typeface="+mj-lt"/>
-                <a:cs typeface="Courier"/>
-              </a:rPr>
-              <a:t>ome cutting-edge sequencing methods/technologies enable phase to be determined over long distances (10s to 100s of kb).</a:t>
+              <a:t>Read-backed: identify alleles co-occurring in sequencing reads. Some cutting-edge sequencing methods/technologies enable phase to be determined over long distances (10s to 100s of kb).</a:t>
             </a:r>
           </a:p>
           <a:p>
@@ -4160,15 +4096,6 @@
               <a:buFont typeface="+mj-lt"/>
               <a:buAutoNum type="arabicPeriod"/>
             </a:pPr>
-            <a:r>
-              <a:rPr lang="en-US" dirty="0" smtClean="0">
-                <a:solidFill>
-                  <a:srgbClr val="000000"/>
-                </a:solidFill>
-                <a:cs typeface="Courier"/>
-              </a:rPr>
-              <a:t>Statistical: </a:t>
-            </a:r>
             <a:r>
               <a:rPr lang="en-US" dirty="0">
                 <a:solidFill>
@@ -4176,16 +4103,7 @@
                 </a:solidFill>
                 <a:cs typeface="Courier"/>
               </a:rPr>
-              <a:t>given a large number of reference sequences, identify patterns of co-occurring alleles; match new samples to these </a:t>
-            </a:r>
-            <a:r>
-              <a:rPr lang="en-US" dirty="0" smtClean="0">
-                <a:solidFill>
-                  <a:srgbClr val="000000"/>
-                </a:solidFill>
-                <a:cs typeface="Courier"/>
-              </a:rPr>
-              <a:t>patterns</a:t>
+              <a:t>Statistical: given a large number of reference sequences, identify patterns of co-occurring alleles; match new samples to these patterns</a:t>
             </a:r>
             <a:r>
               <a:rPr lang="en-US" dirty="0"/>
@@ -4210,21 +4128,6 @@
   <p:clrMapOvr>
     <a:masterClrMapping/>
   </p:clrMapOvr>
-  <mc:AlternateContent xmlns:mc="http://schemas.openxmlformats.org/markup-compatibility/2006" xmlns:p14="http://schemas.microsoft.com/office/powerpoint/2010/main">
-    <mc:Choice Requires="p14">
-      <p:transition spd="slow" p14:dur="2000"/>
-    </mc:Choice>
-    <mc:Fallback xmlns="">
-      <p:transition xmlns:p14="http://schemas.microsoft.com/office/powerpoint/2010/main" spd="slow"/>
-    </mc:Fallback>
-  </mc:AlternateContent>
-  <p:timing>
-    <p:tnLst>
-      <p:par>
-        <p:cTn id="1" dur="indefinite" restart="never" nodeType="tmRoot"/>
-      </p:par>
-    </p:tnLst>
-  </p:timing>
 </p:sld>
 </file>
 
@@ -4269,10 +4172,9 @@
           <a:p>
             <a:pPr algn="ctr"/>
             <a:r>
-              <a:rPr lang="en-US" dirty="0" smtClean="0"/>
+              <a:rPr lang="en-US" dirty="0"/>
               <a:t>DETERMINING HAPLOYPTES (PHASING)</a:t>
             </a:r>
-            <a:endParaRPr lang="en-US" dirty="0"/>
           </a:p>
         </p:txBody>
       </p:sp>
@@ -4323,10 +4225,9 @@
           <a:lstStyle/>
           <a:p>
             <a:r>
-              <a:rPr lang="en-US" dirty="0" smtClean="0"/>
+              <a:rPr lang="en-US" dirty="0"/>
               <a:t>Broad Institute</a:t>
             </a:r>
-            <a:endParaRPr lang="en-US" dirty="0"/>
           </a:p>
         </p:txBody>
       </p:sp>
@@ -4340,21 +4241,6 @@
   <p:clrMapOvr>
     <a:masterClrMapping/>
   </p:clrMapOvr>
-  <mc:AlternateContent xmlns:mc="http://schemas.openxmlformats.org/markup-compatibility/2006" xmlns:p14="http://schemas.microsoft.com/office/powerpoint/2010/main">
-    <mc:Choice Requires="p14">
-      <p:transition spd="slow" p14:dur="2000"/>
-    </mc:Choice>
-    <mc:Fallback xmlns="">
-      <p:transition xmlns:p14="http://schemas.microsoft.com/office/powerpoint/2010/main" spd="slow"/>
-    </mc:Fallback>
-  </mc:AlternateContent>
-  <p:timing>
-    <p:tnLst>
-      <p:par>
-        <p:cTn id="1" dur="indefinite" restart="never" nodeType="tmRoot"/>
-      </p:par>
-    </p:tnLst>
-  </p:timing>
 </p:sld>
 </file>
 
@@ -4399,10 +4285,9 @@
           <a:p>
             <a:pPr algn="ctr"/>
             <a:r>
-              <a:rPr lang="en-US" dirty="0" smtClean="0"/>
+              <a:rPr lang="en-US" dirty="0"/>
               <a:t>PHASING BY TRANSMISSION</a:t>
             </a:r>
-            <a:endParaRPr lang="en-US" dirty="0"/>
           </a:p>
         </p:txBody>
       </p:sp>
@@ -4432,7 +4317,7 @@
               <a:buNone/>
             </a:pPr>
             <a:r>
-              <a:rPr lang="en-US" u="sng" dirty="0" smtClean="0"/>
+              <a:rPr lang="en-US" u="sng" dirty="0"/>
               <a:t>Pedigrees</a:t>
             </a:r>
           </a:p>
@@ -4486,17 +4371,16 @@
           <a:p>
             <a:pPr algn="ctr"/>
             <a:r>
-              <a:rPr lang="en-US" dirty="0" smtClean="0"/>
+              <a:rPr lang="en-US" dirty="0"/>
               <a:t>Unaffected</a:t>
             </a:r>
           </a:p>
           <a:p>
             <a:pPr algn="ctr"/>
             <a:r>
-              <a:rPr lang="en-US" dirty="0" smtClean="0"/>
+              <a:rPr lang="en-US" dirty="0"/>
               <a:t>Male</a:t>
             </a:r>
-            <a:endParaRPr lang="en-US" dirty="0"/>
           </a:p>
         </p:txBody>
       </p:sp>
@@ -4524,17 +4408,16 @@
           <a:p>
             <a:pPr algn="ctr"/>
             <a:r>
-              <a:rPr lang="en-US" dirty="0" smtClean="0"/>
+              <a:rPr lang="en-US" dirty="0"/>
               <a:t>Unaffected</a:t>
             </a:r>
           </a:p>
           <a:p>
             <a:pPr algn="ctr"/>
             <a:r>
-              <a:rPr lang="en-US" dirty="0" smtClean="0"/>
+              <a:rPr lang="en-US" dirty="0"/>
               <a:t>Female</a:t>
             </a:r>
-            <a:endParaRPr lang="en-US" dirty="0"/>
           </a:p>
         </p:txBody>
       </p:sp>
@@ -4562,17 +4445,16 @@
           <a:p>
             <a:pPr algn="ctr"/>
             <a:r>
-              <a:rPr lang="en-US" dirty="0" smtClean="0"/>
+              <a:rPr lang="en-US" dirty="0"/>
               <a:t>Affected</a:t>
             </a:r>
           </a:p>
           <a:p>
             <a:pPr algn="ctr"/>
             <a:r>
-              <a:rPr lang="en-US" dirty="0" smtClean="0"/>
+              <a:rPr lang="en-US" dirty="0"/>
               <a:t>Male Offspring</a:t>
             </a:r>
-            <a:endParaRPr lang="en-US" dirty="0"/>
           </a:p>
         </p:txBody>
       </p:sp>
@@ -4599,18 +4481,17 @@
           <a:lstStyle/>
           <a:p>
             <a:r>
-              <a:rPr lang="en-US" sz="3200" dirty="0" smtClean="0"/>
+              <a:rPr lang="en-US" sz="3200" dirty="0"/>
               <a:t>Is affected status of III.1 due to </a:t>
             </a:r>
             <a:r>
-              <a:rPr lang="en-US" sz="3200" i="1" dirty="0" smtClean="0"/>
+              <a:rPr lang="en-US" sz="3200" i="1" dirty="0"/>
               <a:t>de novo </a:t>
             </a:r>
             <a:r>
-              <a:rPr lang="en-US" sz="3200" dirty="0" smtClean="0"/>
+              <a:rPr lang="en-US" sz="3200" dirty="0"/>
               <a:t>mutation, recessive condition, or something more complex?</a:t>
             </a:r>
-            <a:endParaRPr lang="en-US" sz="3200" dirty="0"/>
           </a:p>
         </p:txBody>
       </p:sp>
@@ -4624,21 +4505,6 @@
   <p:clrMapOvr>
     <a:masterClrMapping/>
   </p:clrMapOvr>
-  <mc:AlternateContent xmlns:mc="http://schemas.openxmlformats.org/markup-compatibility/2006" xmlns:p14="http://schemas.microsoft.com/office/powerpoint/2010/main">
-    <mc:Choice Requires="p14">
-      <p:transition spd="slow" p14:dur="2000"/>
-    </mc:Choice>
-    <mc:Fallback xmlns="">
-      <p:transition xmlns:p14="http://schemas.microsoft.com/office/powerpoint/2010/main" spd="slow"/>
-    </mc:Fallback>
-  </mc:AlternateContent>
-  <p:timing>
-    <p:tnLst>
-      <p:par>
-        <p:cTn id="1" dur="indefinite" restart="never" nodeType="tmRoot"/>
-      </p:par>
-    </p:tnLst>
-  </p:timing>
 </p:sld>
 </file>
 
@@ -4712,44 +4578,40 @@
           <a:lstStyle/>
           <a:p>
             <a:r>
-              <a:rPr lang="en-US" dirty="0" smtClean="0"/>
+              <a:rPr lang="en-US" dirty="0"/>
               <a:t>For each variant, determine genotypes of mother, father, and offspring</a:t>
             </a:r>
           </a:p>
           <a:p>
             <a:r>
-              <a:rPr lang="en-US" dirty="0" smtClean="0"/>
+              <a:rPr lang="en-US" dirty="0"/>
               <a:t>Some combinations will have only one possible phase, </a:t>
             </a:r>
             <a:r>
-              <a:rPr lang="en-US" i="1" dirty="0" smtClean="0"/>
+              <a:rPr lang="en-US" i="1" dirty="0"/>
               <a:t>e.g.</a:t>
             </a:r>
-            <a:endParaRPr lang="en-US" dirty="0" smtClean="0"/>
+            <a:endParaRPr lang="en-US" dirty="0"/>
           </a:p>
           <a:p>
             <a:pPr marL="0" indent="0" algn="ctr">
               <a:buNone/>
             </a:pPr>
             <a:r>
-              <a:rPr lang="en-US" sz="2400" dirty="0" smtClean="0">
+              <a:rPr lang="en-US" sz="2400" dirty="0">
                 <a:latin typeface="Courier"/>
                 <a:cs typeface="Courier"/>
               </a:rPr>
               <a:t>Mother: 0/1  Father: 1/1  Child: 0|1</a:t>
             </a:r>
-            <a:endParaRPr lang="en-US" sz="2400" dirty="0">
-              <a:latin typeface="Courier"/>
-              <a:cs typeface="Courier"/>
-            </a:endParaRPr>
-          </a:p>
-          <a:p>
-            <a:r>
-              <a:rPr lang="en-US" dirty="0" smtClean="0"/>
+          </a:p>
+          <a:p>
+            <a:r>
+              <a:rPr lang="en-US" dirty="0"/>
               <a:t>Others will be ambiguous, </a:t>
             </a:r>
             <a:r>
-              <a:rPr lang="en-US" i="1" dirty="0" smtClean="0"/>
+              <a:rPr lang="en-US" i="1" dirty="0"/>
               <a:t>e.g.</a:t>
             </a:r>
           </a:p>
@@ -4762,95 +4624,39 @@
                 <a:latin typeface="Courier"/>
                 <a:cs typeface="Courier"/>
               </a:rPr>
-              <a:t>Mother: 0/1  Father: 0</a:t>
-            </a:r>
-            <a:r>
-              <a:rPr lang="en-US" sz="2400" dirty="0" smtClean="0">
-                <a:latin typeface="Courier"/>
-                <a:cs typeface="Courier"/>
-              </a:rPr>
-              <a:t>/</a:t>
-            </a:r>
+              <a:t>Mother: 0/1  Father: 0/1  Child: 0|1 or 1|0?</a:t>
+            </a:r>
+            <a:endParaRPr lang="en-US" sz="2400" dirty="0"/>
+          </a:p>
+          <a:p>
+            <a:r>
+              <a:rPr lang="en-US" dirty="0"/>
+              <a:t>Mendelian errors can be due to artifacts, loss of heterozygosity, or </a:t>
+            </a:r>
+            <a:r>
+              <a:rPr lang="en-US" i="1" dirty="0"/>
+              <a:t>de novo </a:t>
+            </a:r>
+            <a:r>
+              <a:rPr lang="en-US" dirty="0"/>
+              <a:t>mutations, </a:t>
+            </a:r>
+            <a:r>
+              <a:rPr lang="en-US" i="1" dirty="0"/>
+              <a:t>e.g.</a:t>
+            </a:r>
+            <a:endParaRPr lang="en-US" dirty="0"/>
+          </a:p>
+          <a:p>
+            <a:pPr marL="0" indent="0" algn="ctr">
+              <a:buNone/>
+            </a:pPr>
             <a:r>
               <a:rPr lang="en-US" sz="2400" dirty="0">
                 <a:latin typeface="Courier"/>
                 <a:cs typeface="Courier"/>
               </a:rPr>
-              <a:t>1  Child: </a:t>
-            </a:r>
-            <a:r>
-              <a:rPr lang="en-US" sz="2400" dirty="0" smtClean="0">
-                <a:latin typeface="Courier"/>
-                <a:cs typeface="Courier"/>
-              </a:rPr>
-              <a:t>0|1 or 1|0?</a:t>
-            </a:r>
-            <a:endParaRPr lang="en-US" sz="2400" dirty="0" smtClean="0"/>
-          </a:p>
-          <a:p>
-            <a:r>
-              <a:rPr lang="en-US" dirty="0" smtClean="0"/>
-              <a:t>Mendelian errors can be due to artifacts, loss of heterozygosity, or </a:t>
-            </a:r>
-            <a:r>
-              <a:rPr lang="en-US" i="1" dirty="0" smtClean="0"/>
-              <a:t>de novo </a:t>
-            </a:r>
-            <a:r>
-              <a:rPr lang="en-US" dirty="0" smtClean="0"/>
-              <a:t>mutations, </a:t>
-            </a:r>
-            <a:r>
-              <a:rPr lang="en-US" i="1" dirty="0" smtClean="0"/>
-              <a:t>e.g.</a:t>
-            </a:r>
-            <a:endParaRPr lang="en-US" dirty="0" smtClean="0"/>
-          </a:p>
-          <a:p>
-            <a:pPr marL="0" indent="0" algn="ctr">
-              <a:buNone/>
-            </a:pPr>
-            <a:r>
-              <a:rPr lang="en-US" sz="2400" dirty="0">
-                <a:latin typeface="Courier"/>
-                <a:cs typeface="Courier"/>
-              </a:rPr>
-              <a:t>Mother: 0</a:t>
-            </a:r>
-            <a:r>
-              <a:rPr lang="en-US" sz="2400" dirty="0" smtClean="0">
-                <a:latin typeface="Courier"/>
-                <a:cs typeface="Courier"/>
-              </a:rPr>
-              <a:t>/0  </a:t>
-            </a:r>
-            <a:r>
-              <a:rPr lang="en-US" sz="2400" dirty="0">
-                <a:latin typeface="Courier"/>
-                <a:cs typeface="Courier"/>
-              </a:rPr>
-              <a:t>Father: </a:t>
-            </a:r>
-            <a:r>
-              <a:rPr lang="en-US" sz="2400" dirty="0" smtClean="0">
-                <a:latin typeface="Courier"/>
-                <a:cs typeface="Courier"/>
-              </a:rPr>
-              <a:t>1/</a:t>
-            </a:r>
-            <a:r>
-              <a:rPr lang="en-US" sz="2400" dirty="0">
-                <a:latin typeface="Courier"/>
-                <a:cs typeface="Courier"/>
-              </a:rPr>
-              <a:t>1  Child: </a:t>
-            </a:r>
-            <a:r>
-              <a:rPr lang="en-US" sz="2400" dirty="0" smtClean="0">
-                <a:latin typeface="Courier"/>
-                <a:cs typeface="Courier"/>
-              </a:rPr>
-              <a:t>0/0</a:t>
+              <a:t>Mother: 0/0  Father: 1/1  Child: 0/0</a:t>
             </a:r>
             <a:endParaRPr lang="en-US" dirty="0"/>
           </a:p>
@@ -4858,7 +4664,7 @@
             <a:pPr marL="0" indent="0">
               <a:buNone/>
             </a:pPr>
-            <a:endParaRPr lang="en-US" dirty="0" smtClean="0"/>
+            <a:endParaRPr lang="en-US" dirty="0"/>
           </a:p>
         </p:txBody>
       </p:sp>
@@ -4872,21 +4678,6 @@
   <p:clrMapOvr>
     <a:masterClrMapping/>
   </p:clrMapOvr>
-  <mc:AlternateContent xmlns:mc="http://schemas.openxmlformats.org/markup-compatibility/2006" xmlns:p14="http://schemas.microsoft.com/office/powerpoint/2010/main">
-    <mc:Choice Requires="p14">
-      <p:transition spd="slow" p14:dur="2000"/>
-    </mc:Choice>
-    <mc:Fallback xmlns="">
-      <p:transition xmlns:p14="http://schemas.microsoft.com/office/powerpoint/2010/main" spd="slow"/>
-    </mc:Fallback>
-  </mc:AlternateContent>
-  <p:timing>
-    <p:tnLst>
-      <p:par>
-        <p:cTn id="1" dur="indefinite" restart="never" nodeType="tmRoot"/>
-      </p:par>
-    </p:tnLst>
-  </p:timing>
 </p:sld>
 </file>
 
@@ -4931,10 +4722,9 @@
           <a:p>
             <a:pPr algn="ctr"/>
             <a:r>
-              <a:rPr lang="en-US" dirty="0" smtClean="0"/>
+              <a:rPr lang="en-US" dirty="0"/>
               <a:t>TRIO CALLING WORKFLOW</a:t>
             </a:r>
-            <a:endParaRPr lang="en-US" dirty="0"/>
           </a:p>
         </p:txBody>
       </p:sp>
@@ -4994,16 +4784,8 @@
           <a:p>
             <a:pPr lvl="1"/>
             <a:r>
-              <a:rPr lang="en-US" dirty="0" smtClean="0"/>
-              <a:t>Variant recalibration </a:t>
-            </a:r>
-            <a:r>
-              <a:rPr lang="en-US" dirty="0"/>
-              <a:t>and </a:t>
-            </a:r>
-            <a:r>
-              <a:rPr lang="en-US" dirty="0" smtClean="0"/>
-              <a:t>filtering</a:t>
+              <a:rPr lang="en-US" dirty="0"/>
+              <a:t>Variant recalibration and filtering</a:t>
             </a:r>
           </a:p>
           <a:p>
@@ -5012,7 +4794,7 @@
               <a:buAutoNum type="arabicPeriod"/>
             </a:pPr>
             <a:r>
-              <a:rPr lang="en-US" dirty="0" smtClean="0">
+              <a:rPr lang="en-US" dirty="0">
                 <a:solidFill>
                   <a:srgbClr val="000000"/>
                 </a:solidFill>
@@ -5027,7 +4809,7 @@
               <a:buAutoNum type="arabicPeriod"/>
             </a:pPr>
             <a:r>
-              <a:rPr lang="en-US" dirty="0" smtClean="0">
+              <a:rPr lang="en-US" dirty="0">
                 <a:solidFill>
                   <a:srgbClr val="000000"/>
                 </a:solidFill>
@@ -5042,7 +4824,7 @@
               <a:buAutoNum type="arabicPeriod"/>
             </a:pPr>
             <a:r>
-              <a:rPr lang="en-US" dirty="0" smtClean="0">
+              <a:rPr lang="en-US" dirty="0">
                 <a:solidFill>
                   <a:srgbClr val="000000"/>
                 </a:solidFill>
@@ -5057,7 +4839,7 @@
               <a:buAutoNum type="arabicPeriod"/>
             </a:pPr>
             <a:r>
-              <a:rPr lang="en-US" dirty="0" smtClean="0">
+              <a:rPr lang="en-US" dirty="0">
                 <a:solidFill>
                   <a:srgbClr val="000000"/>
                 </a:solidFill>
@@ -5072,7 +4854,7 @@
               <a:buAutoNum type="arabicPeriod"/>
             </a:pPr>
             <a:r>
-              <a:rPr lang="en-US" dirty="0" smtClean="0">
+              <a:rPr lang="en-US" dirty="0">
                 <a:solidFill>
                   <a:srgbClr val="000000"/>
                 </a:solidFill>
@@ -5081,7 +4863,7 @@
               <a:t>Annotate possible </a:t>
             </a:r>
             <a:r>
-              <a:rPr lang="en-US" i="1" dirty="0" smtClean="0">
+              <a:rPr lang="en-US" i="1" dirty="0">
                 <a:solidFill>
                   <a:srgbClr val="000000"/>
                 </a:solidFill>
@@ -5090,7 +4872,7 @@
               <a:t>de novo </a:t>
             </a:r>
             <a:r>
-              <a:rPr lang="en-US" dirty="0" smtClean="0">
+              <a:rPr lang="en-US" dirty="0">
                 <a:solidFill>
                   <a:srgbClr val="000000"/>
                 </a:solidFill>
@@ -5098,12 +4880,6 @@
               </a:rPr>
               <a:t>variants</a:t>
             </a:r>
-            <a:endParaRPr lang="en-US" dirty="0">
-              <a:solidFill>
-                <a:srgbClr val="000000"/>
-              </a:solidFill>
-              <a:cs typeface="Courier"/>
-            </a:endParaRPr>
           </a:p>
         </p:txBody>
       </p:sp>
@@ -5117,21 +4893,6 @@
   <p:clrMapOvr>
     <a:masterClrMapping/>
   </p:clrMapOvr>
-  <mc:AlternateContent xmlns:mc="http://schemas.openxmlformats.org/markup-compatibility/2006" xmlns:p14="http://schemas.microsoft.com/office/powerpoint/2010/main">
-    <mc:Choice Requires="p14">
-      <p:transition spd="slow" p14:dur="2000"/>
-    </mc:Choice>
-    <mc:Fallback xmlns="">
-      <p:transition xmlns:p14="http://schemas.microsoft.com/office/powerpoint/2010/main" spd="slow"/>
-    </mc:Fallback>
-  </mc:AlternateContent>
-  <p:timing>
-    <p:tnLst>
-      <p:par>
-        <p:cTn id="1" dur="indefinite" restart="never" nodeType="tmRoot"/>
-      </p:par>
-    </p:tnLst>
-  </p:timing>
 </p:sld>
 </file>
 
@@ -5203,7 +4964,7 @@
               <a:buNone/>
             </a:pPr>
             <a:r>
-              <a:rPr lang="en-US" u="sng" dirty="0" smtClean="0"/>
+              <a:rPr lang="en-US" u="sng" dirty="0"/>
               <a:t>Exercise: Variant Calling in Trio</a:t>
             </a:r>
           </a:p>
@@ -5212,7 +4973,7 @@
               <a:buNone/>
             </a:pPr>
             <a:r>
-              <a:rPr lang="en-US" sz="2000" dirty="0" smtClean="0">
+              <a:rPr lang="en-US" sz="2000" dirty="0">
                 <a:latin typeface="Courier"/>
                 <a:cs typeface="Courier"/>
               </a:rPr>
@@ -5224,7 +4985,7 @@
               <a:buNone/>
             </a:pPr>
             <a:r>
-              <a:rPr lang="en-US" sz="2000" dirty="0" smtClean="0">
+              <a:rPr lang="en-US" sz="2000" dirty="0">
                 <a:latin typeface="Courier"/>
                 <a:cs typeface="Courier"/>
               </a:rPr>
@@ -5236,18 +4997,11 @@
               <a:buNone/>
             </a:pPr>
             <a:r>
-              <a:rPr lang="en-US" sz="2000" dirty="0" smtClean="0">
-                <a:latin typeface="Courier"/>
-                <a:cs typeface="Courier"/>
-              </a:rPr>
-              <a:t>$ </a:t>
-            </a:r>
-            <a:r>
               <a:rPr lang="en-US" sz="2000" dirty="0">
                 <a:latin typeface="Courier"/>
                 <a:cs typeface="Courier"/>
               </a:rPr>
-              <a:t>java -jar </a:t>
+              <a:t>$ java -jar </a:t>
             </a:r>
             <a:r>
               <a:rPr lang="en-US" sz="2000" dirty="0" err="1">
@@ -5287,21 +5041,19 @@
                 <a:latin typeface="Courier"/>
                 <a:cs typeface="Courier"/>
               </a:rPr>
-              <a:t>    -R </a:t>
-            </a:r>
-            <a:r>
-              <a:rPr lang="en-US" sz="2000" dirty="0" smtClean="0">
-                <a:latin typeface="Courier"/>
-                <a:cs typeface="Courier"/>
-              </a:rPr>
-              <a:t>resources/human_g1k_v37.fasta </a:t>
-            </a:r>
+              <a:t>    -R resources/human_g1k_v37.fasta \</a:t>
+            </a:r>
+          </a:p>
+          <a:p>
+            <a:pPr marL="0" indent="0">
+              <a:buNone/>
+            </a:pPr>
             <a:r>
               <a:rPr lang="en-US" sz="2000" dirty="0">
                 <a:latin typeface="Courier"/>
                 <a:cs typeface="Courier"/>
               </a:rPr>
-              <a:t>\</a:t>
+              <a:t>    -I input/trio2/NA12891_chr22.bam \</a:t>
             </a:r>
           </a:p>
           <a:p>
@@ -5313,21 +5065,19 @@
                 <a:latin typeface="Courier"/>
                 <a:cs typeface="Courier"/>
               </a:rPr>
-              <a:t>    -I </a:t>
-            </a:r>
-            <a:r>
-              <a:rPr lang="en-US" sz="2000" dirty="0" smtClean="0">
-                <a:latin typeface="Courier"/>
-                <a:cs typeface="Courier"/>
-              </a:rPr>
-              <a:t>input/trio2/NA12891_chr22.</a:t>
-            </a:r>
+              <a:t>    -I input/trio2/NA12892_chr22.bam \</a:t>
+            </a:r>
+          </a:p>
+          <a:p>
+            <a:pPr marL="0" indent="0">
+              <a:buNone/>
+            </a:pPr>
             <a:r>
               <a:rPr lang="en-US" sz="2000" dirty="0">
                 <a:latin typeface="Courier"/>
                 <a:cs typeface="Courier"/>
               </a:rPr>
-              <a:t>bam \</a:t>
+              <a:t>    -I input/trio2/NA12878_chr22.bam \</a:t>
             </a:r>
           </a:p>
           <a:p>
@@ -5339,116 +5089,28 @@
                 <a:latin typeface="Courier"/>
                 <a:cs typeface="Courier"/>
               </a:rPr>
-              <a:t>    -I input/trio2/</a:t>
-            </a:r>
-            <a:r>
-              <a:rPr lang="en-US" sz="2000" dirty="0" smtClean="0">
-                <a:latin typeface="Courier"/>
-                <a:cs typeface="Courier"/>
-              </a:rPr>
-              <a:t>NA12892_chr22</a:t>
-            </a:r>
+              <a:t>    -o output/ceu_trio_chr22_jointcalls.vcf \</a:t>
+            </a:r>
+          </a:p>
+          <a:p>
+            <a:pPr marL="0" indent="0">
+              <a:buNone/>
+            </a:pPr>
             <a:r>
               <a:rPr lang="en-US" sz="2000" dirty="0">
                 <a:latin typeface="Courier"/>
                 <a:cs typeface="Courier"/>
               </a:rPr>
-              <a:t>.bam </a:t>
-            </a:r>
-            <a:r>
-              <a:rPr lang="en-US" sz="2000" dirty="0" smtClean="0">
-                <a:latin typeface="Courier"/>
-                <a:cs typeface="Courier"/>
-              </a:rPr>
-              <a:t>\</a:t>
+              <a:t>    -L </a:t>
+            </a:r>
+            <a:r>
+              <a:rPr lang="is-IS" sz="2000" dirty="0">
+                <a:latin typeface="Courier"/>
+                <a:cs typeface="Courier"/>
+              </a:rPr>
+              <a:t>22:24260000-24270000</a:t>
             </a:r>
             <a:endParaRPr lang="en-US" sz="2000" dirty="0">
-              <a:latin typeface="Courier"/>
-              <a:cs typeface="Courier"/>
-            </a:endParaRPr>
-          </a:p>
-          <a:p>
-            <a:pPr marL="0" indent="0">
-              <a:buNone/>
-            </a:pPr>
-            <a:r>
-              <a:rPr lang="en-US" sz="2000" dirty="0">
-                <a:latin typeface="Courier"/>
-                <a:cs typeface="Courier"/>
-              </a:rPr>
-              <a:t>    -I input/trio2/</a:t>
-            </a:r>
-            <a:r>
-              <a:rPr lang="en-US" sz="2000" dirty="0" smtClean="0">
-                <a:latin typeface="Courier"/>
-                <a:cs typeface="Courier"/>
-              </a:rPr>
-              <a:t>NA12878_chr22</a:t>
-            </a:r>
-            <a:r>
-              <a:rPr lang="en-US" sz="2000" dirty="0">
-                <a:latin typeface="Courier"/>
-                <a:cs typeface="Courier"/>
-              </a:rPr>
-              <a:t>.bam </a:t>
-            </a:r>
-            <a:r>
-              <a:rPr lang="en-US" sz="2000" dirty="0" smtClean="0">
-                <a:latin typeface="Courier"/>
-                <a:cs typeface="Courier"/>
-              </a:rPr>
-              <a:t>\</a:t>
-            </a:r>
-            <a:endParaRPr lang="en-US" sz="2000" dirty="0">
-              <a:latin typeface="Courier"/>
-              <a:cs typeface="Courier"/>
-            </a:endParaRPr>
-          </a:p>
-          <a:p>
-            <a:pPr marL="0" indent="0">
-              <a:buNone/>
-            </a:pPr>
-            <a:r>
-              <a:rPr lang="en-US" sz="2000" dirty="0">
-                <a:latin typeface="Courier"/>
-                <a:cs typeface="Courier"/>
-              </a:rPr>
-              <a:t>    -o </a:t>
-            </a:r>
-            <a:r>
-              <a:rPr lang="en-US" sz="2000" dirty="0" smtClean="0">
-                <a:latin typeface="Courier"/>
-                <a:cs typeface="Courier"/>
-              </a:rPr>
-              <a:t>output/ceu_trio_chr22_jointcalls.vcf </a:t>
-            </a:r>
-            <a:r>
-              <a:rPr lang="en-US" sz="2000" dirty="0">
-                <a:latin typeface="Courier"/>
-                <a:cs typeface="Courier"/>
-              </a:rPr>
-              <a:t>\</a:t>
-            </a:r>
-          </a:p>
-          <a:p>
-            <a:pPr marL="0" indent="0">
-              <a:buNone/>
-            </a:pPr>
-            <a:r>
-              <a:rPr lang="en-US" sz="2000" dirty="0">
-                <a:latin typeface="Courier"/>
-                <a:cs typeface="Courier"/>
-              </a:rPr>
-              <a:t>    -L </a:t>
-            </a:r>
-            <a:r>
-              <a:rPr lang="is-IS" sz="2000" dirty="0">
-                <a:latin typeface="Courier"/>
-                <a:cs typeface="Courier"/>
-              </a:rPr>
-              <a:t>22:24260000-24270000</a:t>
-            </a:r>
-            <a:endParaRPr lang="en-US" sz="2000" dirty="0" smtClean="0">
               <a:latin typeface="Courier"/>
               <a:cs typeface="Courier"/>
             </a:endParaRPr>
@@ -5465,21 +5127,6 @@
   <p:clrMapOvr>
     <a:masterClrMapping/>
   </p:clrMapOvr>
-  <mc:AlternateContent xmlns:mc="http://schemas.openxmlformats.org/markup-compatibility/2006" xmlns:p14="http://schemas.microsoft.com/office/powerpoint/2010/main">
-    <mc:Choice Requires="p14">
-      <p:transition spd="slow" p14:dur="2000"/>
-    </mc:Choice>
-    <mc:Fallback xmlns="">
-      <p:transition xmlns:p14="http://schemas.microsoft.com/office/powerpoint/2010/main" spd="slow"/>
-    </mc:Fallback>
-  </mc:AlternateContent>
-  <p:timing>
-    <p:tnLst>
-      <p:par>
-        <p:cTn id="1" dur="indefinite" restart="never" nodeType="tmRoot"/>
-      </p:par>
-    </p:tnLst>
-  </p:timing>
 </p:sld>
 </file>
 
@@ -5551,51 +5198,37 @@
               <a:buNone/>
             </a:pPr>
             <a:r>
-              <a:rPr lang="en-US" u="sng" dirty="0" smtClean="0"/>
+              <a:rPr lang="en-US" u="sng" dirty="0"/>
               <a:t>Exercise: Variant Calling in Trio</a:t>
             </a:r>
           </a:p>
           <a:p>
             <a:r>
-              <a:rPr lang="en-US" dirty="0" smtClean="0"/>
+              <a:rPr lang="en-US" dirty="0"/>
               <a:t>Open the file in IGV and browse to </a:t>
             </a:r>
             <a:r>
-              <a:rPr lang="en-US" sz="2400" dirty="0" smtClean="0">
+              <a:rPr lang="en-US" sz="2400" dirty="0">
                 <a:latin typeface="Courier"/>
                 <a:cs typeface="Courier"/>
               </a:rPr>
               <a:t>2</a:t>
             </a:r>
             <a:r>
-              <a:rPr lang="is-IS" sz="2400" dirty="0" smtClean="0">
-                <a:latin typeface="Courier"/>
-                <a:cs typeface="Courier"/>
-              </a:rPr>
-              <a:t>2</a:t>
-            </a:r>
-            <a:r>
               <a:rPr lang="is-IS" sz="2400" dirty="0">
                 <a:latin typeface="Courier"/>
                 <a:cs typeface="Courier"/>
               </a:rPr>
-              <a:t>:</a:t>
-            </a:r>
-            <a:r>
-              <a:rPr lang="is-IS" sz="2400" dirty="0" smtClean="0">
-                <a:latin typeface="Courier"/>
-                <a:cs typeface="Courier"/>
-              </a:rPr>
-              <a:t>24262450-24262500</a:t>
-            </a:r>
-            <a:endParaRPr lang="en-US" sz="2400" dirty="0" smtClean="0">
+              <a:t>2:24262450-24262500</a:t>
+            </a:r>
+            <a:endParaRPr lang="en-US" sz="2400" dirty="0">
               <a:latin typeface="Courier"/>
               <a:cs typeface="Courier"/>
             </a:endParaRPr>
           </a:p>
           <a:p>
             <a:r>
-              <a:rPr lang="en-US" dirty="0" smtClean="0">
+              <a:rPr lang="en-US" dirty="0">
                 <a:latin typeface="+mj-lt"/>
               </a:rPr>
               <a:t>Variant at </a:t>
@@ -5608,41 +5241,41 @@
               <a:t>24262476</a:t>
             </a:r>
             <a:r>
-              <a:rPr lang="en-US" dirty="0" smtClean="0">
+              <a:rPr lang="en-US" dirty="0">
                 <a:latin typeface="+mj-lt"/>
                 <a:cs typeface="Courier"/>
               </a:rPr>
               <a:t>: Parents are both T/T, but offspring is A/T </a:t>
             </a:r>
             <a:r>
-              <a:rPr lang="mr-IN" dirty="0" smtClean="0">
+              <a:rPr lang="mr-IN" dirty="0">
                 <a:latin typeface="+mj-lt"/>
                 <a:cs typeface="Courier"/>
               </a:rPr>
               <a:t>–</a:t>
             </a:r>
             <a:r>
-              <a:rPr lang="en-US" dirty="0" smtClean="0">
+              <a:rPr lang="en-US" dirty="0">
                 <a:latin typeface="+mj-lt"/>
                 <a:cs typeface="Courier"/>
               </a:rPr>
               <a:t> is this a </a:t>
             </a:r>
             <a:r>
-              <a:rPr lang="en-US" i="1" dirty="0" smtClean="0">
+              <a:rPr lang="en-US" i="1" dirty="0">
                 <a:latin typeface="+mj-lt"/>
                 <a:cs typeface="Courier"/>
               </a:rPr>
               <a:t>de novo</a:t>
             </a:r>
             <a:r>
-              <a:rPr lang="en-US" dirty="0" smtClean="0">
+              <a:rPr lang="en-US" dirty="0">
                 <a:latin typeface="+mj-lt"/>
                 <a:cs typeface="Courier"/>
               </a:rPr>
               <a:t> mutation?</a:t>
             </a:r>
-            <a:endParaRPr lang="en-US" sz="2400" dirty="0" smtClean="0">
+            <a:endParaRPr lang="en-US" sz="2400" dirty="0">
               <a:latin typeface="Courier"/>
               <a:cs typeface="Courier"/>
             </a:endParaRPr>
@@ -5659,14 +5292,6 @@
   <p:clrMapOvr>
     <a:masterClrMapping/>
   </p:clrMapOvr>
-  <mc:AlternateContent xmlns:mc="http://schemas.openxmlformats.org/markup-compatibility/2006" xmlns:p14="http://schemas.microsoft.com/office/powerpoint/2010/main">
-    <mc:Choice Requires="p14">
-      <p:transition spd="slow" p14:dur="2000"/>
-    </mc:Choice>
-    <mc:Fallback xmlns="">
-      <p:transition xmlns:p14="http://schemas.microsoft.com/office/powerpoint/2010/main" spd="slow"/>
-    </mc:Fallback>
-  </mc:AlternateContent>
 </p:sld>
 </file>
 
@@ -5738,7 +5363,7 @@
               <a:buNone/>
             </a:pPr>
             <a:r>
-              <a:rPr lang="en-US" u="sng" dirty="0" smtClean="0"/>
+              <a:rPr lang="en-US" u="sng" dirty="0"/>
               <a:t>Exercise: Hard Filtering</a:t>
             </a:r>
           </a:p>
@@ -5747,7 +5372,7 @@
               <a:buNone/>
             </a:pPr>
             <a:r>
-              <a:rPr lang="en-US" sz="2000" dirty="0" smtClean="0">
+              <a:rPr lang="en-US" sz="2000" dirty="0">
                 <a:latin typeface="Courier"/>
                 <a:cs typeface="Courier"/>
               </a:rPr>
@@ -5759,34 +5384,23 @@
               <a:buNone/>
             </a:pPr>
             <a:r>
-              <a:rPr lang="en-US" sz="2000" dirty="0" smtClean="0">
+              <a:rPr lang="en-US" sz="2000" dirty="0">
                 <a:latin typeface="Courier"/>
                 <a:cs typeface="Courier"/>
               </a:rPr>
               <a:t># Today we'll use a hard filter.</a:t>
             </a:r>
-            <a:endParaRPr lang="en-US" sz="2000" dirty="0">
-              <a:latin typeface="Courier"/>
-              <a:cs typeface="Courier"/>
-            </a:endParaRPr>
           </a:p>
           <a:p>
             <a:pPr marL="0" indent="0">
               <a:buNone/>
             </a:pPr>
             <a:r>
-              <a:rPr lang="en-US" sz="2000" dirty="0" smtClean="0">
-                <a:latin typeface="Courier"/>
-                <a:cs typeface="Courier"/>
-              </a:rPr>
-              <a:t>$ </a:t>
-            </a:r>
-            <a:r>
               <a:rPr lang="en-US" sz="2000" dirty="0">
                 <a:latin typeface="Courier"/>
                 <a:cs typeface="Courier"/>
               </a:rPr>
-              <a:t>java -jar </a:t>
+              <a:t>$ java -jar </a:t>
             </a:r>
             <a:r>
               <a:rPr lang="en-US" sz="2000" dirty="0" err="1">
@@ -5800,19 +5414,8 @@
                 <a:latin typeface="Courier"/>
                 <a:cs typeface="Courier"/>
               </a:rPr>
-              <a:t> </a:t>
-            </a:r>
-            <a:r>
-              <a:rPr lang="en-US" sz="2000" dirty="0" smtClean="0">
-                <a:latin typeface="Courier"/>
-                <a:cs typeface="Courier"/>
-              </a:rPr>
-              <a:t>\</a:t>
-            </a:r>
-            <a:endParaRPr lang="en-US" sz="2000" dirty="0">
-              <a:latin typeface="Courier"/>
-              <a:cs typeface="Courier"/>
-            </a:endParaRPr>
+              <a:t> \</a:t>
+            </a:r>
           </a:p>
           <a:p>
             <a:pPr marL="0" indent="0">
@@ -5837,19 +5440,8 @@
                 <a:latin typeface="Courier"/>
                 <a:cs typeface="Courier"/>
               </a:rPr>
-              <a:t> </a:t>
-            </a:r>
-            <a:r>
-              <a:rPr lang="en-US" sz="2000" dirty="0" smtClean="0">
-                <a:latin typeface="Courier"/>
-                <a:cs typeface="Courier"/>
-              </a:rPr>
-              <a:t>\</a:t>
-            </a:r>
-            <a:endParaRPr lang="en-US" sz="2000" dirty="0">
-              <a:latin typeface="Courier"/>
-              <a:cs typeface="Courier"/>
-            </a:endParaRPr>
+              <a:t> \</a:t>
+            </a:r>
           </a:p>
           <a:p>
             <a:pPr marL="0" indent="0">
@@ -5860,33 +5452,20 @@
                 <a:latin typeface="Courier"/>
                 <a:cs typeface="Courier"/>
               </a:rPr>
-              <a:t>    -R </a:t>
-            </a:r>
-            <a:r>
-              <a:rPr lang="en-US" sz="2000" dirty="0" smtClean="0">
-                <a:latin typeface="Courier"/>
-                <a:cs typeface="Courier"/>
-              </a:rPr>
-              <a:t>resources/human_g1k_v37.</a:t>
-            </a:r>
+              <a:t>    -R resources/human_g1k_v37.fasta \</a:t>
+            </a:r>
+          </a:p>
+          <a:p>
+            <a:pPr marL="0" indent="0">
+              <a:buNone/>
+            </a:pPr>
             <a:r>
               <a:rPr lang="en-US" sz="2000" dirty="0">
                 <a:latin typeface="Courier"/>
                 <a:cs typeface="Courier"/>
               </a:rPr>
-              <a:t>fasta </a:t>
-            </a:r>
-            <a:r>
-              <a:rPr lang="en-US" sz="2000" dirty="0" smtClean="0">
-                <a:latin typeface="Courier"/>
-                <a:cs typeface="Courier"/>
-              </a:rPr>
-              <a:t>\</a:t>
-            </a:r>
-            <a:endParaRPr lang="en-US" sz="2000" dirty="0">
-              <a:latin typeface="Courier"/>
-              <a:cs typeface="Courier"/>
-            </a:endParaRPr>
+              <a:t>    -V output/ceu_trio_chr22_jointcalls.vcf \</a:t>
+            </a:r>
           </a:p>
           <a:p>
             <a:pPr marL="0" indent="0">
@@ -5897,33 +5476,22 @@
                 <a:latin typeface="Courier"/>
                 <a:cs typeface="Courier"/>
               </a:rPr>
-              <a:t>    -V output</a:t>
-            </a:r>
-            <a:r>
-              <a:rPr lang="en-US" sz="2000" dirty="0" smtClean="0">
-                <a:latin typeface="Courier"/>
-                <a:cs typeface="Courier"/>
-              </a:rPr>
-              <a:t>/</a:t>
+              <a:t>    --</a:t>
+            </a:r>
+            <a:r>
+              <a:rPr lang="en-US" sz="2000" dirty="0" err="1">
+                <a:latin typeface="Courier"/>
+                <a:cs typeface="Courier"/>
+              </a:rPr>
+              <a:t>filterExpression</a:t>
             </a:r>
             <a:r>
               <a:rPr lang="en-US" sz="2000" dirty="0">
                 <a:latin typeface="Courier"/>
                 <a:cs typeface="Courier"/>
               </a:rPr>
-              <a:t>ceu_trio_chr22_jointcalls.vcf</a:t>
-            </a:r>
-            <a:r>
-              <a:rPr lang="en-US" sz="2000" dirty="0" smtClean="0">
-                <a:latin typeface="Courier"/>
-                <a:cs typeface="Courier"/>
-              </a:rPr>
-              <a:t> \</a:t>
-            </a:r>
-            <a:endParaRPr lang="en-US" sz="2000" dirty="0">
-              <a:latin typeface="Courier"/>
-              <a:cs typeface="Courier"/>
-            </a:endParaRPr>
+              <a:t> "QD &lt; 2.0 || \</a:t>
+            </a:r>
           </a:p>
           <a:p>
             <a:pPr marL="0" indent="0">
@@ -5934,6 +5502,58 @@
                 <a:latin typeface="Courier"/>
                 <a:cs typeface="Courier"/>
               </a:rPr>
+              <a:t>	SOR &gt; 3.0 || MQ &lt; 40.0 || </a:t>
+            </a:r>
+            <a:r>
+              <a:rPr lang="en-US" sz="2000" dirty="0" err="1">
+                <a:latin typeface="Courier"/>
+                <a:cs typeface="Courier"/>
+              </a:rPr>
+              <a:t>MQRankSum</a:t>
+            </a:r>
+            <a:r>
+              <a:rPr lang="en-US" sz="2000" dirty="0">
+                <a:latin typeface="Courier"/>
+                <a:cs typeface="Courier"/>
+              </a:rPr>
+              <a:t> &lt; -12.5 || \</a:t>
+            </a:r>
+          </a:p>
+          <a:p>
+            <a:pPr marL="0" indent="0">
+              <a:buNone/>
+            </a:pPr>
+            <a:r>
+              <a:rPr lang="en-US" sz="2000" dirty="0">
+                <a:latin typeface="Courier"/>
+                <a:cs typeface="Courier"/>
+              </a:rPr>
+              <a:t>	</a:t>
+            </a:r>
+            <a:r>
+              <a:rPr lang="en-US" sz="2000" dirty="0" err="1">
+                <a:latin typeface="Courier"/>
+                <a:cs typeface="Courier"/>
+              </a:rPr>
+              <a:t>ReadPosRankSum</a:t>
+            </a:r>
+            <a:r>
+              <a:rPr lang="en-US" sz="2000" dirty="0">
+                <a:latin typeface="Courier"/>
+                <a:cs typeface="Courier"/>
+              </a:rPr>
+              <a:t> &lt; -8.0" \</a:t>
+            </a:r>
+          </a:p>
+          <a:p>
+            <a:pPr marL="0" indent="0">
+              <a:buNone/>
+            </a:pPr>
+            <a:r>
+              <a:rPr lang="en-US" sz="2000" dirty="0">
+                <a:latin typeface="Courier"/>
+                <a:cs typeface="Courier"/>
+              </a:rPr>
               <a:t>    --</a:t>
             </a:r>
             <a:r>
@@ -5941,14 +5561,14 @@
                 <a:latin typeface="Courier"/>
                 <a:cs typeface="Courier"/>
               </a:rPr>
-              <a:t>filterExpression</a:t>
+              <a:t>filterName</a:t>
             </a:r>
             <a:r>
               <a:rPr lang="en-US" sz="2000" dirty="0">
                 <a:latin typeface="Courier"/>
                 <a:cs typeface="Courier"/>
               </a:rPr>
-              <a:t> "QD &lt; 2.0 || \</a:t>
+              <a:t> "HARD_FILTER" \</a:t>
             </a:r>
           </a:p>
           <a:p>
@@ -5960,119 +5580,8 @@
                 <a:latin typeface="Courier"/>
                 <a:cs typeface="Courier"/>
               </a:rPr>
-              <a:t>	SOR &gt; 3.0 || MQ &lt; 40.0 || </a:t>
-            </a:r>
-            <a:r>
-              <a:rPr lang="en-US" sz="2000" dirty="0" err="1">
-                <a:latin typeface="Courier"/>
-                <a:cs typeface="Courier"/>
-              </a:rPr>
-              <a:t>MQRankSum</a:t>
-            </a:r>
-            <a:r>
-              <a:rPr lang="en-US" sz="2000" dirty="0">
-                <a:latin typeface="Courier"/>
-                <a:cs typeface="Courier"/>
-              </a:rPr>
-              <a:t> &lt; -12.5 || \</a:t>
-            </a:r>
-          </a:p>
-          <a:p>
-            <a:pPr marL="0" indent="0">
-              <a:buNone/>
-            </a:pPr>
-            <a:r>
-              <a:rPr lang="en-US" sz="2000" dirty="0">
-                <a:latin typeface="Courier"/>
-                <a:cs typeface="Courier"/>
-              </a:rPr>
-              <a:t>	</a:t>
-            </a:r>
-            <a:r>
-              <a:rPr lang="en-US" sz="2000" dirty="0" err="1">
-                <a:latin typeface="Courier"/>
-                <a:cs typeface="Courier"/>
-              </a:rPr>
-              <a:t>ReadPosRankSum</a:t>
-            </a:r>
-            <a:r>
-              <a:rPr lang="en-US" sz="2000" dirty="0">
-                <a:latin typeface="Courier"/>
-                <a:cs typeface="Courier"/>
-              </a:rPr>
-              <a:t> &lt; -8.0" </a:t>
-            </a:r>
-            <a:r>
-              <a:rPr lang="en-US" sz="2000" dirty="0" smtClean="0">
-                <a:latin typeface="Courier"/>
-                <a:cs typeface="Courier"/>
-              </a:rPr>
-              <a:t>\</a:t>
-            </a:r>
-            <a:endParaRPr lang="en-US" sz="2000" dirty="0">
-              <a:latin typeface="Courier"/>
-              <a:cs typeface="Courier"/>
-            </a:endParaRPr>
-          </a:p>
-          <a:p>
-            <a:pPr marL="0" indent="0">
-              <a:buNone/>
-            </a:pPr>
-            <a:r>
-              <a:rPr lang="en-US" sz="2000" dirty="0">
-                <a:latin typeface="Courier"/>
-                <a:cs typeface="Courier"/>
-              </a:rPr>
-              <a:t>    --</a:t>
-            </a:r>
-            <a:r>
-              <a:rPr lang="en-US" sz="2000" dirty="0" err="1">
-                <a:latin typeface="Courier"/>
-                <a:cs typeface="Courier"/>
-              </a:rPr>
-              <a:t>filterName</a:t>
-            </a:r>
-            <a:r>
-              <a:rPr lang="en-US" sz="2000" dirty="0">
-                <a:latin typeface="Courier"/>
-                <a:cs typeface="Courier"/>
-              </a:rPr>
-              <a:t> "HARD_FILTER" </a:t>
-            </a:r>
-            <a:r>
-              <a:rPr lang="en-US" sz="2000" dirty="0" smtClean="0">
-                <a:latin typeface="Courier"/>
-                <a:cs typeface="Courier"/>
-              </a:rPr>
-              <a:t>\</a:t>
-            </a:r>
-            <a:endParaRPr lang="en-US" sz="2000" dirty="0">
-              <a:latin typeface="Courier"/>
-              <a:cs typeface="Courier"/>
-            </a:endParaRPr>
-          </a:p>
-          <a:p>
-            <a:pPr marL="0" indent="0">
-              <a:buNone/>
-            </a:pPr>
-            <a:r>
-              <a:rPr lang="en-US" sz="2000" dirty="0">
-                <a:latin typeface="Courier"/>
-                <a:cs typeface="Courier"/>
-              </a:rPr>
-              <a:t>    -o output</a:t>
-            </a:r>
-            <a:r>
-              <a:rPr lang="en-US" sz="2000" dirty="0" smtClean="0">
-                <a:latin typeface="Courier"/>
-                <a:cs typeface="Courier"/>
-              </a:rPr>
-              <a:t>/ceu_trio_chr22_jointcalls_filtered.vcf</a:t>
-            </a:r>
-            <a:endParaRPr lang="en-US" sz="2000" dirty="0">
-              <a:latin typeface="Courier"/>
-              <a:cs typeface="Courier"/>
-            </a:endParaRPr>
+              <a:t>    -o output/ceu_trio_chr22_jointcalls_filtered.vcf</a:t>
+            </a:r>
           </a:p>
         </p:txBody>
       </p:sp>
@@ -6086,14 +5595,6 @@
   <p:clrMapOvr>
     <a:masterClrMapping/>
   </p:clrMapOvr>
-  <mc:AlternateContent xmlns:mc="http://schemas.openxmlformats.org/markup-compatibility/2006" xmlns:p14="http://schemas.microsoft.com/office/powerpoint/2010/main">
-    <mc:Choice Requires="p14">
-      <p:transition spd="slow" p14:dur="2000"/>
-    </mc:Choice>
-    <mc:Fallback xmlns="">
-      <p:transition xmlns:p14="http://schemas.microsoft.com/office/powerpoint/2010/main" spd="slow"/>
-    </mc:Fallback>
-  </mc:AlternateContent>
 </p:sld>
 </file>
 
@@ -6165,93 +5666,79 @@
               <a:buNone/>
             </a:pPr>
             <a:r>
-              <a:rPr lang="en-US" u="sng" dirty="0" smtClean="0"/>
+              <a:rPr lang="en-US" u="sng" dirty="0"/>
               <a:t>Exercise: Hard Filtering</a:t>
             </a:r>
           </a:p>
           <a:p>
             <a:r>
-              <a:rPr lang="en-US" dirty="0" smtClean="0"/>
+              <a:rPr lang="en-US" dirty="0"/>
               <a:t>Open the filtered file in IGV </a:t>
             </a:r>
           </a:p>
           <a:p>
             <a:r>
-              <a:rPr lang="en-US" dirty="0" smtClean="0"/>
+              <a:rPr lang="en-US" dirty="0"/>
               <a:t>Browse to </a:t>
             </a:r>
             <a:r>
-              <a:rPr lang="en-US" sz="2400" dirty="0" smtClean="0">
-                <a:latin typeface="Courier"/>
-                <a:cs typeface="Courier"/>
-              </a:rPr>
-              <a:t>22:24268730</a:t>
-            </a:r>
-            <a:r>
               <a:rPr lang="en-US" sz="2400" dirty="0">
                 <a:latin typeface="Courier"/>
                 <a:cs typeface="Courier"/>
               </a:rPr>
-              <a:t>-</a:t>
-            </a:r>
-            <a:r>
-              <a:rPr lang="en-US" sz="2400" dirty="0" smtClean="0">
-                <a:latin typeface="Courier"/>
-                <a:cs typeface="Courier"/>
-              </a:rPr>
-              <a:t>24268750</a:t>
-            </a:r>
-            <a:endParaRPr lang="en-US" dirty="0" smtClean="0"/>
-          </a:p>
-          <a:p>
-            <a:r>
-              <a:rPr lang="en-US" dirty="0" smtClean="0"/>
+              <a:t>22:24268730-24268750</a:t>
+            </a:r>
+            <a:endParaRPr lang="en-US" dirty="0"/>
+          </a:p>
+          <a:p>
+            <a:r>
+              <a:rPr lang="en-US" dirty="0"/>
               <a:t>Right-click on the filtered variant call track and choose "Suppress Filtered Sites" </a:t>
             </a:r>
             <a:r>
-              <a:rPr lang="mr-IN" dirty="0" smtClean="0"/>
+              <a:rPr lang="mr-IN" dirty="0"/>
               <a:t>–</a:t>
             </a:r>
             <a:r>
-              <a:rPr lang="en-US" dirty="0" smtClean="0"/>
+              <a:rPr lang="en-US" dirty="0"/>
               <a:t> notice the variants at </a:t>
             </a:r>
             <a:r>
-              <a:rPr lang="en-US" sz="2400" dirty="0" smtClean="0">
+              <a:rPr lang="en-US" sz="2400" dirty="0">
                 <a:latin typeface="Courier"/>
                 <a:cs typeface="Courier"/>
               </a:rPr>
               <a:t>24268739</a:t>
             </a:r>
             <a:r>
-              <a:rPr lang="en-US" dirty="0" smtClean="0">
+              <a:rPr lang="en-US" dirty="0">
                 <a:latin typeface="Courier"/>
                 <a:cs typeface="Courier"/>
               </a:rPr>
               <a:t> and </a:t>
             </a:r>
             <a:r>
-              <a:rPr lang="en-US" sz="2400" dirty="0" smtClean="0">
+              <a:rPr lang="en-US" sz="2400" dirty="0">
                 <a:latin typeface="Courier"/>
                 <a:cs typeface="Courier"/>
               </a:rPr>
               <a:t>24268743</a:t>
             </a:r>
             <a:r>
-              <a:rPr lang="en-US" dirty="0" smtClean="0">
+              <a:rPr lang="en-US" dirty="0">
                 <a:latin typeface="Courier"/>
                 <a:cs typeface="Courier"/>
               </a:rPr>
               <a:t> </a:t>
             </a:r>
             <a:r>
-              <a:rPr lang="en-US" dirty="0" smtClean="0">
+              <a:rPr lang="en-US" dirty="0">
                 <a:latin typeface="+mj-lt"/>
                 <a:cs typeface="Courier"/>
               </a:rPr>
               <a:t>go away</a:t>
             </a:r>
-            <a:endParaRPr lang="en-US" dirty="0" smtClean="0">
+            <a:endParaRPr lang="en-US" dirty="0">
               <a:latin typeface="+mj-lt"/>
             </a:endParaRPr>
           </a:p>
@@ -6267,14 +5754,6 @@
   <p:clrMapOvr>
     <a:masterClrMapping/>
   </p:clrMapOvr>
-  <mc:AlternateContent xmlns:mc="http://schemas.openxmlformats.org/markup-compatibility/2006" xmlns:p14="http://schemas.microsoft.com/office/powerpoint/2010/main">
-    <mc:Choice Requires="p14">
-      <p:transition spd="slow" p14:dur="2000"/>
-    </mc:Choice>
-    <mc:Fallback xmlns="">
-      <p:transition xmlns:p14="http://schemas.microsoft.com/office/powerpoint/2010/main" spd="slow"/>
-    </mc:Fallback>
-  </mc:AlternateContent>
 </p:sld>
 </file>
 
@@ -6346,27 +5825,27 @@
               <a:buNone/>
             </a:pPr>
             <a:r>
-              <a:rPr lang="en-US" u="sng" dirty="0" smtClean="0"/>
+              <a:rPr lang="en-US" u="sng" dirty="0"/>
               <a:t>Pedigree Files</a:t>
             </a:r>
           </a:p>
           <a:p>
             <a:r>
-              <a:rPr lang="en-US" dirty="0" smtClean="0"/>
+              <a:rPr lang="en-US" dirty="0"/>
               <a:t>Format is taken from Plink .</a:t>
             </a:r>
             <a:r>
-              <a:rPr lang="en-US" dirty="0" err="1" smtClean="0"/>
+              <a:rPr lang="en-US" dirty="0" err="1"/>
               <a:t>fam</a:t>
             </a:r>
             <a:r>
-              <a:rPr lang="en-US" dirty="0" smtClean="0"/>
+              <a:rPr lang="en-US" dirty="0"/>
               <a:t> file</a:t>
             </a:r>
           </a:p>
           <a:p>
             <a:r>
-              <a:rPr lang="en-US" dirty="0" smtClean="0"/>
+              <a:rPr lang="en-US" dirty="0"/>
               <a:t>Six columns, whitespace-separated:</a:t>
             </a:r>
           </a:p>
@@ -6376,7 +5855,7 @@
               <a:buAutoNum type="arabicPeriod"/>
             </a:pPr>
             <a:r>
-              <a:rPr lang="en-US" dirty="0" smtClean="0"/>
+              <a:rPr lang="en-US" dirty="0"/>
               <a:t>Family ID</a:t>
             </a:r>
           </a:p>
@@ -6386,7 +5865,7 @@
               <a:buAutoNum type="arabicPeriod"/>
             </a:pPr>
             <a:r>
-              <a:rPr lang="en-US" dirty="0" smtClean="0"/>
+              <a:rPr lang="en-US" dirty="0"/>
               <a:t>Individual ID</a:t>
             </a:r>
           </a:p>
@@ -6396,7 +5875,7 @@
               <a:buAutoNum type="arabicPeriod"/>
             </a:pPr>
             <a:r>
-              <a:rPr lang="en-US" dirty="0" smtClean="0"/>
+              <a:rPr lang="en-US" dirty="0"/>
               <a:t>Father ID (or 0 if missing)</a:t>
             </a:r>
           </a:p>
@@ -6406,7 +5885,7 @@
               <a:buAutoNum type="arabicPeriod"/>
             </a:pPr>
             <a:r>
-              <a:rPr lang="en-US" dirty="0" smtClean="0"/>
+              <a:rPr lang="en-US" dirty="0"/>
               <a:t>Mother ID (or 0 if missing)</a:t>
             </a:r>
           </a:p>
@@ -6416,7 +5895,7 @@
               <a:buAutoNum type="arabicPeriod"/>
             </a:pPr>
             <a:r>
-              <a:rPr lang="en-US" dirty="0" smtClean="0"/>
+              <a:rPr lang="en-US" dirty="0"/>
               <a:t>Individual Sex (1=male, 2=female, 0=unknown)</a:t>
             </a:r>
           </a:p>
@@ -6426,14 +5905,14 @@
               <a:buAutoNum type="arabicPeriod"/>
             </a:pPr>
             <a:r>
-              <a:rPr lang="en-US" dirty="0" smtClean="0"/>
+              <a:rPr lang="en-US" dirty="0"/>
               <a:t>Phenotype (1=control, 2=case, 0/-9/non-numeric=missing; any other value = quantitative trait)</a:t>
             </a:r>
           </a:p>
           <a:p>
             <a:pPr marL="560070" indent="-514350"/>
             <a:r>
-              <a:rPr lang="en-US" dirty="0" smtClean="0"/>
+              <a:rPr lang="en-US" dirty="0"/>
               <a:t>Use only alphanumeric + underscore in IDs, and don't start an ID with a number</a:t>
             </a:r>
           </a:p>
@@ -6442,7 +5921,7 @@
               <a:buFont typeface="+mj-lt"/>
               <a:buAutoNum type="arabicPeriod"/>
             </a:pPr>
-            <a:endParaRPr lang="en-US" dirty="0" smtClean="0"/>
+            <a:endParaRPr lang="en-US" dirty="0"/>
           </a:p>
         </p:txBody>
       </p:sp>
@@ -6456,14 +5935,6 @@
   <p:clrMapOvr>
     <a:masterClrMapping/>
   </p:clrMapOvr>
-  <mc:AlternateContent xmlns:mc="http://schemas.openxmlformats.org/markup-compatibility/2006" xmlns:p14="http://schemas.microsoft.com/office/powerpoint/2010/main">
-    <mc:Choice Requires="p14">
-      <p:transition spd="slow" p14:dur="2000"/>
-    </mc:Choice>
-    <mc:Fallback xmlns="">
-      <p:transition xmlns:p14="http://schemas.microsoft.com/office/powerpoint/2010/main" spd="slow"/>
-    </mc:Fallback>
-  </mc:AlternateContent>
 </p:sld>
 </file>
 
@@ -6503,10 +5974,9 @@
           <a:p>
             <a:pPr algn="ctr"/>
             <a:r>
-              <a:rPr lang="en-US" dirty="0" smtClean="0"/>
+              <a:rPr lang="en-US" dirty="0"/>
               <a:t>GOALS</a:t>
             </a:r>
-            <a:endParaRPr lang="en-US" dirty="0"/>
           </a:p>
         </p:txBody>
       </p:sp>
@@ -6533,51 +6003,50 @@
           <a:lstStyle/>
           <a:p>
             <a:r>
-              <a:rPr lang="en-US" dirty="0" smtClean="0"/>
+              <a:rPr lang="en-US" dirty="0"/>
               <a:t>Identify variants in offspring that were transmitted from parents</a:t>
             </a:r>
           </a:p>
           <a:p>
             <a:pPr lvl="1"/>
             <a:r>
-              <a:rPr lang="en-US" dirty="0" smtClean="0"/>
+              <a:rPr lang="en-US" dirty="0"/>
               <a:t>Determine which allele was inherited from each parent</a:t>
             </a:r>
           </a:p>
           <a:p>
             <a:pPr lvl="1"/>
             <a:r>
-              <a:rPr lang="en-US" dirty="0" smtClean="0"/>
+              <a:rPr lang="en-US" dirty="0"/>
               <a:t>Group alleles into haplotypes that were inherited together</a:t>
             </a:r>
           </a:p>
           <a:p>
             <a:pPr lvl="1"/>
             <a:r>
-              <a:rPr lang="en-US" dirty="0" smtClean="0"/>
+              <a:rPr lang="en-US" dirty="0"/>
               <a:t>Refine haplotypes using sequencing reads and reference panels</a:t>
             </a:r>
           </a:p>
           <a:p>
             <a:r>
-              <a:rPr lang="en-US" dirty="0" smtClean="0"/>
+              <a:rPr lang="en-US" dirty="0"/>
               <a:t>Identify </a:t>
             </a:r>
             <a:r>
-              <a:rPr lang="en-US" i="1" dirty="0" smtClean="0"/>
+              <a:rPr lang="en-US" i="1" dirty="0"/>
               <a:t>de novo</a:t>
             </a:r>
             <a:r>
-              <a:rPr lang="en-US" dirty="0" smtClean="0"/>
+              <a:rPr lang="en-US" dirty="0"/>
               <a:t> variants</a:t>
             </a:r>
           </a:p>
           <a:p>
             <a:r>
-              <a:rPr lang="en-US" dirty="0" smtClean="0"/>
+              <a:rPr lang="en-US" dirty="0"/>
               <a:t>Identify somatic mutations in matched tumor/normal samples</a:t>
             </a:r>
-            <a:endParaRPr lang="en-US" dirty="0"/>
           </a:p>
         </p:txBody>
       </p:sp>
@@ -6591,21 +6060,6 @@
   <p:clrMapOvr>
     <a:masterClrMapping/>
   </p:clrMapOvr>
-  <mc:AlternateContent xmlns:mc="http://schemas.openxmlformats.org/markup-compatibility/2006" xmlns:p14="http://schemas.microsoft.com/office/powerpoint/2010/main">
-    <mc:Choice Requires="p14">
-      <p:transition spd="slow" p14:dur="2000"/>
-    </mc:Choice>
-    <mc:Fallback xmlns="">
-      <p:transition xmlns:p14="http://schemas.microsoft.com/office/powerpoint/2010/main" spd="slow"/>
-    </mc:Fallback>
-  </mc:AlternateContent>
-  <p:timing>
-    <p:tnLst>
-      <p:par>
-        <p:cTn id="1" dur="indefinite" restart="never" nodeType="tmRoot"/>
-      </p:par>
-    </p:tnLst>
-  </p:timing>
 </p:sld>
 </file>
 
@@ -6677,7 +6131,7 @@
               <a:buNone/>
             </a:pPr>
             <a:r>
-              <a:rPr lang="en-US" u="sng" dirty="0" smtClean="0"/>
+              <a:rPr lang="en-US" u="sng" dirty="0"/>
               <a:t>Exercise: Phase By Transmission Using GATK</a:t>
             </a:r>
           </a:p>
@@ -6686,18 +6140,11 @@
               <a:buNone/>
             </a:pPr>
             <a:r>
-              <a:rPr lang="en-US" sz="2000" dirty="0" smtClean="0">
-                <a:latin typeface="Courier"/>
-                <a:cs typeface="Courier"/>
-              </a:rPr>
-              <a:t>$ </a:t>
-            </a:r>
-            <a:r>
               <a:rPr lang="en-US" sz="2000" dirty="0">
                 <a:latin typeface="Courier"/>
                 <a:cs typeface="Courier"/>
               </a:rPr>
-              <a:t>java -jar </a:t>
+              <a:t>$ java -jar </a:t>
             </a:r>
             <a:r>
               <a:rPr lang="en-US" sz="2000" dirty="0" err="1">
@@ -6726,23 +6173,19 @@
               <a:t>    -T </a:t>
             </a:r>
             <a:r>
-              <a:rPr lang="en-US" sz="2000" dirty="0" err="1" smtClean="0">
+              <a:rPr lang="en-US" sz="2000" dirty="0" err="1">
                 <a:latin typeface="Courier"/>
                 <a:cs typeface="Courier"/>
               </a:rPr>
               <a:t>PhaseByTransmission</a:t>
             </a:r>
             <a:r>
-              <a:rPr lang="en-US" sz="2000" dirty="0" smtClean="0">
+              <a:rPr lang="en-US" sz="2000" dirty="0">
                 <a:latin typeface="Courier"/>
                 <a:cs typeface="Courier"/>
               </a:rPr>
               <a:t> \</a:t>
             </a:r>
-            <a:endParaRPr lang="en-US" sz="2000" dirty="0">
-              <a:latin typeface="Courier"/>
-              <a:cs typeface="Courier"/>
-            </a:endParaRPr>
           </a:p>
           <a:p>
             <a:pPr marL="0" indent="0">
@@ -6753,33 +6196,20 @@
                 <a:latin typeface="Courier"/>
                 <a:cs typeface="Courier"/>
               </a:rPr>
-              <a:t>    -R </a:t>
-            </a:r>
-            <a:r>
-              <a:rPr lang="en-US" sz="2000" dirty="0" smtClean="0">
-                <a:latin typeface="Courier"/>
-                <a:cs typeface="Courier"/>
-              </a:rPr>
-              <a:t>resources/human_g1k_v37.</a:t>
-            </a:r>
+              <a:t>    -R resources/human_g1k_v37.fasta \</a:t>
+            </a:r>
+          </a:p>
+          <a:p>
+            <a:pPr marL="0" indent="0">
+              <a:buNone/>
+            </a:pPr>
             <a:r>
               <a:rPr lang="en-US" sz="2000" dirty="0">
                 <a:latin typeface="Courier"/>
                 <a:cs typeface="Courier"/>
               </a:rPr>
-              <a:t>fasta </a:t>
-            </a:r>
-            <a:r>
-              <a:rPr lang="en-US" sz="2000" dirty="0" smtClean="0">
-                <a:latin typeface="Courier"/>
-                <a:cs typeface="Courier"/>
-              </a:rPr>
-              <a:t>\</a:t>
-            </a:r>
-            <a:endParaRPr lang="en-US" sz="2000" dirty="0">
-              <a:latin typeface="Courier"/>
-              <a:cs typeface="Courier"/>
-            </a:endParaRPr>
+              <a:t>    -V output/ceu_trio_chr22_jointcalls_filtered.vcf \</a:t>
+            </a:r>
           </a:p>
           <a:p>
             <a:pPr marL="0" indent="0">
@@ -6790,33 +6220,36 @@
                 <a:latin typeface="Courier"/>
                 <a:cs typeface="Courier"/>
               </a:rPr>
-              <a:t>    -V output</a:t>
-            </a:r>
-            <a:r>
-              <a:rPr lang="en-US" sz="2000" dirty="0" smtClean="0">
-                <a:latin typeface="Courier"/>
-                <a:cs typeface="Courier"/>
-              </a:rPr>
-              <a:t>/</a:t>
+              <a:t>    -</a:t>
+            </a:r>
+            <a:r>
+              <a:rPr lang="en-US" sz="2000" dirty="0" err="1">
+                <a:latin typeface="Courier"/>
+                <a:cs typeface="Courier"/>
+              </a:rPr>
+              <a:t>ped</a:t>
             </a:r>
             <a:r>
               <a:rPr lang="en-US" sz="2000" dirty="0">
                 <a:latin typeface="Courier"/>
                 <a:cs typeface="Courier"/>
               </a:rPr>
-              <a:t>ceu_trio_chr22_jointcalls_filtered.vcf</a:t>
-            </a:r>
-            <a:r>
-              <a:rPr lang="en-US" sz="2000" dirty="0" smtClean="0">
+              <a:t> input/trio2/</a:t>
+            </a:r>
+            <a:r>
+              <a:rPr lang="en-US" sz="2000" dirty="0" err="1">
+                <a:latin typeface="Courier"/>
+                <a:cs typeface="Courier"/>
+              </a:rPr>
+              <a:t>trio.fam</a:t>
+            </a:r>
+            <a:r>
+              <a:rPr lang="en-US" sz="2000" dirty="0">
                 <a:latin typeface="Courier"/>
                 <a:cs typeface="Courier"/>
               </a:rPr>
               <a:t> \</a:t>
             </a:r>
-            <a:endParaRPr lang="en-US" sz="2000" dirty="0">
-              <a:latin typeface="Courier"/>
-              <a:cs typeface="Courier"/>
-            </a:endParaRPr>
           </a:p>
           <a:p>
             <a:pPr marL="0" indent="0">
@@ -6827,70 +6260,8 @@
                 <a:latin typeface="Courier"/>
                 <a:cs typeface="Courier"/>
               </a:rPr>
-              <a:t>    </a:t>
-            </a:r>
-            <a:r>
-              <a:rPr lang="en-US" sz="2000" dirty="0" smtClean="0">
-                <a:latin typeface="Courier"/>
-                <a:cs typeface="Courier"/>
-              </a:rPr>
-              <a:t>-</a:t>
-            </a:r>
-            <a:r>
-              <a:rPr lang="en-US" sz="2000" dirty="0" err="1" smtClean="0">
-                <a:latin typeface="Courier"/>
-                <a:cs typeface="Courier"/>
-              </a:rPr>
-              <a:t>ped</a:t>
-            </a:r>
-            <a:r>
-              <a:rPr lang="en-US" sz="2000" dirty="0" smtClean="0">
-                <a:latin typeface="Courier"/>
-                <a:cs typeface="Courier"/>
-              </a:rPr>
-              <a:t> input/trio2/</a:t>
-            </a:r>
-            <a:r>
-              <a:rPr lang="en-US" sz="2000" dirty="0" err="1" smtClean="0">
-                <a:latin typeface="Courier"/>
-                <a:cs typeface="Courier"/>
-              </a:rPr>
-              <a:t>trio.fam</a:t>
-            </a:r>
-            <a:r>
-              <a:rPr lang="en-US" sz="2000" dirty="0" smtClean="0">
-                <a:latin typeface="Courier"/>
-                <a:cs typeface="Courier"/>
-              </a:rPr>
-              <a:t> \</a:t>
-            </a:r>
-            <a:endParaRPr lang="en-US" sz="2000" dirty="0">
-              <a:latin typeface="Courier"/>
-              <a:cs typeface="Courier"/>
-            </a:endParaRPr>
-          </a:p>
-          <a:p>
-            <a:pPr marL="0" indent="0">
-              <a:buNone/>
-            </a:pPr>
-            <a:r>
-              <a:rPr lang="en-US" sz="2000" dirty="0">
-                <a:latin typeface="Courier"/>
-                <a:cs typeface="Courier"/>
-              </a:rPr>
-              <a:t>    -o output</a:t>
-            </a:r>
-            <a:r>
-              <a:rPr lang="en-US" sz="2000" dirty="0" smtClean="0">
-                <a:latin typeface="Courier"/>
-                <a:cs typeface="Courier"/>
-              </a:rPr>
-              <a:t>/ceu_trio_chr22_jointcalls_phased.vcf</a:t>
-            </a:r>
-            <a:endParaRPr lang="en-US" sz="2000" dirty="0">
-              <a:latin typeface="Courier"/>
-              <a:cs typeface="Courier"/>
-            </a:endParaRPr>
+              <a:t>    -o output/ceu_trio_chr22_jointcalls_phased.vcf</a:t>
+            </a:r>
           </a:p>
         </p:txBody>
       </p:sp>
@@ -6904,14 +6275,6 @@
   <p:clrMapOvr>
     <a:masterClrMapping/>
   </p:clrMapOvr>
-  <mc:AlternateContent xmlns:mc="http://schemas.openxmlformats.org/markup-compatibility/2006" xmlns:p14="http://schemas.microsoft.com/office/powerpoint/2010/main">
-    <mc:Choice Requires="p14">
-      <p:transition spd="slow" p14:dur="2000"/>
-    </mc:Choice>
-    <mc:Fallback xmlns="">
-      <p:transition xmlns:p14="http://schemas.microsoft.com/office/powerpoint/2010/main" spd="slow"/>
-    </mc:Fallback>
-  </mc:AlternateContent>
 </p:sld>
 </file>
 
@@ -6983,7 +6346,7 @@
               <a:buNone/>
             </a:pPr>
             <a:r>
-              <a:rPr lang="en-US" u="sng" dirty="0" smtClean="0"/>
+              <a:rPr lang="en-US" u="sng" dirty="0"/>
               <a:t>Exercise: Phase By Transmission Using GATK</a:t>
             </a:r>
           </a:p>
@@ -6992,7 +6355,7 @@
               <a:buNone/>
             </a:pPr>
             <a:r>
-              <a:rPr lang="en-US" sz="2000" dirty="0" smtClean="0">
+              <a:rPr lang="en-US" sz="2000" dirty="0">
                 <a:latin typeface="Courier"/>
                 <a:cs typeface="Courier"/>
               </a:rPr>
@@ -7004,7 +6367,7 @@
               <a:buNone/>
             </a:pPr>
             <a:r>
-              <a:rPr lang="en-US" sz="2000" dirty="0" smtClean="0">
+              <a:rPr lang="en-US" sz="2000" dirty="0">
                 <a:latin typeface="Courier"/>
                 <a:cs typeface="Courier"/>
               </a:rPr>
@@ -7015,26 +6378,22 @@
             <a:pPr marL="0" indent="0">
               <a:buNone/>
             </a:pPr>
-            <a:endParaRPr lang="en-US" sz="2000" dirty="0" smtClean="0">
-              <a:latin typeface="Courier"/>
-              <a:cs typeface="Courier"/>
-            </a:endParaRPr>
-          </a:p>
-          <a:p>
-            <a:pPr marL="0" indent="0">
-              <a:buNone/>
-            </a:pPr>
-            <a:r>
-              <a:rPr lang="en-US" sz="2000" dirty="0" smtClean="0">
-                <a:latin typeface="Courier"/>
-                <a:cs typeface="Courier"/>
-              </a:rPr>
-              <a:t># '|' in genotype indicates phasing</a:t>
-            </a:r>
             <a:endParaRPr lang="en-US" sz="2000" dirty="0">
               <a:latin typeface="Courier"/>
               <a:cs typeface="Courier"/>
             </a:endParaRPr>
+          </a:p>
+          <a:p>
+            <a:pPr marL="0" indent="0">
+              <a:buNone/>
+            </a:pPr>
+            <a:r>
+              <a:rPr lang="en-US" sz="2000" dirty="0">
+                <a:latin typeface="Courier"/>
+                <a:cs typeface="Courier"/>
+              </a:rPr>
+              <a:t># '|' in genotype indicates phasing</a:t>
+            </a:r>
           </a:p>
         </p:txBody>
       </p:sp>
@@ -7071,14 +6430,6 @@
   <p:clrMapOvr>
     <a:masterClrMapping/>
   </p:clrMapOvr>
-  <mc:AlternateContent xmlns:mc="http://schemas.openxmlformats.org/markup-compatibility/2006" xmlns:p14="http://schemas.microsoft.com/office/powerpoint/2010/main">
-    <mc:Choice Requires="p14">
-      <p:transition spd="slow" p14:dur="2000"/>
-    </mc:Choice>
-    <mc:Fallback xmlns="">
-      <p:transition xmlns:p14="http://schemas.microsoft.com/office/powerpoint/2010/main" spd="slow"/>
-    </mc:Fallback>
-  </mc:AlternateContent>
 </p:sld>
 </file>
 
@@ -7123,10 +6474,9 @@
           <a:p>
             <a:pPr algn="ctr"/>
             <a:r>
-              <a:rPr lang="en-US" dirty="0" smtClean="0"/>
+              <a:rPr lang="en-US" dirty="0"/>
               <a:t>READ-BASED PHASING</a:t>
             </a:r>
-            <a:endParaRPr lang="en-US" dirty="0"/>
           </a:p>
         </p:txBody>
       </p:sp>
@@ -7153,29 +6503,29 @@
           <a:lstStyle/>
           <a:p>
             <a:r>
-              <a:rPr lang="en-US" dirty="0" smtClean="0"/>
+              <a:rPr lang="en-US" dirty="0"/>
               <a:t>WGS and WES data provides more accurate phasing due to linkage information in reads</a:t>
             </a:r>
           </a:p>
           <a:p>
             <a:r>
-              <a:rPr lang="en-US" dirty="0" smtClean="0"/>
+              <a:rPr lang="en-US" dirty="0"/>
               <a:t>Artifacts </a:t>
             </a:r>
             <a:r>
-              <a:rPr lang="mr-IN" dirty="0" smtClean="0"/>
+              <a:rPr lang="mr-IN" dirty="0"/>
               <a:t>–</a:t>
             </a:r>
             <a:r>
-              <a:rPr lang="en-US" dirty="0" smtClean="0"/>
+              <a:rPr lang="en-US" dirty="0"/>
               <a:t> sequencing errors, misalignment, allelic bias, gaps </a:t>
             </a:r>
             <a:r>
-              <a:rPr lang="mr-IN" dirty="0" smtClean="0"/>
+              <a:rPr lang="mr-IN" dirty="0"/>
               <a:t>–</a:t>
             </a:r>
             <a:r>
-              <a:rPr lang="en-US" dirty="0" smtClean="0"/>
+              <a:rPr lang="en-US" dirty="0"/>
               <a:t> can create switching errors</a:t>
             </a:r>
           </a:p>
@@ -7228,18 +6578,17 @@
           <a:lstStyle/>
           <a:p>
             <a:r>
-              <a:rPr lang="en-US" dirty="0" smtClean="0"/>
+              <a:rPr lang="en-US" dirty="0"/>
               <a:t>Martin et al., </a:t>
             </a:r>
             <a:r>
-              <a:rPr lang="en-US" dirty="0" err="1" smtClean="0"/>
+              <a:rPr lang="en-US" dirty="0" err="1"/>
               <a:t>bioRxiv</a:t>
             </a:r>
             <a:r>
-              <a:rPr lang="en-US" dirty="0" smtClean="0"/>
+              <a:rPr lang="en-US" dirty="0"/>
               <a:t>, 2017</a:t>
             </a:r>
-            <a:endParaRPr lang="en-US" dirty="0"/>
           </a:p>
         </p:txBody>
       </p:sp>
@@ -7253,21 +6602,6 @@
   <p:clrMapOvr>
     <a:masterClrMapping/>
   </p:clrMapOvr>
-  <mc:AlternateContent xmlns:mc="http://schemas.openxmlformats.org/markup-compatibility/2006" xmlns:p14="http://schemas.microsoft.com/office/powerpoint/2010/main">
-    <mc:Choice Requires="p14">
-      <p:transition spd="slow" p14:dur="2000"/>
-    </mc:Choice>
-    <mc:Fallback xmlns="">
-      <p:transition xmlns:p14="http://schemas.microsoft.com/office/powerpoint/2010/main" spd="slow"/>
-    </mc:Fallback>
-  </mc:AlternateContent>
-  <p:timing>
-    <p:tnLst>
-      <p:par>
-        <p:cTn id="1" dur="indefinite" restart="never" nodeType="tmRoot"/>
-      </p:par>
-    </p:tnLst>
-  </p:timing>
 </p:sld>
 </file>
 
@@ -7312,10 +6646,9 @@
           <a:p>
             <a:pPr algn="ctr"/>
             <a:r>
-              <a:rPr lang="en-US" dirty="0" smtClean="0"/>
+              <a:rPr lang="en-US" dirty="0"/>
               <a:t>READ-BASED PHASING</a:t>
             </a:r>
-            <a:endParaRPr lang="en-US" dirty="0"/>
           </a:p>
         </p:txBody>
       </p:sp>
@@ -7345,41 +6678,40 @@
               <a:buNone/>
             </a:pPr>
             <a:r>
-              <a:rPr lang="en-US" u="sng" dirty="0" err="1" smtClean="0"/>
+              <a:rPr lang="en-US" u="sng" dirty="0" err="1"/>
               <a:t>WhatsHap</a:t>
             </a:r>
-            <a:endParaRPr lang="en-US" u="sng" dirty="0" smtClean="0"/>
-          </a:p>
-          <a:p>
-            <a:r>
-              <a:rPr lang="en-US" dirty="0" smtClean="0"/>
+            <a:endParaRPr lang="en-US" u="sng" dirty="0"/>
+          </a:p>
+          <a:p>
+            <a:r>
+              <a:rPr lang="en-US" dirty="0"/>
               <a:t>Read-based phasing software that can optionally utilize pedigree information</a:t>
             </a:r>
           </a:p>
           <a:p>
             <a:r>
-              <a:rPr lang="en-US" dirty="0" smtClean="0"/>
+              <a:rPr lang="en-US" dirty="0"/>
               <a:t>Takes VCF and BAM files as input, outputs phased VCF</a:t>
             </a:r>
-            <a:endParaRPr lang="en-US" dirty="0"/>
-          </a:p>
-          <a:p>
-            <a:r>
-              <a:rPr lang="en-US" dirty="0" smtClean="0"/>
+          </a:p>
+          <a:p>
+            <a:r>
+              <a:rPr lang="en-US" dirty="0"/>
               <a:t>Can also output</a:t>
             </a:r>
           </a:p>
           <a:p>
             <a:pPr lvl="1"/>
             <a:r>
-              <a:rPr lang="en-US" dirty="0" smtClean="0"/>
+              <a:rPr lang="en-US" dirty="0"/>
               <a:t>Phased reference genomes</a:t>
             </a:r>
           </a:p>
           <a:p>
             <a:pPr lvl="1"/>
             <a:r>
-              <a:rPr lang="en-US" dirty="0" smtClean="0"/>
+              <a:rPr lang="en-US" dirty="0"/>
               <a:t>Haplotype blocks (in GTF format)</a:t>
             </a:r>
           </a:p>
@@ -7408,18 +6740,17 @@
           <a:lstStyle/>
           <a:p>
             <a:r>
-              <a:rPr lang="en-US" dirty="0" smtClean="0"/>
+              <a:rPr lang="en-US" dirty="0"/>
               <a:t>Martin et al., </a:t>
             </a:r>
             <a:r>
-              <a:rPr lang="en-US" dirty="0" err="1" smtClean="0"/>
+              <a:rPr lang="en-US" dirty="0" err="1"/>
               <a:t>bioRxiv</a:t>
             </a:r>
             <a:r>
-              <a:rPr lang="en-US" dirty="0" smtClean="0"/>
+              <a:rPr lang="en-US" dirty="0"/>
               <a:t>, 2017</a:t>
             </a:r>
-            <a:endParaRPr lang="en-US" dirty="0"/>
           </a:p>
         </p:txBody>
       </p:sp>
@@ -7433,21 +6764,6 @@
   <p:clrMapOvr>
     <a:masterClrMapping/>
   </p:clrMapOvr>
-  <mc:AlternateContent xmlns:mc="http://schemas.openxmlformats.org/markup-compatibility/2006" xmlns:p14="http://schemas.microsoft.com/office/powerpoint/2010/main">
-    <mc:Choice Requires="p14">
-      <p:transition spd="slow" p14:dur="2000"/>
-    </mc:Choice>
-    <mc:Fallback xmlns="">
-      <p:transition xmlns:p14="http://schemas.microsoft.com/office/powerpoint/2010/main" spd="slow"/>
-    </mc:Fallback>
-  </mc:AlternateContent>
-  <p:timing>
-    <p:tnLst>
-      <p:par>
-        <p:cTn id="1" dur="indefinite" restart="never" nodeType="tmRoot"/>
-      </p:par>
-    </p:tnLst>
-  </p:timing>
 </p:sld>
 </file>
 
@@ -7519,35 +6835,35 @@
               <a:buNone/>
             </a:pPr>
             <a:r>
-              <a:rPr lang="en-US" u="sng" dirty="0" smtClean="0"/>
+              <a:rPr lang="en-US" u="sng" dirty="0"/>
               <a:t>Exercise: Read-Based Phasing Using </a:t>
             </a:r>
             <a:r>
-              <a:rPr lang="en-US" u="sng" dirty="0" err="1" smtClean="0"/>
+              <a:rPr lang="en-US" u="sng" dirty="0" err="1"/>
               <a:t>WhatsHap</a:t>
             </a:r>
-            <a:endParaRPr lang="en-US" u="sng" dirty="0" smtClean="0"/>
+            <a:endParaRPr lang="en-US" u="sng" dirty="0"/>
           </a:p>
           <a:p>
             <a:pPr marL="0" indent="0">
               <a:buNone/>
             </a:pPr>
             <a:r>
-              <a:rPr lang="en-US" sz="2000" dirty="0" smtClean="0">
+              <a:rPr lang="en-US" sz="2000" dirty="0">
                 <a:latin typeface="Courier"/>
                 <a:cs typeface="Courier"/>
               </a:rPr>
               <a:t># Run </a:t>
             </a:r>
             <a:r>
-              <a:rPr lang="en-US" sz="2000" dirty="0" err="1" smtClean="0">
+              <a:rPr lang="en-US" sz="2000" dirty="0" err="1">
                 <a:latin typeface="Courier"/>
                 <a:cs typeface="Courier"/>
               </a:rPr>
               <a:t>WhatsHap</a:t>
             </a:r>
             <a:r>
-              <a:rPr lang="en-US" sz="2000" dirty="0" smtClean="0">
+              <a:rPr lang="en-US" sz="2000" dirty="0">
                 <a:latin typeface="Courier"/>
                 <a:cs typeface="Courier"/>
               </a:rPr>
@@ -7559,25 +6875,11 @@
               <a:buNone/>
             </a:pPr>
             <a:r>
-              <a:rPr lang="en-US" sz="2000" dirty="0" smtClean="0">
-                <a:latin typeface="Courier"/>
-                <a:cs typeface="Courier"/>
-              </a:rPr>
-              <a:t># Another important </a:t>
-            </a:r>
-            <a:r>
               <a:rPr lang="en-US" sz="2000" dirty="0">
                 <a:latin typeface="Courier"/>
                 <a:cs typeface="Courier"/>
               </a:rPr>
-              <a:t>option is '--distrust-</a:t>
-            </a:r>
-            <a:r>
-              <a:rPr lang="en-US" sz="2000" dirty="0" smtClean="0">
-                <a:latin typeface="Courier"/>
-                <a:cs typeface="Courier"/>
-              </a:rPr>
-              <a:t>genotypes',</a:t>
+              <a:t># Another important option is '--distrust-genotypes',</a:t>
             </a:r>
           </a:p>
           <a:p>
@@ -7585,21 +6887,21 @@
               <a:buNone/>
             </a:pPr>
             <a:r>
-              <a:rPr lang="en-US" sz="2000" dirty="0" smtClean="0">
+              <a:rPr lang="en-US" sz="2000" dirty="0">
                 <a:latin typeface="Courier"/>
                 <a:cs typeface="Courier"/>
               </a:rPr>
               <a:t># which allows </a:t>
             </a:r>
             <a:r>
-              <a:rPr lang="en-US" sz="2000" dirty="0" err="1" smtClean="0">
+              <a:rPr lang="en-US" sz="2000" dirty="0" err="1">
                 <a:latin typeface="Courier"/>
                 <a:cs typeface="Courier"/>
               </a:rPr>
               <a:t>WhatsHap</a:t>
             </a:r>
             <a:r>
-              <a:rPr lang="en-US" sz="2000" dirty="0" smtClean="0">
+              <a:rPr lang="en-US" sz="2000" dirty="0">
                 <a:latin typeface="Courier"/>
                 <a:cs typeface="Courier"/>
               </a:rPr>
@@ -7611,7 +6913,7 @@
               <a:buNone/>
             </a:pPr>
             <a:r>
-              <a:rPr lang="en-US" sz="2000" dirty="0" smtClean="0">
+              <a:rPr lang="en-US" sz="2000" dirty="0">
                 <a:latin typeface="Courier"/>
                 <a:cs typeface="Courier"/>
               </a:rPr>
@@ -7623,32 +6925,25 @@
               <a:buNone/>
             </a:pPr>
             <a:r>
-              <a:rPr lang="en-US" sz="2000" dirty="0" smtClean="0">
+              <a:rPr lang="en-US" sz="2000" dirty="0">
                 <a:latin typeface="Courier"/>
                 <a:cs typeface="Courier"/>
               </a:rPr>
               <a:t>$ </a:t>
             </a:r>
             <a:r>
-              <a:rPr lang="en-US" sz="2000" dirty="0" err="1" smtClean="0">
+              <a:rPr lang="en-US" sz="2000" dirty="0" err="1">
                 <a:latin typeface="Courier"/>
                 <a:cs typeface="Courier"/>
               </a:rPr>
               <a:t>whatshap</a:t>
             </a:r>
             <a:r>
-              <a:rPr lang="en-US" sz="2000" dirty="0" smtClean="0">
-                <a:latin typeface="Courier"/>
-                <a:cs typeface="Courier"/>
-              </a:rPr>
-              <a:t> </a:t>
-            </a:r>
-            <a:r>
               <a:rPr lang="en-US" sz="2000" dirty="0">
                 <a:latin typeface="Courier"/>
                 <a:cs typeface="Courier"/>
               </a:rPr>
-              <a:t>phase --</a:t>
+              <a:t> phase --</a:t>
             </a:r>
             <a:r>
               <a:rPr lang="en-US" sz="2000" dirty="0" err="1">
@@ -7662,14 +6957,7 @@
                 <a:latin typeface="Courier"/>
                 <a:cs typeface="Courier"/>
               </a:rPr>
-              <a:t> </a:t>
-            </a:r>
-            <a:r>
-              <a:rPr lang="en-US" sz="2000" dirty="0" smtClean="0">
-                <a:latin typeface="Courier"/>
-                <a:cs typeface="Courier"/>
-              </a:rPr>
-              <a:t>input/trio2/</a:t>
+              <a:t> input/trio2/</a:t>
             </a:r>
             <a:r>
               <a:rPr lang="en-US" sz="2000" dirty="0" err="1">
@@ -7683,14 +6971,7 @@
                 <a:latin typeface="Courier"/>
                 <a:cs typeface="Courier"/>
               </a:rPr>
-              <a:t> </a:t>
-            </a:r>
-            <a:r>
-              <a:rPr lang="en-US" sz="2000" dirty="0" smtClean="0">
-                <a:latin typeface="Courier"/>
-                <a:cs typeface="Courier"/>
-              </a:rPr>
-              <a:t>\</a:t>
+              <a:t> \</a:t>
             </a:r>
           </a:p>
           <a:p>
@@ -7698,25 +6979,11 @@
               <a:buNone/>
             </a:pPr>
             <a:r>
-              <a:rPr lang="en-US" sz="2000" dirty="0" smtClean="0">
-                <a:latin typeface="Courier"/>
-                <a:cs typeface="Courier"/>
-              </a:rPr>
-              <a:t>-</a:t>
-            </a:r>
-            <a:r>
               <a:rPr lang="en-US" sz="2000" dirty="0">
                 <a:latin typeface="Courier"/>
                 <a:cs typeface="Courier"/>
               </a:rPr>
-              <a:t>o </a:t>
-            </a:r>
-            <a:r>
-              <a:rPr lang="en-US" sz="2000" dirty="0" smtClean="0">
-                <a:latin typeface="Courier"/>
-                <a:cs typeface="Courier"/>
-              </a:rPr>
-              <a:t>output/ceu_trio_chr22_jointcalls_wh.vcf \</a:t>
+              <a:t>-o output/ceu_trio_chr22_jointcalls_wh.vcf \</a:t>
             </a:r>
           </a:p>
           <a:p>
@@ -7724,53 +6991,37 @@
               <a:buNone/>
             </a:pPr>
             <a:r>
-              <a:rPr lang="en-US" sz="2000" dirty="0" smtClean="0">
-                <a:latin typeface="Courier"/>
-                <a:cs typeface="Courier"/>
-              </a:rPr>
-              <a:t>-</a:t>
-            </a:r>
-            <a:r>
               <a:rPr lang="en-US" sz="2000" dirty="0">
                 <a:latin typeface="Courier"/>
                 <a:cs typeface="Courier"/>
               </a:rPr>
-              <a:t>r </a:t>
-            </a:r>
-            <a:r>
-              <a:rPr lang="en-US" sz="2000" dirty="0" smtClean="0">
-                <a:latin typeface="Courier"/>
-                <a:cs typeface="Courier"/>
-              </a:rPr>
-              <a:t>resources/</a:t>
-            </a:r>
+              <a:t>-r resources/human_g1k_v37.fasta --chromosome 22 \</a:t>
+            </a:r>
+          </a:p>
+          <a:p>
+            <a:pPr marL="0" indent="0">
+              <a:buNone/>
+            </a:pPr>
             <a:r>
               <a:rPr lang="en-US" sz="2000" dirty="0">
                 <a:latin typeface="Courier"/>
                 <a:cs typeface="Courier"/>
               </a:rPr>
-              <a:t>human_g1k_v37.fasta </a:t>
-            </a:r>
-            <a:r>
-              <a:rPr lang="en-US" sz="2000" dirty="0" smtClean="0">
-                <a:latin typeface="Courier"/>
-                <a:cs typeface="Courier"/>
-              </a:rPr>
-              <a:t>-</a:t>
+              <a:t>--</a:t>
+            </a:r>
+            <a:r>
+              <a:rPr lang="en-US" sz="2000" dirty="0" err="1">
+                <a:latin typeface="Courier"/>
+                <a:cs typeface="Courier"/>
+              </a:rPr>
+              <a:t>indels</a:t>
             </a:r>
             <a:r>
               <a:rPr lang="en-US" sz="2000" dirty="0">
                 <a:latin typeface="Courier"/>
                 <a:cs typeface="Courier"/>
               </a:rPr>
-              <a:t>-chromosome 22 </a:t>
-            </a:r>
-            <a:r>
-              <a:rPr lang="en-US" sz="2000" dirty="0" smtClean="0">
-                <a:latin typeface="Courier"/>
-                <a:cs typeface="Courier"/>
-              </a:rPr>
-              <a:t>\</a:t>
+              <a:t> output/ceu_trio_chr22_jointcalls_phased.vcf \</a:t>
             </a:r>
           </a:p>
           <a:p>
@@ -7778,72 +7029,11 @@
               <a:buNone/>
             </a:pPr>
             <a:r>
-              <a:rPr lang="en-US" sz="2000" dirty="0" smtClean="0">
-                <a:latin typeface="Courier"/>
-                <a:cs typeface="Courier"/>
-              </a:rPr>
-              <a:t>-</a:t>
-            </a:r>
-            <a:r>
               <a:rPr lang="en-US" sz="2000" dirty="0">
                 <a:latin typeface="Courier"/>
                 <a:cs typeface="Courier"/>
               </a:rPr>
-              <a:t>-</a:t>
-            </a:r>
-            <a:r>
-              <a:rPr lang="en-US" sz="2000" dirty="0" err="1">
-                <a:latin typeface="Courier"/>
-                <a:cs typeface="Courier"/>
-              </a:rPr>
-              <a:t>indels</a:t>
-            </a:r>
-            <a:r>
-              <a:rPr lang="en-US" sz="2000" dirty="0">
-                <a:latin typeface="Courier"/>
-                <a:cs typeface="Courier"/>
-              </a:rPr>
-              <a:t> </a:t>
-            </a:r>
-            <a:r>
-              <a:rPr lang="en-US" sz="2000" dirty="0" smtClean="0">
-                <a:latin typeface="Courier"/>
-                <a:cs typeface="Courier"/>
-              </a:rPr>
-              <a:t>output/ceu_trio_chr22_jointcalls_phased.vcf </a:t>
-            </a:r>
-            <a:r>
-              <a:rPr lang="en-US" sz="2000" dirty="0">
-                <a:latin typeface="Courier"/>
-                <a:cs typeface="Courier"/>
-              </a:rPr>
-              <a:t>\</a:t>
-            </a:r>
-          </a:p>
-          <a:p>
-            <a:pPr marL="0" indent="0">
-              <a:buNone/>
-            </a:pPr>
-            <a:r>
-              <a:rPr lang="en-US" sz="2000" dirty="0">
-                <a:latin typeface="Courier"/>
-                <a:cs typeface="Courier"/>
-              </a:rPr>
-              <a:t>i</a:t>
-            </a:r>
-            <a:r>
-              <a:rPr lang="en-US" sz="2000" dirty="0" smtClean="0">
-                <a:latin typeface="Courier"/>
-                <a:cs typeface="Courier"/>
-              </a:rPr>
-              <a:t>nput/trio2/</a:t>
-            </a:r>
-            <a:r>
-              <a:rPr lang="en-US" sz="2000" dirty="0">
-                <a:latin typeface="Courier"/>
-                <a:cs typeface="Courier"/>
-              </a:rPr>
-              <a:t>NA12878_chr22.bam \</a:t>
+              <a:t>input/trio2/NA12878_chr22.bam \</a:t>
             </a:r>
           </a:p>
           <a:p>
@@ -7882,21 +7072,6 @@
   <p:clrMapOvr>
     <a:masterClrMapping/>
   </p:clrMapOvr>
-  <mc:AlternateContent xmlns:mc="http://schemas.openxmlformats.org/markup-compatibility/2006" xmlns:p14="http://schemas.microsoft.com/office/powerpoint/2010/main">
-    <mc:Choice Requires="p14">
-      <p:transition spd="slow" p14:dur="2000"/>
-    </mc:Choice>
-    <mc:Fallback xmlns="">
-      <p:transition xmlns:p14="http://schemas.microsoft.com/office/powerpoint/2010/main" spd="slow"/>
-    </mc:Fallback>
-  </mc:AlternateContent>
-  <p:timing>
-    <p:tnLst>
-      <p:par>
-        <p:cTn id="1" dur="indefinite" restart="never" nodeType="tmRoot"/>
-      </p:par>
-    </p:tnLst>
-  </p:timing>
 </p:sld>
 </file>
 
@@ -7968,21 +7143,21 @@
               <a:buNone/>
             </a:pPr>
             <a:r>
-              <a:rPr lang="en-US" u="sng" dirty="0" smtClean="0"/>
+              <a:rPr lang="en-US" u="sng" dirty="0"/>
               <a:t>Exercise: Read-Based Phasing Using </a:t>
             </a:r>
             <a:r>
-              <a:rPr lang="en-US" u="sng" dirty="0" err="1" smtClean="0"/>
+              <a:rPr lang="en-US" u="sng" dirty="0" err="1"/>
               <a:t>WhatsHap</a:t>
             </a:r>
-            <a:endParaRPr lang="en-US" u="sng" dirty="0" smtClean="0"/>
+            <a:endParaRPr lang="en-US" u="sng" dirty="0"/>
           </a:p>
           <a:p>
             <a:pPr marL="0" indent="0">
               <a:buNone/>
             </a:pPr>
             <a:r>
-              <a:rPr lang="en-US" sz="2000" dirty="0" smtClean="0">
+              <a:rPr lang="en-US" sz="2000" dirty="0">
                 <a:latin typeface="Courier"/>
                 <a:cs typeface="Courier"/>
               </a:rPr>
@@ -7994,21 +7169,21 @@
               <a:buNone/>
             </a:pPr>
             <a:r>
-              <a:rPr lang="en-US" sz="2000" dirty="0" smtClean="0">
+              <a:rPr lang="en-US" sz="2000" dirty="0">
                 <a:latin typeface="Courier"/>
                 <a:cs typeface="Courier"/>
               </a:rPr>
               <a:t># output. Notice that </a:t>
             </a:r>
             <a:r>
-              <a:rPr lang="en-US" sz="2000" dirty="0" err="1" smtClean="0">
+              <a:rPr lang="en-US" sz="2000" dirty="0" err="1">
                 <a:latin typeface="Courier"/>
                 <a:cs typeface="Courier"/>
               </a:rPr>
               <a:t>WhatsHap</a:t>
             </a:r>
             <a:r>
-              <a:rPr lang="en-US" sz="2000" dirty="0" smtClean="0">
+              <a:rPr lang="en-US" sz="2000" dirty="0">
                 <a:latin typeface="Courier"/>
                 <a:cs typeface="Courier"/>
               </a:rPr>
@@ -8020,7 +7195,7 @@
               <a:buNone/>
             </a:pPr>
             <a:r>
-              <a:rPr lang="en-US" sz="2000" dirty="0" smtClean="0">
+              <a:rPr lang="en-US" sz="2000" dirty="0">
                 <a:latin typeface="Courier"/>
                 <a:cs typeface="Courier"/>
               </a:rPr>
@@ -8032,7 +7207,7 @@
               <a:buNone/>
             </a:pPr>
             <a:r>
-              <a:rPr lang="en-US" sz="2000" dirty="0" smtClean="0">
+              <a:rPr lang="en-US" sz="2000" dirty="0">
                 <a:latin typeface="Courier"/>
                 <a:cs typeface="Courier"/>
               </a:rPr>
@@ -8048,19 +7223,8 @@
                 <a:latin typeface="Courier"/>
                 <a:cs typeface="Courier"/>
               </a:rPr>
-              <a:t>$ tail -5 </a:t>
-            </a:r>
-            <a:r>
-              <a:rPr lang="en-US" sz="2000" dirty="0" smtClean="0">
-                <a:latin typeface="Courier"/>
-                <a:cs typeface="Courier"/>
-              </a:rPr>
-              <a:t>output/ceu_trio_chr22_jointcalls_phased.vcf</a:t>
-            </a:r>
-            <a:endParaRPr lang="en-US" sz="2000" dirty="0">
-              <a:latin typeface="Courier"/>
-              <a:cs typeface="Courier"/>
-            </a:endParaRPr>
+              <a:t>$ tail -5 output/ceu_trio_chr22_jointcalls_phased.vcf</a:t>
+            </a:r>
           </a:p>
           <a:p>
             <a:pPr marL="0" indent="0">
@@ -8107,21 +7271,6 @@
   <p:clrMapOvr>
     <a:masterClrMapping/>
   </p:clrMapOvr>
-  <mc:AlternateContent xmlns:mc="http://schemas.openxmlformats.org/markup-compatibility/2006" xmlns:p14="http://schemas.microsoft.com/office/powerpoint/2010/main">
-    <mc:Choice Requires="p14">
-      <p:transition spd="slow" p14:dur="2000"/>
-    </mc:Choice>
-    <mc:Fallback xmlns="">
-      <p:transition xmlns:p14="http://schemas.microsoft.com/office/powerpoint/2010/main" spd="slow"/>
-    </mc:Fallback>
-  </mc:AlternateContent>
-  <p:timing>
-    <p:tnLst>
-      <p:par>
-        <p:cTn id="1" dur="indefinite" restart="never" nodeType="tmRoot"/>
-      </p:par>
-    </p:tnLst>
-  </p:timing>
 </p:sld>
 </file>
 
@@ -8166,10 +7315,9 @@
           <a:p>
             <a:pPr algn="ctr"/>
             <a:r>
-              <a:rPr lang="en-US" dirty="0" smtClean="0"/>
+              <a:rPr lang="en-US" dirty="0"/>
               <a:t>STATISTICAL PHASING</a:t>
             </a:r>
-            <a:endParaRPr lang="en-US" dirty="0"/>
           </a:p>
         </p:txBody>
       </p:sp>
@@ -8196,21 +7344,21 @@
           <a:lstStyle/>
           <a:p>
             <a:r>
-              <a:rPr lang="en-US" dirty="0" smtClean="0"/>
+              <a:rPr lang="en-US" dirty="0"/>
               <a:t>Reference haplotypes from many populations have been generated by large consortium efforts</a:t>
             </a:r>
           </a:p>
           <a:p>
             <a:r>
-              <a:rPr lang="en-US" dirty="0" smtClean="0"/>
+              <a:rPr lang="en-US" dirty="0"/>
               <a:t>Phasing algorithms break the genome into blocks in which # </a:t>
             </a:r>
             <a:r>
-              <a:rPr lang="en-US" dirty="0" err="1" smtClean="0"/>
+              <a:rPr lang="en-US" dirty="0" err="1"/>
               <a:t>haploypes</a:t>
             </a:r>
             <a:r>
-              <a:rPr lang="en-US" dirty="0" smtClean="0"/>
+              <a:rPr lang="en-US" dirty="0"/>
               <a:t> &lt;&lt; # sequences</a:t>
             </a:r>
           </a:p>
@@ -8263,14 +7411,13 @@
           <a:lstStyle/>
           <a:p>
             <a:r>
-              <a:rPr lang="en-US" dirty="0" err="1" smtClean="0"/>
+              <a:rPr lang="en-US" dirty="0" err="1"/>
               <a:t>Pääbo</a:t>
             </a:r>
             <a:r>
-              <a:rPr lang="en-US" dirty="0" smtClean="0"/>
+              <a:rPr lang="en-US" dirty="0"/>
               <a:t>, Nature, 2003</a:t>
             </a:r>
-            <a:endParaRPr lang="en-US" dirty="0"/>
           </a:p>
         </p:txBody>
       </p:sp>
@@ -8284,21 +7431,6 @@
   <p:clrMapOvr>
     <a:masterClrMapping/>
   </p:clrMapOvr>
-  <mc:AlternateContent xmlns:mc="http://schemas.openxmlformats.org/markup-compatibility/2006" xmlns:p14="http://schemas.microsoft.com/office/powerpoint/2010/main">
-    <mc:Choice Requires="p14">
-      <p:transition spd="slow" p14:dur="2000"/>
-    </mc:Choice>
-    <mc:Fallback xmlns="">
-      <p:transition xmlns:p14="http://schemas.microsoft.com/office/powerpoint/2010/main" spd="slow"/>
-    </mc:Fallback>
-  </mc:AlternateContent>
-  <p:timing>
-    <p:tnLst>
-      <p:par>
-        <p:cTn id="1" dur="indefinite" restart="never" nodeType="tmRoot"/>
-      </p:par>
-    </p:tnLst>
-  </p:timing>
 </p:sld>
 </file>
 
@@ -8343,10 +7475,9 @@
           <a:p>
             <a:pPr algn="ctr"/>
             <a:r>
-              <a:rPr lang="en-US" dirty="0" smtClean="0"/>
+              <a:rPr lang="en-US" dirty="0"/>
               <a:t>STATISTICAL PHASING</a:t>
             </a:r>
-            <a:endParaRPr lang="en-US" dirty="0"/>
           </a:p>
         </p:txBody>
       </p:sp>
@@ -8373,59 +7504,59 @@
           <a:lstStyle/>
           <a:p>
             <a:r>
-              <a:rPr lang="en-US" dirty="0" smtClean="0"/>
+              <a:rPr lang="en-US" dirty="0"/>
               <a:t>SNP arrays (</a:t>
             </a:r>
             <a:r>
-              <a:rPr lang="en-US" i="1" dirty="0" smtClean="0"/>
+              <a:rPr lang="en-US" i="1" dirty="0"/>
               <a:t>e.g. </a:t>
             </a:r>
             <a:r>
-              <a:rPr lang="en-US" dirty="0" smtClean="0"/>
+              <a:rPr lang="en-US" dirty="0"/>
               <a:t>Illumina, </a:t>
             </a:r>
             <a:r>
-              <a:rPr lang="en-US" dirty="0" err="1" smtClean="0"/>
+              <a:rPr lang="en-US" dirty="0" err="1"/>
               <a:t>Affymetrix</a:t>
             </a:r>
             <a:r>
-              <a:rPr lang="en-US" dirty="0" smtClean="0"/>
+              <a:rPr lang="en-US" dirty="0"/>
               <a:t>) provide enough information to match a sample to a pair of haplotypes across a large fraction of the genome</a:t>
             </a:r>
           </a:p>
           <a:p>
             <a:pPr lvl="1"/>
             <a:r>
-              <a:rPr lang="en-US" dirty="0" smtClean="0"/>
+              <a:rPr lang="en-US" dirty="0"/>
               <a:t>Switching errors can occur, especially at heterozygous SNPs</a:t>
             </a:r>
           </a:p>
           <a:p>
             <a:pPr lvl="1"/>
             <a:r>
-              <a:rPr lang="en-US" dirty="0" smtClean="0"/>
+              <a:rPr lang="en-US" dirty="0"/>
               <a:t>Does not detect </a:t>
             </a:r>
             <a:r>
-              <a:rPr lang="en-US" i="1" dirty="0" smtClean="0"/>
+              <a:rPr lang="en-US" i="1" dirty="0"/>
               <a:t>de novo </a:t>
             </a:r>
             <a:r>
-              <a:rPr lang="en-US" dirty="0" smtClean="0"/>
+              <a:rPr lang="en-US" dirty="0"/>
               <a:t>mutations</a:t>
             </a:r>
           </a:p>
           <a:p>
             <a:pPr lvl="1"/>
             <a:r>
-              <a:rPr lang="en-US" dirty="0" smtClean="0"/>
+              <a:rPr lang="en-US" dirty="0"/>
               <a:t>Admixture (recent mating between diverse populations) can confound phasing, especially if some populations are poorly represented in the reference haplotypes</a:t>
             </a:r>
           </a:p>
           <a:p>
             <a:pPr lvl="1"/>
             <a:r>
-              <a:rPr lang="en-US" dirty="0" smtClean="0"/>
+              <a:rPr lang="en-US" dirty="0"/>
               <a:t>Error rate increases with effective population size</a:t>
             </a:r>
           </a:p>
@@ -8441,21 +7572,6 @@
   <p:clrMapOvr>
     <a:masterClrMapping/>
   </p:clrMapOvr>
-  <mc:AlternateContent xmlns:mc="http://schemas.openxmlformats.org/markup-compatibility/2006" xmlns:p14="http://schemas.microsoft.com/office/powerpoint/2010/main">
-    <mc:Choice Requires="p14">
-      <p:transition spd="slow" p14:dur="2000"/>
-    </mc:Choice>
-    <mc:Fallback xmlns="">
-      <p:transition xmlns:p14="http://schemas.microsoft.com/office/powerpoint/2010/main" spd="slow"/>
-    </mc:Fallback>
-  </mc:AlternateContent>
-  <p:timing>
-    <p:tnLst>
-      <p:par>
-        <p:cTn id="1" dur="indefinite" restart="never" nodeType="tmRoot"/>
-      </p:par>
-    </p:tnLst>
-  </p:timing>
 </p:sld>
 </file>
 
@@ -8500,10 +7616,9 @@
           <a:p>
             <a:pPr algn="ctr"/>
             <a:r>
-              <a:rPr lang="en-US" dirty="0" smtClean="0"/>
+              <a:rPr lang="en-US" dirty="0"/>
               <a:t>IMPUTATION</a:t>
             </a:r>
-            <a:endParaRPr lang="en-US" dirty="0"/>
           </a:p>
         </p:txBody>
       </p:sp>
@@ -8530,37 +7645,37 @@
           <a:lstStyle/>
           <a:p>
             <a:r>
-              <a:rPr lang="en-US" dirty="0" smtClean="0"/>
+              <a:rPr lang="en-US" dirty="0"/>
               <a:t>Assigning genotypes at "missing sites" </a:t>
             </a:r>
             <a:r>
-              <a:rPr lang="mr-IN" dirty="0" smtClean="0"/>
+              <a:rPr lang="mr-IN" dirty="0"/>
               <a:t>–</a:t>
             </a:r>
             <a:r>
-              <a:rPr lang="en-US" dirty="0" smtClean="0"/>
+              <a:rPr lang="en-US" dirty="0"/>
               <a:t> </a:t>
             </a:r>
             <a:r>
-              <a:rPr lang="en-US" i="1" dirty="0" smtClean="0"/>
+              <a:rPr lang="en-US" i="1" dirty="0"/>
               <a:t>i.e. </a:t>
             </a:r>
             <a:r>
-              <a:rPr lang="en-US" dirty="0" smtClean="0"/>
+              <a:rPr lang="en-US" dirty="0"/>
               <a:t>sites not including on genotyping array or having low coverage/quality in WES/WGS</a:t>
             </a:r>
           </a:p>
           <a:p>
             <a:r>
-              <a:rPr lang="en-US" dirty="0" smtClean="0"/>
+              <a:rPr lang="en-US" dirty="0"/>
               <a:t>Logical next step after phasing </a:t>
             </a:r>
             <a:r>
-              <a:rPr lang="mr-IN" dirty="0" smtClean="0"/>
+              <a:rPr lang="mr-IN" dirty="0"/>
               <a:t>–</a:t>
             </a:r>
             <a:r>
-              <a:rPr lang="en-US" dirty="0" smtClean="0"/>
+              <a:rPr lang="en-US" dirty="0"/>
               <a:t> "fill in the blanks" using alleles from haplotypes that match at tag SNPs</a:t>
             </a:r>
           </a:p>
@@ -8576,21 +7691,6 @@
   <p:clrMapOvr>
     <a:masterClrMapping/>
   </p:clrMapOvr>
-  <mc:AlternateContent xmlns:mc="http://schemas.openxmlformats.org/markup-compatibility/2006" xmlns:p14="http://schemas.microsoft.com/office/powerpoint/2010/main">
-    <mc:Choice Requires="p14">
-      <p:transition spd="slow" p14:dur="2000"/>
-    </mc:Choice>
-    <mc:Fallback xmlns="">
-      <p:transition xmlns:p14="http://schemas.microsoft.com/office/powerpoint/2010/main" spd="slow"/>
-    </mc:Fallback>
-  </mc:AlternateContent>
-  <p:timing>
-    <p:tnLst>
-      <p:par>
-        <p:cTn id="1" dur="indefinite" restart="never" nodeType="tmRoot"/>
-      </p:par>
-    </p:tnLst>
-  </p:timing>
 </p:sld>
 </file>
 
@@ -8635,10 +7735,9 @@
           <a:p>
             <a:pPr algn="ctr"/>
             <a:r>
-              <a:rPr lang="en-US" sz="3600" dirty="0" smtClean="0"/>
+              <a:rPr lang="en-US" sz="3600" dirty="0"/>
               <a:t>STATISTICAL PHASING AND IMPUTATION</a:t>
             </a:r>
-            <a:endParaRPr lang="en-US" sz="3600" dirty="0"/>
           </a:p>
         </p:txBody>
       </p:sp>
@@ -8669,18 +7768,14 @@
             </a:pPr>
             <a:r>
               <a:rPr lang="en-US" u="sng" dirty="0"/>
-              <a:t>T</a:t>
-            </a:r>
-            <a:r>
-              <a:rPr lang="en-US" u="sng" dirty="0" smtClean="0"/>
-              <a:t>he </a:t>
-            </a:r>
-            <a:r>
-              <a:rPr lang="en-US" u="sng" dirty="0" err="1" smtClean="0"/>
+              <a:t>The </a:t>
+            </a:r>
+            <a:r>
+              <a:rPr lang="en-US" u="sng" dirty="0" err="1"/>
               <a:t>Michgan</a:t>
             </a:r>
             <a:r>
-              <a:rPr lang="en-US" u="sng" dirty="0" smtClean="0"/>
+              <a:rPr lang="en-US" u="sng" dirty="0"/>
               <a:t> Imputation Server</a:t>
             </a:r>
           </a:p>
@@ -8733,10 +7828,9 @@
           <a:lstStyle/>
           <a:p>
             <a:r>
-              <a:rPr lang="en-US" dirty="0" smtClean="0"/>
+              <a:rPr lang="en-US" dirty="0"/>
               <a:t>Das et al., Nat Genet, 2016</a:t>
             </a:r>
-            <a:endParaRPr lang="en-US" dirty="0"/>
           </a:p>
         </p:txBody>
       </p:sp>
@@ -8750,21 +7844,6 @@
   <p:clrMapOvr>
     <a:masterClrMapping/>
   </p:clrMapOvr>
-  <mc:AlternateContent xmlns:mc="http://schemas.openxmlformats.org/markup-compatibility/2006" xmlns:p14="http://schemas.microsoft.com/office/powerpoint/2010/main">
-    <mc:Choice Requires="p14">
-      <p:transition spd="slow" p14:dur="2000"/>
-    </mc:Choice>
-    <mc:Fallback xmlns="">
-      <p:transition xmlns:p14="http://schemas.microsoft.com/office/powerpoint/2010/main" spd="slow"/>
-    </mc:Fallback>
-  </mc:AlternateContent>
-  <p:timing>
-    <p:tnLst>
-      <p:par>
-        <p:cTn id="1" dur="indefinite" restart="never" nodeType="tmRoot"/>
-      </p:par>
-    </p:tnLst>
-  </p:timing>
 </p:sld>
 </file>
 
@@ -8804,10 +7883,9 @@
           <a:p>
             <a:pPr algn="ctr"/>
             <a:r>
-              <a:rPr lang="en-US" dirty="0" smtClean="0"/>
+              <a:rPr lang="en-US" dirty="0"/>
               <a:t>GERMLINE VS SOMATIC VARIANTS</a:t>
             </a:r>
-            <a:endParaRPr lang="en-US" dirty="0"/>
           </a:p>
         </p:txBody>
       </p:sp>
@@ -8834,49 +7912,49 @@
           <a:lstStyle/>
           <a:p>
             <a:r>
-              <a:rPr lang="en-US" dirty="0" smtClean="0"/>
+              <a:rPr lang="en-US" dirty="0"/>
               <a:t>Germline variants were present at the zygote stage and exist in most/all cells in the body; these are the variants that will be passed to the next generation</a:t>
             </a:r>
           </a:p>
           <a:p>
             <a:r>
-              <a:rPr lang="en-US" dirty="0" smtClean="0"/>
+              <a:rPr lang="en-US" dirty="0"/>
               <a:t>Somatic variants arise later</a:t>
             </a:r>
           </a:p>
           <a:p>
             <a:pPr lvl="1"/>
             <a:r>
-              <a:rPr lang="en-US" dirty="0" smtClean="0"/>
+              <a:rPr lang="en-US" dirty="0"/>
               <a:t>Can be benign or associated with disease processes</a:t>
             </a:r>
           </a:p>
           <a:p>
             <a:pPr lvl="1"/>
             <a:r>
-              <a:rPr lang="en-US" dirty="0" smtClean="0"/>
+              <a:rPr lang="en-US" dirty="0"/>
               <a:t>Generally discussed in the context of cancer </a:t>
             </a:r>
             <a:r>
-              <a:rPr lang="mr-IN" dirty="0" smtClean="0"/>
+              <a:rPr lang="mr-IN" dirty="0"/>
               <a:t>–</a:t>
             </a:r>
             <a:r>
-              <a:rPr lang="en-US" dirty="0" smtClean="0"/>
+              <a:rPr lang="en-US" dirty="0"/>
               <a:t> mutations present in tumors</a:t>
             </a:r>
           </a:p>
           <a:p>
             <a:r>
-              <a:rPr lang="en-US" dirty="0" smtClean="0"/>
+              <a:rPr lang="en-US" dirty="0"/>
               <a:t>Somatic variant calling requires matched somatic and germline samples (</a:t>
             </a:r>
             <a:r>
-              <a:rPr lang="en-US" i="1" dirty="0" smtClean="0"/>
+              <a:rPr lang="en-US" i="1" dirty="0"/>
               <a:t>e.g. </a:t>
             </a:r>
             <a:r>
-              <a:rPr lang="en-US" dirty="0" smtClean="0"/>
+              <a:rPr lang="en-US" dirty="0"/>
               <a:t>tumor/normal) </a:t>
             </a:r>
           </a:p>
@@ -8892,21 +7970,6 @@
   <p:clrMapOvr>
     <a:masterClrMapping/>
   </p:clrMapOvr>
-  <mc:AlternateContent xmlns:mc="http://schemas.openxmlformats.org/markup-compatibility/2006" xmlns:p14="http://schemas.microsoft.com/office/powerpoint/2010/main">
-    <mc:Choice Requires="p14">
-      <p:transition spd="slow" p14:dur="2000"/>
-    </mc:Choice>
-    <mc:Fallback xmlns="">
-      <p:transition xmlns:p14="http://schemas.microsoft.com/office/powerpoint/2010/main" spd="slow"/>
-    </mc:Fallback>
-  </mc:AlternateContent>
-  <p:timing>
-    <p:tnLst>
-      <p:par>
-        <p:cTn id="1" dur="indefinite" restart="never" nodeType="tmRoot"/>
-      </p:par>
-    </p:tnLst>
-  </p:timing>
 </p:sld>
 </file>
 
@@ -8951,10 +8014,9 @@
           <a:p>
             <a:pPr algn="ctr"/>
             <a:r>
-              <a:rPr lang="en-US" sz="3600" dirty="0" smtClean="0"/>
+              <a:rPr lang="en-US" sz="3600" dirty="0"/>
               <a:t>STATISTICAL PHASING AND IMPUTATION</a:t>
             </a:r>
-            <a:endParaRPr lang="en-US" sz="3600" dirty="0"/>
           </a:p>
         </p:txBody>
       </p:sp>
@@ -8992,21 +8054,6 @@
   <p:clrMapOvr>
     <a:masterClrMapping/>
   </p:clrMapOvr>
-  <mc:AlternateContent xmlns:mc="http://schemas.openxmlformats.org/markup-compatibility/2006" xmlns:p14="http://schemas.microsoft.com/office/powerpoint/2010/main">
-    <mc:Choice Requires="p14">
-      <p:transition spd="slow" p14:dur="2000"/>
-    </mc:Choice>
-    <mc:Fallback xmlns="">
-      <p:transition xmlns:p14="http://schemas.microsoft.com/office/powerpoint/2010/main" spd="slow"/>
-    </mc:Fallback>
-  </mc:AlternateContent>
-  <p:timing>
-    <p:tnLst>
-      <p:par>
-        <p:cTn id="1" dur="indefinite" restart="never" nodeType="tmRoot"/>
-      </p:par>
-    </p:tnLst>
-  </p:timing>
 </p:sld>
 </file>
 
@@ -9052,13 +8099,8 @@
             <a:pPr algn="ctr"/>
             <a:r>
               <a:rPr lang="en-US" sz="3600" dirty="0"/>
-              <a:t>STATISTICAL PHASING </a:t>
-            </a:r>
-            <a:r>
-              <a:rPr lang="en-US" sz="3600" dirty="0" smtClean="0"/>
-              <a:t>AND IMPUTATION</a:t>
-            </a:r>
-            <a:endParaRPr lang="en-US" sz="3600" dirty="0"/>
+              <a:t>STATISTICAL PHASING AND IMPUTATION</a:t>
+            </a:r>
           </a:p>
         </p:txBody>
       </p:sp>
@@ -9088,7 +8130,7 @@
               <a:buNone/>
             </a:pPr>
             <a:r>
-              <a:rPr lang="en-US" u="sng" dirty="0" smtClean="0"/>
+              <a:rPr lang="en-US" u="sng" dirty="0"/>
               <a:t>Michigan Imputation Server Workflow</a:t>
             </a:r>
           </a:p>
@@ -9098,7 +8140,7 @@
               <a:buAutoNum type="arabicPeriod"/>
             </a:pPr>
             <a:r>
-              <a:rPr lang="en-US" dirty="0" smtClean="0"/>
+              <a:rPr lang="en-US" dirty="0"/>
               <a:t>Create account or login</a:t>
             </a:r>
           </a:p>
@@ -9108,28 +8150,28 @@
               <a:buAutoNum type="arabicPeriod"/>
             </a:pPr>
             <a:r>
-              <a:rPr lang="en-US" dirty="0" smtClean="0"/>
+              <a:rPr lang="en-US" dirty="0"/>
               <a:t>Select reference panel</a:t>
             </a:r>
           </a:p>
           <a:p>
             <a:pPr lvl="1"/>
             <a:r>
-              <a:rPr lang="en-US" dirty="0" smtClean="0"/>
+              <a:rPr lang="en-US" dirty="0"/>
               <a:t>Haplotype Reference Consortium: large panel (&gt;32k samples), mostly European ancestry</a:t>
             </a:r>
           </a:p>
           <a:p>
             <a:pPr lvl="1"/>
             <a:r>
-              <a:rPr lang="en-US" dirty="0" smtClean="0"/>
+              <a:rPr lang="en-US" dirty="0"/>
               <a:t>1000 Genomes: Smaller (~2500), multi-population (26) panel, 10M more sites than HRC, better for cosmopolitan populations</a:t>
             </a:r>
           </a:p>
           <a:p>
             <a:pPr lvl="1"/>
             <a:r>
-              <a:rPr lang="en-US" dirty="0" smtClean="0"/>
+              <a:rPr lang="en-US" dirty="0"/>
               <a:t>CAAPA: Small (~900) African American panel</a:t>
             </a:r>
           </a:p>
@@ -9145,21 +8187,6 @@
   <p:clrMapOvr>
     <a:masterClrMapping/>
   </p:clrMapOvr>
-  <mc:AlternateContent xmlns:mc="http://schemas.openxmlformats.org/markup-compatibility/2006" xmlns:p14="http://schemas.microsoft.com/office/powerpoint/2010/main">
-    <mc:Choice Requires="p14">
-      <p:transition spd="slow" p14:dur="2000"/>
-    </mc:Choice>
-    <mc:Fallback xmlns="">
-      <p:transition xmlns:p14="http://schemas.microsoft.com/office/powerpoint/2010/main" spd="slow"/>
-    </mc:Fallback>
-  </mc:AlternateContent>
-  <p:timing>
-    <p:tnLst>
-      <p:par>
-        <p:cTn id="1" dur="indefinite" restart="never" nodeType="tmRoot"/>
-      </p:par>
-    </p:tnLst>
-  </p:timing>
 </p:sld>
 </file>
 
@@ -9205,15 +8232,7 @@
             <a:pPr algn="ctr"/>
             <a:r>
               <a:rPr lang="en-US" sz="3600" dirty="0"/>
-              <a:t>STATISTICAL </a:t>
-            </a:r>
-            <a:r>
-              <a:rPr lang="en-US" sz="3600" dirty="0" smtClean="0"/>
-              <a:t>PHASING </a:t>
-            </a:r>
-            <a:r>
-              <a:rPr lang="en-US" sz="3600" dirty="0"/>
-              <a:t>AND IMPUTATION</a:t>
+              <a:t>STATISTICAL PHASING AND IMPUTATION</a:t>
             </a:r>
           </a:p>
         </p:txBody>
@@ -9244,7 +8263,7 @@
               <a:buNone/>
             </a:pPr>
             <a:r>
-              <a:rPr lang="en-US" u="sng" dirty="0" smtClean="0"/>
+              <a:rPr lang="en-US" u="sng" dirty="0"/>
               <a:t>Michigan Imputation Server Workflow</a:t>
             </a:r>
           </a:p>
@@ -9254,45 +8273,45 @@
               <a:buAutoNum type="arabicPeriod" startAt="3"/>
             </a:pPr>
             <a:r>
-              <a:rPr lang="en-US" dirty="0" smtClean="0"/>
+              <a:rPr lang="en-US" dirty="0"/>
               <a:t>Compress VCF file using </a:t>
             </a:r>
             <a:r>
-              <a:rPr lang="en-US" sz="2600" dirty="0" err="1" smtClean="0">
+              <a:rPr lang="en-US" sz="2600" dirty="0" err="1">
                 <a:latin typeface="Courier"/>
                 <a:cs typeface="Courier"/>
               </a:rPr>
               <a:t>bgzip</a:t>
             </a:r>
             <a:r>
-              <a:rPr lang="en-US" sz="2600" dirty="0" smtClean="0">
+              <a:rPr lang="en-US" sz="2600" dirty="0">
                 <a:latin typeface="Courier"/>
                 <a:cs typeface="Courier"/>
               </a:rPr>
               <a:t> </a:t>
             </a:r>
             <a:r>
-              <a:rPr lang="en-US" dirty="0" smtClean="0">
+              <a:rPr lang="en-US" dirty="0">
                 <a:latin typeface="+mj-lt"/>
                 <a:cs typeface="Courier"/>
               </a:rPr>
               <a:t>(</a:t>
             </a:r>
             <a:r>
-              <a:rPr lang="en-US" dirty="0" err="1" smtClean="0">
+              <a:rPr lang="en-US" dirty="0" err="1">
                 <a:latin typeface="+mj-lt"/>
                 <a:cs typeface="Courier"/>
               </a:rPr>
               <a:t>WhatsHap</a:t>
             </a:r>
             <a:r>
-              <a:rPr lang="en-US" dirty="0" smtClean="0">
+              <a:rPr lang="en-US" dirty="0">
                 <a:latin typeface="+mj-lt"/>
                 <a:cs typeface="Courier"/>
               </a:rPr>
               <a:t> does this)</a:t>
             </a:r>
-            <a:endParaRPr lang="en-US" dirty="0" smtClean="0">
+            <a:endParaRPr lang="en-US" dirty="0">
               <a:latin typeface="Courier"/>
               <a:cs typeface="Courier"/>
             </a:endParaRPr>
@@ -9302,14 +8321,14 @@
               <a:buNone/>
             </a:pPr>
             <a:r>
-              <a:rPr lang="en-US" sz="2000" dirty="0" smtClean="0">
+              <a:rPr lang="en-US" sz="2000" dirty="0">
                 <a:latin typeface="Courier"/>
                 <a:cs typeface="Courier"/>
               </a:rPr>
               <a:t>$ </a:t>
             </a:r>
             <a:r>
-              <a:rPr lang="en-US" sz="2000" dirty="0" err="1" smtClean="0">
+              <a:rPr lang="en-US" sz="2000" dirty="0" err="1">
                 <a:latin typeface="Courier"/>
                 <a:cs typeface="Courier"/>
               </a:rPr>
@@ -9320,19 +8339,8 @@
                 <a:latin typeface="Courier"/>
                 <a:cs typeface="Courier"/>
               </a:rPr>
-              <a:t> output/</a:t>
-            </a:r>
-            <a:r>
-              <a:rPr lang="en-US" sz="2000" dirty="0" smtClean="0">
-                <a:latin typeface="Courier"/>
-                <a:cs typeface="Courier"/>
-              </a:rPr>
-              <a:t>ceu_trio_chr22_jointcalls_phased.vcf</a:t>
-            </a:r>
-            <a:endParaRPr lang="en-US" sz="2000" dirty="0">
-              <a:latin typeface="Courier"/>
-              <a:cs typeface="Courier"/>
-            </a:endParaRPr>
+              <a:t> output/ceu_trio_chr22_jointcalls_phased.vcf</a:t>
+            </a:r>
           </a:p>
           <a:p>
             <a:pPr marL="514350" indent="-514350">
@@ -9340,10 +8348,9 @@
               <a:buAutoNum type="arabicPeriod" startAt="4"/>
             </a:pPr>
             <a:r>
-              <a:rPr lang="en-US" dirty="0" smtClean="0"/>
+              <a:rPr lang="en-US" dirty="0"/>
               <a:t>Upload VCF file</a:t>
             </a:r>
-            <a:endParaRPr lang="en-US" dirty="0"/>
           </a:p>
           <a:p>
             <a:pPr marL="514350" indent="-514350">
@@ -9351,7 +8358,7 @@
               <a:buAutoNum type="arabicPeriod" startAt="4"/>
             </a:pPr>
             <a:r>
-              <a:rPr lang="en-US" dirty="0" smtClean="0"/>
+              <a:rPr lang="en-US" dirty="0"/>
               <a:t>Leave other choices as default unless you have good reason to change them</a:t>
             </a:r>
           </a:p>
@@ -9361,7 +8368,7 @@
               <a:buAutoNum type="arabicPeriod" startAt="4"/>
             </a:pPr>
             <a:r>
-              <a:rPr lang="en-US" dirty="0" smtClean="0"/>
+              <a:rPr lang="en-US" dirty="0"/>
               <a:t>Check AES 256 if you want extra security</a:t>
             </a:r>
           </a:p>
@@ -9371,21 +8378,21 @@
               <a:buAutoNum type="arabicPeriod" startAt="4"/>
             </a:pPr>
             <a:r>
-              <a:rPr lang="en-US" dirty="0" smtClean="0"/>
+              <a:rPr lang="en-US" dirty="0"/>
               <a:t>Check remaining boxes</a:t>
             </a:r>
           </a:p>
           <a:p>
             <a:pPr marL="834390" lvl="1" indent="-514350"/>
             <a:r>
-              <a:rPr lang="en-US" dirty="0" smtClean="0"/>
+              <a:rPr lang="en-US" dirty="0"/>
               <a:t>No re-identification of research participants</a:t>
             </a:r>
           </a:p>
           <a:p>
             <a:pPr marL="834390" lvl="1" indent="-514350"/>
             <a:r>
-              <a:rPr lang="en-US" dirty="0" smtClean="0"/>
+              <a:rPr lang="en-US" dirty="0"/>
               <a:t>Promise to report any data breaches</a:t>
             </a:r>
           </a:p>
@@ -9395,15 +8402,15 @@
               <a:buAutoNum type="arabicPeriod" startAt="4"/>
             </a:pPr>
             <a:r>
-              <a:rPr lang="en-US" dirty="0" smtClean="0"/>
+              <a:rPr lang="en-US" dirty="0"/>
               <a:t>Start imputation and wait </a:t>
             </a:r>
             <a:r>
-              <a:rPr lang="mr-IN" dirty="0" smtClean="0"/>
+              <a:rPr lang="mr-IN" dirty="0"/>
               <a:t>–</a:t>
             </a:r>
             <a:r>
-              <a:rPr lang="en-US" dirty="0" smtClean="0"/>
+              <a:rPr lang="en-US" dirty="0"/>
               <a:t> you'll get an email when it's done</a:t>
             </a:r>
           </a:p>
@@ -9419,21 +8426,6 @@
   <p:clrMapOvr>
     <a:masterClrMapping/>
   </p:clrMapOvr>
-  <mc:AlternateContent xmlns:mc="http://schemas.openxmlformats.org/markup-compatibility/2006" xmlns:p14="http://schemas.microsoft.com/office/powerpoint/2010/main">
-    <mc:Choice Requires="p14">
-      <p:transition spd="slow" p14:dur="2000"/>
-    </mc:Choice>
-    <mc:Fallback xmlns="">
-      <p:transition xmlns:p14="http://schemas.microsoft.com/office/powerpoint/2010/main" spd="slow"/>
-    </mc:Fallback>
-  </mc:AlternateContent>
-  <p:timing>
-    <p:tnLst>
-      <p:par>
-        <p:cTn id="1" dur="indefinite" restart="never" nodeType="tmRoot"/>
-      </p:par>
-    </p:tnLst>
-  </p:timing>
 </p:sld>
 </file>
 
@@ -9473,10 +8465,9 @@
           <a:p>
             <a:pPr algn="ctr"/>
             <a:r>
-              <a:rPr lang="en-US" dirty="0" smtClean="0"/>
+              <a:rPr lang="en-US" dirty="0"/>
               <a:t>EXPERIMENTAL DESIGN</a:t>
             </a:r>
-            <a:endParaRPr lang="en-US" dirty="0"/>
           </a:p>
         </p:txBody>
       </p:sp>
@@ -9506,48 +8497,48 @@
               <a:buNone/>
             </a:pPr>
             <a:r>
-              <a:rPr lang="en-US" i="1" u="sng" dirty="0" smtClean="0"/>
+              <a:rPr lang="en-US" i="1" u="sng" dirty="0"/>
               <a:t>De Novo </a:t>
             </a:r>
             <a:r>
-              <a:rPr lang="en-US" u="sng" dirty="0" smtClean="0"/>
+              <a:rPr lang="en-US" u="sng" dirty="0"/>
               <a:t>Variation</a:t>
             </a:r>
-            <a:endParaRPr lang="en-US" dirty="0" smtClean="0"/>
-          </a:p>
-          <a:p>
-            <a:r>
-              <a:rPr lang="en-US" dirty="0" smtClean="0"/>
+            <a:endParaRPr lang="en-US" dirty="0"/>
+          </a:p>
+          <a:p>
+            <a:r>
+              <a:rPr lang="en-US" dirty="0"/>
               <a:t>When parents and offspring are differentially affected by a condition, a key question is whether the condition is inherited (recessive or incomplete penetrance) or is due to a </a:t>
             </a:r>
             <a:r>
-              <a:rPr lang="en-US" i="1" dirty="0" smtClean="0"/>
+              <a:rPr lang="en-US" i="1" dirty="0"/>
               <a:t>de novo </a:t>
             </a:r>
             <a:r>
-              <a:rPr lang="en-US" dirty="0" smtClean="0"/>
+              <a:rPr lang="en-US" dirty="0"/>
               <a:t>mutation</a:t>
             </a:r>
           </a:p>
           <a:p>
             <a:r>
-              <a:rPr lang="en-US" dirty="0" smtClean="0"/>
+              <a:rPr lang="en-US" dirty="0"/>
               <a:t>Generally, the parent-child trio must be sequenced at a minimum; sequencing additional affected and/or unaffected 1</a:t>
             </a:r>
             <a:r>
-              <a:rPr lang="en-US" baseline="30000" dirty="0" smtClean="0"/>
+              <a:rPr lang="en-US" baseline="30000" dirty="0"/>
               <a:t>st</a:t>
             </a:r>
             <a:r>
-              <a:rPr lang="en-US" dirty="0" smtClean="0"/>
+              <a:rPr lang="en-US" dirty="0"/>
               <a:t> and 2</a:t>
             </a:r>
             <a:r>
-              <a:rPr lang="en-US" baseline="30000" dirty="0" smtClean="0"/>
+              <a:rPr lang="en-US" baseline="30000" dirty="0"/>
               <a:t>nd</a:t>
             </a:r>
             <a:r>
-              <a:rPr lang="en-US" dirty="0" smtClean="0"/>
+              <a:rPr lang="en-US" dirty="0"/>
               <a:t> degree relatives may also help</a:t>
             </a:r>
           </a:p>
@@ -9563,21 +8554,6 @@
   <p:clrMapOvr>
     <a:masterClrMapping/>
   </p:clrMapOvr>
-  <mc:AlternateContent xmlns:mc="http://schemas.openxmlformats.org/markup-compatibility/2006" xmlns:p14="http://schemas.microsoft.com/office/powerpoint/2010/main">
-    <mc:Choice Requires="p14">
-      <p:transition spd="slow" p14:dur="2000"/>
-    </mc:Choice>
-    <mc:Fallback xmlns="">
-      <p:transition xmlns:p14="http://schemas.microsoft.com/office/powerpoint/2010/main" spd="slow"/>
-    </mc:Fallback>
-  </mc:AlternateContent>
-  <p:timing>
-    <p:tnLst>
-      <p:par>
-        <p:cTn id="1" dur="indefinite" restart="never" nodeType="tmRoot"/>
-      </p:par>
-    </p:tnLst>
-  </p:timing>
 </p:sld>
 </file>
 
@@ -9617,10 +8593,9 @@
           <a:p>
             <a:pPr algn="ctr"/>
             <a:r>
-              <a:rPr lang="en-US" dirty="0" smtClean="0"/>
+              <a:rPr lang="en-US" dirty="0"/>
               <a:t>EXPERIMENTAL DESIGN</a:t>
             </a:r>
-            <a:endParaRPr lang="en-US" dirty="0"/>
           </a:p>
         </p:txBody>
       </p:sp>
@@ -9650,51 +8625,51 @@
               <a:buNone/>
             </a:pPr>
             <a:r>
-              <a:rPr lang="en-US" i="1" u="sng" dirty="0" smtClean="0"/>
+              <a:rPr lang="en-US" i="1" u="sng" dirty="0"/>
               <a:t>De Novo </a:t>
             </a:r>
             <a:r>
-              <a:rPr lang="en-US" u="sng" dirty="0" smtClean="0"/>
+              <a:rPr lang="en-US" u="sng" dirty="0"/>
               <a:t>Variation: Strategies</a:t>
             </a:r>
           </a:p>
           <a:p>
             <a:r>
-              <a:rPr lang="en-US" dirty="0" smtClean="0"/>
+              <a:rPr lang="en-US" dirty="0"/>
               <a:t>WGS is least biased but most expensive</a:t>
             </a:r>
           </a:p>
           <a:p>
             <a:r>
-              <a:rPr lang="en-US" dirty="0" smtClean="0"/>
+              <a:rPr lang="en-US" dirty="0"/>
               <a:t>Low-coverage screening of trios/pedigrees, followed by deep sequencing of candidate panel; if nothing turns up, you have the option of sequencing more deeply</a:t>
             </a:r>
           </a:p>
           <a:p>
             <a:r>
-              <a:rPr lang="en-US" dirty="0" smtClean="0"/>
+              <a:rPr lang="en-US" dirty="0"/>
               <a:t>WES or amplicon sequencing if you already have gene candidates</a:t>
             </a:r>
           </a:p>
           <a:p>
             <a:r>
-              <a:rPr lang="en-US" dirty="0" smtClean="0"/>
+              <a:rPr lang="en-US" dirty="0"/>
               <a:t>Gene expression (</a:t>
             </a:r>
             <a:r>
-              <a:rPr lang="en-US" dirty="0" err="1" smtClean="0"/>
+              <a:rPr lang="en-US" dirty="0" err="1"/>
               <a:t>qPCR</a:t>
             </a:r>
             <a:r>
-              <a:rPr lang="en-US" dirty="0" smtClean="0"/>
+              <a:rPr lang="en-US" dirty="0"/>
               <a:t>, RNA-Seq) can diagnose complex causes (</a:t>
             </a:r>
             <a:r>
-              <a:rPr lang="en-US" i="1" dirty="0" smtClean="0"/>
+              <a:rPr lang="en-US" i="1" dirty="0"/>
               <a:t>e.g. </a:t>
             </a:r>
             <a:r>
-              <a:rPr lang="en-US" dirty="0" smtClean="0"/>
+              <a:rPr lang="en-US" dirty="0"/>
               <a:t>splice variants)</a:t>
             </a:r>
           </a:p>
@@ -9710,21 +8685,6 @@
   <p:clrMapOvr>
     <a:masterClrMapping/>
   </p:clrMapOvr>
-  <mc:AlternateContent xmlns:mc="http://schemas.openxmlformats.org/markup-compatibility/2006" xmlns:p14="http://schemas.microsoft.com/office/powerpoint/2010/main">
-    <mc:Choice Requires="p14">
-      <p:transition spd="slow" p14:dur="2000"/>
-    </mc:Choice>
-    <mc:Fallback xmlns="">
-      <p:transition xmlns:p14="http://schemas.microsoft.com/office/powerpoint/2010/main" spd="slow"/>
-    </mc:Fallback>
-  </mc:AlternateContent>
-  <p:timing>
-    <p:tnLst>
-      <p:par>
-        <p:cTn id="1" dur="indefinite" restart="never" nodeType="tmRoot"/>
-      </p:par>
-    </p:tnLst>
-  </p:timing>
 </p:sld>
 </file>
 
@@ -9764,10 +8724,9 @@
           <a:p>
             <a:pPr algn="ctr"/>
             <a:r>
-              <a:rPr lang="en-US" dirty="0" smtClean="0"/>
+              <a:rPr lang="en-US" dirty="0"/>
               <a:t>EXPERIMENTAL DESIGN</a:t>
             </a:r>
-            <a:endParaRPr lang="en-US" dirty="0"/>
           </a:p>
         </p:txBody>
       </p:sp>
@@ -9797,50 +8756,45 @@
               <a:buNone/>
             </a:pPr>
             <a:r>
-              <a:rPr lang="en-US" i="1" u="sng" dirty="0" smtClean="0"/>
+              <a:rPr lang="en-US" i="1" u="sng" dirty="0"/>
               <a:t>De Novo </a:t>
             </a:r>
             <a:r>
-              <a:rPr lang="en-US" u="sng" dirty="0" smtClean="0"/>
+              <a:rPr lang="en-US" u="sng" dirty="0"/>
               <a:t>Variation: Leverage prior knowledge</a:t>
             </a:r>
           </a:p>
           <a:p>
             <a:r>
-              <a:rPr lang="en-US" dirty="0" smtClean="0"/>
+              <a:rPr lang="en-US" dirty="0"/>
               <a:t>Is the phenotype known, or similar to one that is known?</a:t>
             </a:r>
           </a:p>
           <a:p>
             <a:r>
-              <a:rPr lang="en-US" dirty="0" smtClean="0"/>
+              <a:rPr lang="en-US" dirty="0"/>
               <a:t>Does the phenotype have characteristics that indicate a genetic cause?</a:t>
             </a:r>
           </a:p>
           <a:p>
             <a:pPr lvl="1"/>
             <a:r>
-              <a:rPr lang="en-US" dirty="0" smtClean="0"/>
+              <a:rPr lang="en-US" dirty="0"/>
               <a:t>Likelihood of being a protein-coding variant</a:t>
             </a:r>
           </a:p>
           <a:p>
             <a:pPr lvl="1"/>
             <a:r>
-              <a:rPr lang="en-US" dirty="0" smtClean="0"/>
+              <a:rPr lang="en-US" dirty="0"/>
               <a:t>Likelihood of being Mendelian</a:t>
             </a:r>
           </a:p>
           <a:p>
             <a:r>
               <a:rPr lang="en-US" dirty="0"/>
-              <a:t>Is there family history (pedigree)</a:t>
-            </a:r>
-            <a:r>
-              <a:rPr lang="en-US" dirty="0" smtClean="0"/>
-              <a:t>?</a:t>
-            </a:r>
-            <a:endParaRPr lang="en-US" dirty="0"/>
+              <a:t>Is there family history (pedigree)?</a:t>
+            </a:r>
           </a:p>
         </p:txBody>
       </p:sp>
@@ -9854,21 +8808,6 @@
   <p:clrMapOvr>
     <a:masterClrMapping/>
   </p:clrMapOvr>
-  <mc:AlternateContent xmlns:mc="http://schemas.openxmlformats.org/markup-compatibility/2006" xmlns:p14="http://schemas.microsoft.com/office/powerpoint/2010/main">
-    <mc:Choice Requires="p14">
-      <p:transition spd="slow" p14:dur="2000"/>
-    </mc:Choice>
-    <mc:Fallback xmlns="">
-      <p:transition xmlns:p14="http://schemas.microsoft.com/office/powerpoint/2010/main" spd="slow"/>
-    </mc:Fallback>
-  </mc:AlternateContent>
-  <p:timing>
-    <p:tnLst>
-      <p:par>
-        <p:cTn id="1" dur="indefinite" restart="never" nodeType="tmRoot"/>
-      </p:par>
-    </p:tnLst>
-  </p:timing>
 </p:sld>
 </file>
 
@@ -9908,10 +8847,9 @@
           <a:p>
             <a:pPr algn="ctr"/>
             <a:r>
-              <a:rPr lang="en-US" dirty="0" smtClean="0"/>
+              <a:rPr lang="en-US" dirty="0"/>
               <a:t>TRIO CALLING WORKFLOW</a:t>
             </a:r>
-            <a:endParaRPr lang="en-US" dirty="0"/>
           </a:p>
         </p:txBody>
       </p:sp>
@@ -9941,50 +8879,50 @@
               <a:buNone/>
             </a:pPr>
             <a:r>
-              <a:rPr lang="en-US" u="sng" dirty="0" smtClean="0"/>
+              <a:rPr lang="en-US" u="sng" dirty="0"/>
               <a:t>Genotype Refinement</a:t>
             </a:r>
           </a:p>
           <a:p>
             <a:r>
-              <a:rPr lang="en-US" dirty="0" smtClean="0"/>
+              <a:rPr lang="en-US" dirty="0"/>
               <a:t>Use pedigree and population allele frequencies from high-confidence, multi-population reference (1000 Genomes) as priors for computing genotype probabilities for each sample at each site</a:t>
             </a:r>
           </a:p>
           <a:p>
             <a:pPr lvl="1"/>
             <a:r>
-              <a:rPr lang="en-US" dirty="0" smtClean="0"/>
+              <a:rPr lang="en-US" dirty="0"/>
               <a:t>Depending on your sample population, a different reference </a:t>
             </a:r>
             <a:r>
-              <a:rPr lang="en-US" dirty="0" err="1" smtClean="0"/>
+              <a:rPr lang="en-US" dirty="0" err="1"/>
               <a:t>callset</a:t>
             </a:r>
             <a:r>
-              <a:rPr lang="en-US" dirty="0" smtClean="0"/>
+              <a:rPr lang="en-US" dirty="0"/>
               <a:t> or a subset of 1000G might be better</a:t>
             </a:r>
           </a:p>
           <a:p>
             <a:r>
-              <a:rPr lang="en-US" dirty="0" smtClean="0"/>
+              <a:rPr lang="en-US" dirty="0"/>
               <a:t>Mendelian errors are penalized using a probability of </a:t>
             </a:r>
             <a:r>
-              <a:rPr lang="en-US" i="1" dirty="0" smtClean="0"/>
+              <a:rPr lang="en-US" i="1" dirty="0"/>
               <a:t>de novo </a:t>
             </a:r>
             <a:r>
-              <a:rPr lang="en-US" dirty="0" smtClean="0"/>
+              <a:rPr lang="en-US" dirty="0"/>
               <a:t>mutation (1 x 10</a:t>
             </a:r>
             <a:r>
-              <a:rPr lang="en-US" baseline="30000" dirty="0" smtClean="0"/>
+              <a:rPr lang="en-US" baseline="30000" dirty="0"/>
               <a:t>-6</a:t>
             </a:r>
             <a:r>
-              <a:rPr lang="en-US" dirty="0" smtClean="0"/>
+              <a:rPr lang="en-US" dirty="0"/>
               <a:t> by default)</a:t>
             </a:r>
           </a:p>
@@ -10000,21 +8938,6 @@
   <p:clrMapOvr>
     <a:masterClrMapping/>
   </p:clrMapOvr>
-  <mc:AlternateContent xmlns:mc="http://schemas.openxmlformats.org/markup-compatibility/2006" xmlns:p14="http://schemas.microsoft.com/office/powerpoint/2010/main">
-    <mc:Choice Requires="p14">
-      <p:transition spd="slow" p14:dur="2000"/>
-    </mc:Choice>
-    <mc:Fallback xmlns="">
-      <p:transition xmlns:p14="http://schemas.microsoft.com/office/powerpoint/2010/main" spd="slow"/>
-    </mc:Fallback>
-  </mc:AlternateContent>
-  <p:timing>
-    <p:tnLst>
-      <p:par>
-        <p:cTn id="1" dur="indefinite" restart="never" nodeType="tmRoot"/>
-      </p:par>
-    </p:tnLst>
-  </p:timing>
 </p:sld>
 </file>
 
@@ -10086,7 +9009,7 @@
               <a:buNone/>
             </a:pPr>
             <a:r>
-              <a:rPr lang="en-US" u="sng" dirty="0" smtClean="0"/>
+              <a:rPr lang="en-US" u="sng" dirty="0"/>
               <a:t>Exercise: Identify De Novo Variants</a:t>
             </a:r>
           </a:p>
@@ -10095,7 +9018,7 @@
               <a:buNone/>
             </a:pPr>
             <a:r>
-              <a:rPr lang="en-US" sz="2000" dirty="0" smtClean="0">
+              <a:rPr lang="en-US" sz="2000" dirty="0">
                 <a:latin typeface="Courier"/>
                 <a:cs typeface="Courier"/>
               </a:rPr>
@@ -10107,16 +9030,12 @@
               <a:buNone/>
             </a:pPr>
             <a:r>
-              <a:rPr lang="en-US" sz="2000" dirty="0" smtClean="0">
+              <a:rPr lang="en-US" sz="2000" dirty="0">
                 <a:latin typeface="Courier"/>
                 <a:cs typeface="Courier"/>
               </a:rPr>
               <a:t># priors</a:t>
             </a:r>
-            <a:endParaRPr lang="en-US" sz="2000" dirty="0">
-              <a:latin typeface="Courier"/>
-              <a:cs typeface="Courier"/>
-            </a:endParaRPr>
           </a:p>
           <a:p>
             <a:pPr marL="0" indent="0">
@@ -10127,38 +9046,31 @@
                 <a:latin typeface="Courier"/>
                 <a:cs typeface="Courier"/>
               </a:rPr>
-              <a:t>$ </a:t>
-            </a:r>
-            <a:r>
-              <a:rPr lang="en-US" sz="2000" dirty="0" smtClean="0">
-                <a:latin typeface="Courier"/>
-                <a:cs typeface="Courier"/>
-              </a:rPr>
-              <a:t>java </a:t>
-            </a:r>
-            <a:r>
-              <a:rPr lang="mr-IN" sz="2000" dirty="0" smtClean="0">
+              <a:t>$ java </a:t>
+            </a:r>
+            <a:r>
+              <a:rPr lang="mr-IN" sz="2000" dirty="0">
                 <a:latin typeface="Courier"/>
                 <a:cs typeface="Courier"/>
               </a:rPr>
               <a:t>–</a:t>
             </a:r>
             <a:r>
-              <a:rPr lang="en-US" sz="2000" dirty="0" smtClean="0">
+              <a:rPr lang="en-US" sz="2000" dirty="0">
                 <a:latin typeface="Courier"/>
                 <a:cs typeface="Courier"/>
               </a:rPr>
               <a:t>jar </a:t>
             </a:r>
             <a:r>
-              <a:rPr lang="en-US" sz="2000" dirty="0" err="1" smtClean="0">
+              <a:rPr lang="en-US" sz="2000" dirty="0" err="1">
                 <a:latin typeface="Courier"/>
                 <a:cs typeface="Courier"/>
               </a:rPr>
               <a:t>GenomeAnalysisTK.jar</a:t>
             </a:r>
             <a:r>
-              <a:rPr lang="en-US" sz="2000" dirty="0" smtClean="0">
+              <a:rPr lang="en-US" sz="2000" dirty="0">
                 <a:latin typeface="Courier"/>
                 <a:cs typeface="Courier"/>
               </a:rPr>
@@ -10170,39 +9082,37 @@
               <a:buNone/>
             </a:pPr>
             <a:r>
-              <a:rPr lang="en-US" sz="2000" dirty="0" smtClean="0">
-                <a:latin typeface="Courier"/>
-                <a:cs typeface="Courier"/>
-              </a:rPr>
-              <a:t>   -</a:t>
-            </a:r>
-            <a:r>
               <a:rPr lang="en-US" sz="2000" dirty="0">
                 <a:latin typeface="Courier"/>
                 <a:cs typeface="Courier"/>
               </a:rPr>
-              <a:t>R </a:t>
-            </a:r>
-            <a:r>
-              <a:rPr lang="en-US" sz="2000" dirty="0" smtClean="0">
-                <a:latin typeface="Courier"/>
-                <a:cs typeface="Courier"/>
-              </a:rPr>
-              <a:t>resources/human_g1k_v37.</a:t>
-            </a:r>
+              <a:t>   -R resources/human_g1k_v37.fasta \</a:t>
+            </a:r>
+          </a:p>
+          <a:p>
+            <a:pPr marL="0" indent="0">
+              <a:buNone/>
+            </a:pPr>
             <a:r>
               <a:rPr lang="en-US" sz="2000" dirty="0">
                 <a:latin typeface="Courier"/>
                 <a:cs typeface="Courier"/>
               </a:rPr>
-              <a:t>fasta </a:t>
-            </a:r>
-            <a:r>
-              <a:rPr lang="en-US" sz="2000" dirty="0" smtClean="0">
-                <a:latin typeface="Courier"/>
-                <a:cs typeface="Courier"/>
-              </a:rPr>
-              <a:t>\</a:t>
+              <a:t>   -T </a:t>
+            </a:r>
+            <a:r>
+              <a:rPr lang="en-US" sz="2000" dirty="0" err="1">
+                <a:latin typeface="Courier"/>
+                <a:cs typeface="Courier"/>
+              </a:rPr>
+              <a:t>CalculateGenotypePosteriors</a:t>
+            </a:r>
+            <a:r>
+              <a:rPr lang="en-US" sz="2000" dirty="0">
+                <a:latin typeface="Courier"/>
+                <a:cs typeface="Courier"/>
+              </a:rPr>
+              <a:t> \</a:t>
             </a:r>
           </a:p>
           <a:p>
@@ -10210,68 +9120,14 @@
               <a:buNone/>
             </a:pPr>
             <a:r>
-              <a:rPr lang="en-US" sz="2000" dirty="0" smtClean="0">
-                <a:latin typeface="Courier"/>
-                <a:cs typeface="Courier"/>
-              </a:rPr>
-              <a:t>   -</a:t>
-            </a:r>
-            <a:r>
               <a:rPr lang="en-US" sz="2000" dirty="0">
                 <a:latin typeface="Courier"/>
                 <a:cs typeface="Courier"/>
               </a:rPr>
-              <a:t>T </a:t>
-            </a:r>
-            <a:r>
-              <a:rPr lang="en-US" sz="2000" dirty="0" err="1">
-                <a:latin typeface="Courier"/>
-                <a:cs typeface="Courier"/>
-              </a:rPr>
-              <a:t>CalculateGenotypePosteriors</a:t>
+              <a:t>   --supporting resources/1000G_22_sites.vcf</a:t>
             </a:r>
             <a:r>
               <a:rPr lang="en-US" sz="2000" dirty="0">
-                <a:latin typeface="Courier"/>
-                <a:cs typeface="Courier"/>
-              </a:rPr>
-              <a:t> </a:t>
-            </a:r>
-            <a:r>
-              <a:rPr lang="en-US" sz="2000" dirty="0" smtClean="0">
-                <a:latin typeface="Courier"/>
-                <a:cs typeface="Courier"/>
-              </a:rPr>
-              <a:t>\</a:t>
-            </a:r>
-          </a:p>
-          <a:p>
-            <a:pPr marL="0" indent="0">
-              <a:buNone/>
-            </a:pPr>
-            <a:r>
-              <a:rPr lang="en-US" sz="2000" dirty="0" smtClean="0">
-                <a:latin typeface="Courier"/>
-                <a:cs typeface="Courier"/>
-              </a:rPr>
-              <a:t>   -</a:t>
-            </a:r>
-            <a:r>
-              <a:rPr lang="en-US" sz="2000" dirty="0">
-                <a:latin typeface="Courier"/>
-                <a:cs typeface="Courier"/>
-              </a:rPr>
-              <a:t>-supporting </a:t>
-            </a:r>
-            <a:r>
-              <a:rPr lang="en-US" sz="2000" dirty="0" smtClean="0">
-                <a:latin typeface="Courier"/>
-                <a:cs typeface="Courier"/>
-              </a:rPr>
-              <a:t>resources/1000G_22_sites.vcf</a:t>
-            </a:r>
-            <a:r>
-              <a:rPr lang="en-US" sz="2000" dirty="0" smtClean="0">
                 <a:solidFill>
                   <a:srgbClr val="FF0000"/>
                 </a:solidFill>
@@ -10281,7 +9137,7 @@
               <a:t> </a:t>
             </a:r>
             <a:r>
-              <a:rPr lang="en-US" sz="2000" dirty="0" smtClean="0">
+              <a:rPr lang="en-US" sz="2000" dirty="0">
                 <a:latin typeface="Courier"/>
                 <a:cs typeface="Courier"/>
               </a:rPr>
@@ -10293,7 +9149,7 @@
               <a:buNone/>
             </a:pPr>
             <a:r>
-              <a:rPr lang="en-US" sz="2000" dirty="0" smtClean="0">
+              <a:rPr lang="en-US" sz="2000" dirty="0">
                 <a:latin typeface="Courier"/>
                 <a:cs typeface="Courier"/>
               </a:rPr>
@@ -10311,24 +9167,17 @@
                 <a:latin typeface="Courier"/>
                 <a:cs typeface="Courier"/>
               </a:rPr>
-              <a:t> </a:t>
-            </a:r>
-            <a:r>
-              <a:rPr lang="en-US" sz="2000" dirty="0" smtClean="0">
-                <a:latin typeface="Courier"/>
-                <a:cs typeface="Courier"/>
-              </a:rPr>
-              <a:t>input/trio2/</a:t>
-            </a:r>
-            <a:r>
-              <a:rPr lang="en-US" sz="2000" dirty="0" err="1" smtClean="0">
+              <a:t> input/trio2/</a:t>
+            </a:r>
+            <a:r>
+              <a:rPr lang="en-US" sz="2000" dirty="0" err="1">
                 <a:latin typeface="Courier"/>
                 <a:cs typeface="Courier"/>
               </a:rPr>
               <a:t>trio.fam</a:t>
             </a:r>
             <a:r>
-              <a:rPr lang="en-US" sz="2000" dirty="0" smtClean="0">
+              <a:rPr lang="en-US" sz="2000" dirty="0">
                 <a:latin typeface="Courier"/>
                 <a:cs typeface="Courier"/>
               </a:rPr>
@@ -10340,25 +9189,11 @@
               <a:buNone/>
             </a:pPr>
             <a:r>
-              <a:rPr lang="en-US" sz="2000" dirty="0" smtClean="0">
-                <a:latin typeface="Courier"/>
-                <a:cs typeface="Courier"/>
-              </a:rPr>
-              <a:t>   -</a:t>
-            </a:r>
-            <a:r>
               <a:rPr lang="en-US" sz="2000" dirty="0">
                 <a:latin typeface="Courier"/>
                 <a:cs typeface="Courier"/>
               </a:rPr>
-              <a:t>V output</a:t>
-            </a:r>
-            <a:r>
-              <a:rPr lang="en-US" sz="2000" dirty="0" smtClean="0">
-                <a:latin typeface="Courier"/>
-                <a:cs typeface="Courier"/>
-              </a:rPr>
-              <a:t>/ceu_trio_chr22_jointcalls_phased.vcf \</a:t>
+              <a:t>   -V output/ceu_trio_chr22_jointcalls_phased.vcf \</a:t>
             </a:r>
           </a:p>
           <a:p>
@@ -10366,7 +9201,7 @@
               <a:buNone/>
             </a:pPr>
             <a:r>
-              <a:rPr lang="en-US" sz="2000" dirty="0" smtClean="0">
+              <a:rPr lang="en-US" sz="2000" dirty="0">
                 <a:latin typeface="Courier"/>
                 <a:cs typeface="Courier"/>
               </a:rPr>
@@ -10377,17 +9212,10 @@
                 <a:latin typeface="Courier"/>
                 <a:cs typeface="Courier"/>
               </a:rPr>
-              <a:t>22:24260000-</a:t>
-            </a:r>
-            <a:r>
-              <a:rPr lang="is-IS" sz="2000" dirty="0" smtClean="0">
-                <a:latin typeface="Courier"/>
-                <a:cs typeface="Courier"/>
-              </a:rPr>
-              <a:t>24270000 </a:t>
-            </a:r>
-            <a:r>
-              <a:rPr lang="en-US" sz="2000" dirty="0" smtClean="0">
+              <a:t>22:24260000-24270000 </a:t>
+            </a:r>
+            <a:r>
+              <a:rPr lang="en-US" sz="2000" dirty="0">
                 <a:latin typeface="Courier"/>
                 <a:cs typeface="Courier"/>
               </a:rPr>
@@ -10399,44 +9227,12 @@
               <a:buNone/>
             </a:pPr>
             <a:r>
-              <a:rPr lang="en-US" sz="2000" dirty="0" smtClean="0">
-                <a:latin typeface="Courier"/>
-                <a:cs typeface="Courier"/>
-              </a:rPr>
-              <a:t>   -</a:t>
-            </a:r>
-            <a:r>
               <a:rPr lang="en-US" sz="2000" dirty="0">
                 <a:latin typeface="Courier"/>
                 <a:cs typeface="Courier"/>
               </a:rPr>
-              <a:t>o </a:t>
-            </a:r>
-            <a:r>
-              <a:rPr lang="en-US" sz="2000" dirty="0" smtClean="0">
-                <a:latin typeface="Courier"/>
-                <a:cs typeface="Courier"/>
-              </a:rPr>
-              <a:t>output/</a:t>
-            </a:r>
-            <a:r>
-              <a:rPr lang="en-US" sz="2000" dirty="0">
-                <a:latin typeface="Courier"/>
-                <a:cs typeface="Courier"/>
-              </a:rPr>
-              <a:t>ceu_trio_chr22_jointcalls</a:t>
-            </a:r>
-            <a:r>
-              <a:rPr lang="en-US" sz="2000" dirty="0" smtClean="0">
-                <a:latin typeface="Courier"/>
-                <a:cs typeface="Courier"/>
-              </a:rPr>
-              <a:t>_postCGP.vcf</a:t>
-            </a:r>
-            <a:endParaRPr lang="en-US" sz="2000" dirty="0">
-              <a:latin typeface="Courier"/>
-              <a:cs typeface="Courier"/>
-            </a:endParaRPr>
+              <a:t>   -o output/ceu_trio_chr22_jointcalls_postCGP.vcf</a:t>
+            </a:r>
           </a:p>
         </p:txBody>
       </p:sp>
@@ -10450,21 +9246,6 @@
   <p:clrMapOvr>
     <a:masterClrMapping/>
   </p:clrMapOvr>
-  <mc:AlternateContent xmlns:mc="http://schemas.openxmlformats.org/markup-compatibility/2006" xmlns:p14="http://schemas.microsoft.com/office/powerpoint/2010/main">
-    <mc:Choice Requires="p14">
-      <p:transition spd="slow" p14:dur="2000"/>
-    </mc:Choice>
-    <mc:Fallback xmlns="">
-      <p:transition xmlns:p14="http://schemas.microsoft.com/office/powerpoint/2010/main" spd="slow"/>
-    </mc:Fallback>
-  </mc:AlternateContent>
-  <p:timing>
-    <p:tnLst>
-      <p:par>
-        <p:cTn id="1" dur="indefinite" restart="never" nodeType="tmRoot"/>
-      </p:par>
-    </p:tnLst>
-  </p:timing>
 </p:sld>
 </file>
 
@@ -10536,21 +9317,16 @@
               <a:buNone/>
             </a:pPr>
             <a:r>
-              <a:rPr lang="en-US" u="sng" dirty="0" smtClean="0"/>
-              <a:t>Exercise: </a:t>
-            </a:r>
-            <a:r>
               <a:rPr lang="en-US" u="sng" dirty="0"/>
-              <a:t> Identify De Novo Variants</a:t>
-            </a:r>
-            <a:endParaRPr lang="en-US" u="sng" dirty="0" smtClean="0"/>
+              <a:t>Exercise:  Identify De Novo Variants</a:t>
+            </a:r>
           </a:p>
           <a:p>
             <a:pPr marL="0" indent="0">
               <a:buNone/>
             </a:pPr>
             <a:r>
-              <a:rPr lang="en-US" sz="2000" dirty="0" smtClean="0">
+              <a:rPr lang="en-US" sz="2000" dirty="0">
                 <a:latin typeface="Courier"/>
                 <a:cs typeface="Courier"/>
               </a:rPr>
@@ -10562,16 +9338,12 @@
               <a:buNone/>
             </a:pPr>
             <a:r>
-              <a:rPr lang="en-US" sz="2000" dirty="0" smtClean="0">
+              <a:rPr lang="en-US" sz="2000" dirty="0">
                 <a:latin typeface="Courier"/>
                 <a:cs typeface="Courier"/>
               </a:rPr>
               <a:t># genotypes</a:t>
             </a:r>
-            <a:endParaRPr lang="en-US" sz="2000" dirty="0">
-              <a:latin typeface="Courier"/>
-              <a:cs typeface="Courier"/>
-            </a:endParaRPr>
           </a:p>
           <a:p>
             <a:pPr marL="0" indent="0">
@@ -10585,28 +9357,28 @@
               <a:t>$ java </a:t>
             </a:r>
             <a:r>
-              <a:rPr lang="mr-IN" sz="2000" dirty="0" smtClean="0">
+              <a:rPr lang="mr-IN" sz="2000" dirty="0">
                 <a:latin typeface="Courier"/>
                 <a:cs typeface="Courier"/>
               </a:rPr>
               <a:t>–</a:t>
             </a:r>
             <a:r>
-              <a:rPr lang="en-US" sz="2000" dirty="0" smtClean="0">
+              <a:rPr lang="en-US" sz="2000" dirty="0">
                 <a:latin typeface="Courier"/>
                 <a:cs typeface="Courier"/>
               </a:rPr>
               <a:t>jar </a:t>
             </a:r>
             <a:r>
-              <a:rPr lang="en-US" sz="2000" dirty="0" err="1" smtClean="0">
+              <a:rPr lang="en-US" sz="2000" dirty="0" err="1">
                 <a:latin typeface="Courier"/>
                 <a:cs typeface="Courier"/>
               </a:rPr>
               <a:t>GenomeAnalysisTK.jar</a:t>
             </a:r>
             <a:r>
-              <a:rPr lang="en-US" sz="2000" dirty="0" smtClean="0">
+              <a:rPr lang="en-US" sz="2000" dirty="0">
                 <a:latin typeface="Courier"/>
                 <a:cs typeface="Courier"/>
               </a:rPr>
@@ -10618,25 +9390,108 @@
               <a:buNone/>
             </a:pPr>
             <a:r>
-              <a:rPr lang="en-US" sz="2000" dirty="0" smtClean="0">
+              <a:rPr lang="en-US" sz="2000" dirty="0">
+                <a:latin typeface="Courier"/>
+                <a:cs typeface="Courier"/>
+              </a:rPr>
+              <a:t>  -T </a:t>
+            </a:r>
+            <a:r>
+              <a:rPr lang="en-US" sz="2000" dirty="0" err="1">
+                <a:latin typeface="Courier"/>
+                <a:cs typeface="Courier"/>
+              </a:rPr>
+              <a:t>VariantFiltration</a:t>
+            </a:r>
+            <a:r>
+              <a:rPr lang="en-US" sz="2000" dirty="0">
+                <a:latin typeface="Courier"/>
+                <a:cs typeface="Courier"/>
+              </a:rPr>
+              <a:t> \</a:t>
+            </a:r>
+          </a:p>
+          <a:p>
+            <a:pPr marL="0" indent="0">
+              <a:buNone/>
+            </a:pPr>
+            <a:r>
+              <a:rPr lang="en-US" sz="2000" dirty="0">
+                <a:latin typeface="Courier"/>
+                <a:cs typeface="Courier"/>
+              </a:rPr>
+              <a:t>  -R resources/human_g1k_v37.fasta \</a:t>
+            </a:r>
+          </a:p>
+          <a:p>
+            <a:pPr marL="0" indent="0">
+              <a:buNone/>
+            </a:pPr>
+            <a:r>
+              <a:rPr lang="en-US" sz="2000" dirty="0">
+                <a:latin typeface="Courier"/>
+                <a:cs typeface="Courier"/>
+              </a:rPr>
+              <a:t>  -V output/ceu_trio_chr22_jointcalls_postCGP.vcf \</a:t>
+            </a:r>
+          </a:p>
+          <a:p>
+            <a:pPr marL="0" indent="0">
+              <a:buNone/>
+            </a:pPr>
+            <a:r>
+              <a:rPr lang="en-US" sz="2000" dirty="0">
+                <a:latin typeface="Courier"/>
+                <a:cs typeface="Courier"/>
+              </a:rPr>
+              <a:t>  -L </a:t>
+            </a:r>
+            <a:r>
+              <a:rPr lang="is-IS" sz="2000" dirty="0">
+                <a:latin typeface="Courier"/>
+                <a:cs typeface="Courier"/>
+              </a:rPr>
+              <a:t>22:24260000-24270000 </a:t>
+            </a:r>
+            <a:r>
+              <a:rPr lang="en-US" sz="2000" dirty="0">
+                <a:latin typeface="Courier"/>
+                <a:cs typeface="Courier"/>
+              </a:rPr>
+              <a:t>\</a:t>
+            </a:r>
+          </a:p>
+          <a:p>
+            <a:pPr marL="0" indent="0">
+              <a:buNone/>
+            </a:pPr>
+            <a:r>
+              <a:rPr lang="en-US" sz="2000" dirty="0">
                 <a:latin typeface="Courier"/>
                 <a:cs typeface="Courier"/>
               </a:rPr>
               <a:t>  -</a:t>
             </a:r>
             <a:r>
+              <a:rPr lang="en-US" sz="2000" dirty="0" err="1">
+                <a:latin typeface="Courier"/>
+                <a:cs typeface="Courier"/>
+              </a:rPr>
+              <a:t>G_filter</a:t>
+            </a:r>
+            <a:r>
               <a:rPr lang="en-US" sz="2000" dirty="0">
                 <a:latin typeface="Courier"/>
                 <a:cs typeface="Courier"/>
               </a:rPr>
-              <a:t>T </a:t>
+              <a:t> "GQ &lt; 20.0" -</a:t>
             </a:r>
             <a:r>
               <a:rPr lang="en-US" sz="2000" dirty="0" err="1">
                 <a:latin typeface="Courier"/>
                 <a:cs typeface="Courier"/>
               </a:rPr>
-              <a:t>VariantFiltration</a:t>
+              <a:t>G_filterName</a:t>
             </a:r>
             <a:r>
               <a:rPr lang="en-US" sz="2000" dirty="0">
@@ -10646,11 +9501,18 @@
               <a:t> </a:t>
             </a:r>
             <a:r>
-              <a:rPr lang="en-US" sz="2000" dirty="0" smtClean="0">
-                <a:latin typeface="Courier"/>
-                <a:cs typeface="Courier"/>
-              </a:rPr>
-              <a:t>\</a:t>
+              <a:rPr lang="en-US" sz="2000" dirty="0" err="1">
+                <a:latin typeface="Courier"/>
+                <a:cs typeface="Courier"/>
+              </a:rPr>
+              <a:t>lowGQ</a:t>
+            </a:r>
+            <a:r>
+              <a:rPr lang="en-US" sz="2000" dirty="0">
+                <a:latin typeface="Courier"/>
+                <a:cs typeface="Courier"/>
+              </a:rPr>
+              <a:t> \</a:t>
             </a:r>
           </a:p>
           <a:p>
@@ -10658,169 +9520,12 @@
               <a:buNone/>
             </a:pPr>
             <a:r>
-              <a:rPr lang="en-US" sz="2000" dirty="0" smtClean="0">
-                <a:latin typeface="Courier"/>
-                <a:cs typeface="Courier"/>
-              </a:rPr>
-              <a:t>  -</a:t>
-            </a:r>
-            <a:r>
               <a:rPr lang="en-US" sz="2000" dirty="0">
                 <a:latin typeface="Courier"/>
                 <a:cs typeface="Courier"/>
               </a:rPr>
-              <a:t>R </a:t>
-            </a:r>
-            <a:r>
-              <a:rPr lang="en-US" sz="2000" dirty="0" smtClean="0">
-                <a:latin typeface="Courier"/>
-                <a:cs typeface="Courier"/>
-              </a:rPr>
-              <a:t>resources/human_g1k_v37.</a:t>
-            </a:r>
-            <a:r>
-              <a:rPr lang="en-US" sz="2000" dirty="0">
-                <a:latin typeface="Courier"/>
-                <a:cs typeface="Courier"/>
-              </a:rPr>
-              <a:t>fasta </a:t>
-            </a:r>
-            <a:r>
-              <a:rPr lang="en-US" sz="2000" dirty="0" smtClean="0">
-                <a:latin typeface="Courier"/>
-                <a:cs typeface="Courier"/>
-              </a:rPr>
-              <a:t>\</a:t>
-            </a:r>
-          </a:p>
-          <a:p>
-            <a:pPr marL="0" indent="0">
-              <a:buNone/>
-            </a:pPr>
-            <a:r>
-              <a:rPr lang="en-US" sz="2000" dirty="0" smtClean="0">
-                <a:latin typeface="Courier"/>
-                <a:cs typeface="Courier"/>
-              </a:rPr>
-              <a:t>  -V </a:t>
-            </a:r>
-            <a:r>
-              <a:rPr lang="en-US" sz="2000" dirty="0">
-                <a:latin typeface="Courier"/>
-                <a:cs typeface="Courier"/>
-              </a:rPr>
-              <a:t>output/</a:t>
-            </a:r>
-            <a:r>
-              <a:rPr lang="en-US" sz="2000" dirty="0" smtClean="0">
-                <a:latin typeface="Courier"/>
-                <a:cs typeface="Courier"/>
-              </a:rPr>
-              <a:t>ceu_trio_chr22_jointcalls_postCGP.vcf \</a:t>
-            </a:r>
-          </a:p>
-          <a:p>
-            <a:pPr marL="0" indent="0">
-              <a:buNone/>
-            </a:pPr>
-            <a:r>
-              <a:rPr lang="en-US" sz="2000" dirty="0" smtClean="0">
-                <a:latin typeface="Courier"/>
-                <a:cs typeface="Courier"/>
-              </a:rPr>
-              <a:t>  -</a:t>
-            </a:r>
-            <a:r>
-              <a:rPr lang="en-US" sz="2000" dirty="0">
-                <a:latin typeface="Courier"/>
-                <a:cs typeface="Courier"/>
-              </a:rPr>
-              <a:t>L </a:t>
-            </a:r>
-            <a:r>
-              <a:rPr lang="is-IS" sz="2000" dirty="0">
-                <a:latin typeface="Courier"/>
-                <a:cs typeface="Courier"/>
-              </a:rPr>
-              <a:t>22:24260000-24270000 </a:t>
-            </a:r>
-            <a:r>
-              <a:rPr lang="en-US" sz="2000" dirty="0" smtClean="0">
-                <a:latin typeface="Courier"/>
-                <a:cs typeface="Courier"/>
-              </a:rPr>
-              <a:t>\</a:t>
-            </a:r>
-          </a:p>
-          <a:p>
-            <a:pPr marL="0" indent="0">
-              <a:buNone/>
-            </a:pPr>
-            <a:r>
-              <a:rPr lang="en-US" sz="2000" dirty="0" smtClean="0">
-                <a:latin typeface="Courier"/>
-                <a:cs typeface="Courier"/>
-              </a:rPr>
-              <a:t>  -</a:t>
-            </a:r>
-            <a:r>
-              <a:rPr lang="en-US" sz="2000" dirty="0" err="1" smtClean="0">
-                <a:latin typeface="Courier"/>
-                <a:cs typeface="Courier"/>
-              </a:rPr>
-              <a:t>G_filter</a:t>
-            </a:r>
-            <a:r>
-              <a:rPr lang="en-US" sz="2000" dirty="0" smtClean="0">
-                <a:latin typeface="Courier"/>
-                <a:cs typeface="Courier"/>
-              </a:rPr>
-              <a:t> "GQ &lt; 20.0" -</a:t>
-            </a:r>
-            <a:r>
-              <a:rPr lang="en-US" sz="2000" dirty="0" err="1" smtClean="0">
-                <a:latin typeface="Courier"/>
-                <a:cs typeface="Courier"/>
-              </a:rPr>
-              <a:t>G_filterName</a:t>
-            </a:r>
-            <a:r>
-              <a:rPr lang="en-US" sz="2000" dirty="0" smtClean="0">
-                <a:latin typeface="Courier"/>
-                <a:cs typeface="Courier"/>
-              </a:rPr>
-              <a:t> </a:t>
-            </a:r>
-            <a:r>
-              <a:rPr lang="en-US" sz="2000" dirty="0" err="1" smtClean="0">
-                <a:latin typeface="Courier"/>
-                <a:cs typeface="Courier"/>
-              </a:rPr>
-              <a:t>lowGQ</a:t>
-            </a:r>
-            <a:r>
-              <a:rPr lang="en-US" sz="2000" dirty="0" smtClean="0">
-                <a:latin typeface="Courier"/>
-                <a:cs typeface="Courier"/>
-              </a:rPr>
-              <a:t> \</a:t>
-            </a:r>
-          </a:p>
-          <a:p>
-            <a:pPr marL="0" indent="0">
-              <a:buNone/>
-            </a:pPr>
-            <a:r>
-              <a:rPr lang="en-US" sz="2000" dirty="0" smtClean="0">
-                <a:latin typeface="Courier"/>
-                <a:cs typeface="Courier"/>
-              </a:rPr>
               <a:t>  -o output/ceu_trio_chr22_jointcalls_postCGP_filter.vcf </a:t>
             </a:r>
-            <a:endParaRPr lang="en-US" sz="2000" dirty="0">
-              <a:latin typeface="Courier"/>
-              <a:cs typeface="Courier"/>
-            </a:endParaRPr>
           </a:p>
         </p:txBody>
       </p:sp>
@@ -10834,21 +9539,6 @@
   <p:clrMapOvr>
     <a:masterClrMapping/>
   </p:clrMapOvr>
-  <mc:AlternateContent xmlns:mc="http://schemas.openxmlformats.org/markup-compatibility/2006" xmlns:p14="http://schemas.microsoft.com/office/powerpoint/2010/main">
-    <mc:Choice Requires="p14">
-      <p:transition spd="slow" p14:dur="2000"/>
-    </mc:Choice>
-    <mc:Fallback xmlns="">
-      <p:transition xmlns:p14="http://schemas.microsoft.com/office/powerpoint/2010/main" spd="slow"/>
-    </mc:Fallback>
-  </mc:AlternateContent>
-  <p:timing>
-    <p:tnLst>
-      <p:par>
-        <p:cTn id="1" dur="indefinite" restart="never" nodeType="tmRoot"/>
-      </p:par>
-    </p:tnLst>
-  </p:timing>
 </p:sld>
 </file>
 
@@ -10920,44 +9610,35 @@
               <a:buNone/>
             </a:pPr>
             <a:r>
-              <a:rPr lang="en-US" u="sng" dirty="0" smtClean="0"/>
-              <a:t>Exercise: </a:t>
-            </a:r>
-            <a:r>
               <a:rPr lang="en-US" u="sng" dirty="0"/>
-              <a:t> Identify De Novo Variants</a:t>
-            </a:r>
-            <a:endParaRPr lang="en-US" u="sng" dirty="0" smtClean="0"/>
+              <a:t>Exercise:  Identify De Novo Variants</a:t>
+            </a:r>
           </a:p>
           <a:p>
             <a:pPr marL="0" indent="0">
               <a:buNone/>
             </a:pPr>
             <a:r>
-              <a:rPr lang="en-US" sz="2000" dirty="0" smtClean="0">
+              <a:rPr lang="en-US" sz="2000" dirty="0">
                 <a:latin typeface="Courier"/>
                 <a:cs typeface="Courier"/>
               </a:rPr>
               <a:t># Genotype refinement step 3: annotate possible </a:t>
             </a:r>
             <a:r>
-              <a:rPr lang="en-US" sz="2000" i="1" dirty="0" smtClean="0">
+              <a:rPr lang="en-US" sz="2000" i="1" dirty="0">
                 <a:latin typeface="Courier"/>
                 <a:cs typeface="Courier"/>
               </a:rPr>
               <a:t>de novo</a:t>
             </a:r>
             <a:r>
-              <a:rPr lang="en-US" sz="2000" dirty="0" smtClean="0">
+              <a:rPr lang="en-US" sz="2000" dirty="0">
                 <a:latin typeface="Courier"/>
                 <a:cs typeface="Courier"/>
               </a:rPr>
               <a:t> # variants</a:t>
             </a:r>
-            <a:endParaRPr lang="en-US" sz="2000" dirty="0">
-              <a:latin typeface="Courier"/>
-              <a:cs typeface="Courier"/>
-            </a:endParaRPr>
           </a:p>
           <a:p>
             <a:pPr marL="0" indent="0">
@@ -10971,37 +9652,33 @@
               <a:t>$ java </a:t>
             </a:r>
             <a:r>
-              <a:rPr lang="mr-IN" sz="2000" dirty="0" smtClean="0">
+              <a:rPr lang="mr-IN" sz="2000" dirty="0">
                 <a:latin typeface="Courier"/>
                 <a:cs typeface="Courier"/>
               </a:rPr>
               <a:t>–</a:t>
             </a:r>
             <a:r>
-              <a:rPr lang="en-US" sz="2000" dirty="0" smtClean="0">
+              <a:rPr lang="en-US" sz="2000" dirty="0">
                 <a:latin typeface="Courier"/>
                 <a:cs typeface="Courier"/>
               </a:rPr>
               <a:t>jar </a:t>
             </a:r>
             <a:r>
-              <a:rPr lang="en-US" sz="2000" dirty="0" err="1" smtClean="0">
+              <a:rPr lang="en-US" sz="2000" dirty="0" err="1">
                 <a:latin typeface="Courier"/>
                 <a:cs typeface="Courier"/>
               </a:rPr>
               <a:t>GenomeAnalysisTK.jar</a:t>
             </a:r>
             <a:r>
-              <a:rPr lang="en-US" sz="2000" dirty="0" smtClean="0">
+              <a:rPr lang="en-US" sz="2000" dirty="0">
                 <a:latin typeface="Courier"/>
                 <a:cs typeface="Courier"/>
               </a:rPr>
               <a:t> \</a:t>
             </a:r>
-            <a:endParaRPr lang="en-US" sz="2000" dirty="0">
-              <a:latin typeface="Courier"/>
-              <a:cs typeface="Courier"/>
-            </a:endParaRPr>
           </a:p>
           <a:p>
             <a:pPr marL="0" indent="0">
@@ -11015,24 +9692,67 @@
               <a:t>-T </a:t>
             </a:r>
             <a:r>
-              <a:rPr lang="en-US" sz="2000" dirty="0" err="1" smtClean="0">
+              <a:rPr lang="en-US" sz="2000" dirty="0" err="1">
                 <a:latin typeface="Courier"/>
                 <a:cs typeface="Courier"/>
               </a:rPr>
               <a:t>VariantAnnotator</a:t>
             </a:r>
             <a:r>
-              <a:rPr lang="en-US" sz="2000" dirty="0" smtClean="0">
-                <a:latin typeface="Courier"/>
-                <a:cs typeface="Courier"/>
-              </a:rPr>
-              <a:t> </a:t>
-            </a:r>
-            <a:r>
               <a:rPr lang="en-US" sz="2000" dirty="0">
                 <a:latin typeface="Courier"/>
                 <a:cs typeface="Courier"/>
               </a:rPr>
+              <a:t> \</a:t>
+            </a:r>
+          </a:p>
+          <a:p>
+            <a:pPr marL="0" indent="0">
+              <a:buNone/>
+            </a:pPr>
+            <a:r>
+              <a:rPr lang="en-US" sz="2000" dirty="0">
+                <a:latin typeface="Courier"/>
+                <a:cs typeface="Courier"/>
+              </a:rPr>
+              <a:t>-R resources/human_g1k_v37.fasta \</a:t>
+            </a:r>
+          </a:p>
+          <a:p>
+            <a:pPr marL="0" indent="0">
+              <a:buNone/>
+            </a:pPr>
+            <a:r>
+              <a:rPr lang="en-US" sz="2000" dirty="0">
+                <a:latin typeface="Courier"/>
+                <a:cs typeface="Courier"/>
+              </a:rPr>
+              <a:t>-V output/ceu_trio_chr22_jointcalls_postCGP_filter.vcf \</a:t>
+            </a:r>
+          </a:p>
+          <a:p>
+            <a:pPr marL="0" indent="0">
+              <a:buNone/>
+            </a:pPr>
+            <a:r>
+              <a:rPr lang="en-US" sz="2000" dirty="0">
+                <a:latin typeface="Courier"/>
+                <a:cs typeface="Courier"/>
+              </a:rPr>
+              <a:t>-L </a:t>
+            </a:r>
+            <a:r>
+              <a:rPr lang="is-IS" sz="2000" dirty="0">
+                <a:latin typeface="Courier"/>
+                <a:cs typeface="Courier"/>
+              </a:rPr>
+              <a:t>22:24260000-24270000 </a:t>
+            </a:r>
+            <a:r>
+              <a:rPr lang="en-US" sz="2000" dirty="0">
+                <a:latin typeface="Courier"/>
+                <a:cs typeface="Courier"/>
+              </a:rPr>
               <a:t>\</a:t>
             </a:r>
           </a:p>
@@ -11045,58 +9765,61 @@
                 <a:latin typeface="Courier"/>
                 <a:cs typeface="Courier"/>
               </a:rPr>
-              <a:t>-R </a:t>
-            </a:r>
-            <a:r>
-              <a:rPr lang="en-US" sz="2000" dirty="0" smtClean="0">
-                <a:latin typeface="Courier"/>
-                <a:cs typeface="Courier"/>
-              </a:rPr>
-              <a:t>resources/human_g1k_v37.</a:t>
+              <a:t>-A </a:t>
+            </a:r>
+            <a:r>
+              <a:rPr lang="en-US" sz="2000" dirty="0" err="1">
+                <a:latin typeface="Courier"/>
+                <a:cs typeface="Courier"/>
+              </a:rPr>
+              <a:t>PossibleDeNovo</a:t>
             </a:r>
             <a:r>
               <a:rPr lang="en-US" sz="2000" dirty="0">
                 <a:latin typeface="Courier"/>
                 <a:cs typeface="Courier"/>
               </a:rPr>
-              <a:t>fasta </a:t>
-            </a:r>
-            <a:r>
-              <a:rPr lang="en-US" sz="2000" dirty="0" smtClean="0">
-                <a:latin typeface="Courier"/>
-                <a:cs typeface="Courier"/>
-              </a:rPr>
-              <a:t>\</a:t>
-            </a:r>
-            <a:endParaRPr lang="en-US" sz="2000" dirty="0">
-              <a:latin typeface="Courier"/>
-              <a:cs typeface="Courier"/>
-            </a:endParaRPr>
+              <a:t> \</a:t>
+            </a:r>
           </a:p>
           <a:p>
             <a:pPr marL="0" indent="0">
               <a:buNone/>
             </a:pPr>
             <a:r>
-              <a:rPr lang="en-US" sz="2000" dirty="0" smtClean="0">
+              <a:rPr lang="en-US" sz="2000" dirty="0">
                 <a:latin typeface="Courier"/>
                 <a:cs typeface="Courier"/>
               </a:rPr>
               <a:t>-</a:t>
             </a:r>
             <a:r>
+              <a:rPr lang="en-US" sz="2000" dirty="0" err="1">
+                <a:latin typeface="Courier"/>
+                <a:cs typeface="Courier"/>
+              </a:rPr>
+              <a:t>ped</a:t>
+            </a:r>
+            <a:r>
               <a:rPr lang="en-US" sz="2000" dirty="0">
                 <a:latin typeface="Courier"/>
                 <a:cs typeface="Courier"/>
               </a:rPr>
-              <a:t>V output/</a:t>
-            </a:r>
-            <a:r>
-              <a:rPr lang="en-US" sz="2000" dirty="0" smtClean="0">
-                <a:latin typeface="Courier"/>
-                <a:cs typeface="Courier"/>
-              </a:rPr>
-              <a:t>ceu_trio_chr22_jointcalls_postCGP_filter.vcf \</a:t>
+              <a:t> input/trio2/</a:t>
+            </a:r>
+            <a:r>
+              <a:rPr lang="en-US" sz="2000" dirty="0" err="1">
+                <a:latin typeface="Courier"/>
+                <a:cs typeface="Courier"/>
+              </a:rPr>
+              <a:t>trio.fam</a:t>
+            </a:r>
+            <a:r>
+              <a:rPr lang="en-US" sz="2000" dirty="0">
+                <a:latin typeface="Courier"/>
+                <a:cs typeface="Courier"/>
+              </a:rPr>
+              <a:t> \</a:t>
             </a:r>
           </a:p>
           <a:p>
@@ -11108,160 +9831,8 @@
                 <a:latin typeface="Courier"/>
                 <a:cs typeface="Courier"/>
               </a:rPr>
-              <a:t>-L </a:t>
-            </a:r>
-            <a:r>
-              <a:rPr lang="is-IS" sz="2000" dirty="0">
-                <a:latin typeface="Courier"/>
-                <a:cs typeface="Courier"/>
-              </a:rPr>
-              <a:t>22:24260000-24270000 </a:t>
-            </a:r>
-            <a:r>
-              <a:rPr lang="en-US" sz="2000" dirty="0" smtClean="0">
-                <a:latin typeface="Courier"/>
-                <a:cs typeface="Courier"/>
-              </a:rPr>
-              <a:t>\</a:t>
-            </a:r>
-          </a:p>
-          <a:p>
-            <a:pPr marL="0" indent="0">
-              <a:buNone/>
-            </a:pPr>
-            <a:r>
-              <a:rPr lang="en-US" sz="2000" dirty="0" smtClean="0">
-                <a:latin typeface="Courier"/>
-                <a:cs typeface="Courier"/>
-              </a:rPr>
-              <a:t>-</a:t>
-            </a:r>
-            <a:r>
-              <a:rPr lang="en-US" sz="2000" dirty="0">
-                <a:latin typeface="Courier"/>
-                <a:cs typeface="Courier"/>
-              </a:rPr>
-              <a:t>A </a:t>
-            </a:r>
-            <a:r>
-              <a:rPr lang="en-US" sz="2000" dirty="0" err="1">
-                <a:latin typeface="Courier"/>
-                <a:cs typeface="Courier"/>
-              </a:rPr>
-              <a:t>PossibleDeNovo</a:t>
-            </a:r>
-            <a:r>
-              <a:rPr lang="en-US" sz="2000" dirty="0">
-                <a:latin typeface="Courier"/>
-                <a:cs typeface="Courier"/>
-              </a:rPr>
-              <a:t> </a:t>
-            </a:r>
-            <a:r>
-              <a:rPr lang="en-US" sz="2000" dirty="0" smtClean="0">
-                <a:latin typeface="Courier"/>
-                <a:cs typeface="Courier"/>
-              </a:rPr>
-              <a:t>\</a:t>
-            </a:r>
-          </a:p>
-          <a:p>
-            <a:pPr marL="0" indent="0">
-              <a:buNone/>
-            </a:pPr>
-            <a:r>
-              <a:rPr lang="en-US" sz="2000" dirty="0" smtClean="0">
-                <a:latin typeface="Courier"/>
-                <a:cs typeface="Courier"/>
-              </a:rPr>
-              <a:t>-</a:t>
-            </a:r>
-            <a:r>
-              <a:rPr lang="en-US" sz="2000" dirty="0" err="1">
-                <a:latin typeface="Courier"/>
-                <a:cs typeface="Courier"/>
-              </a:rPr>
-              <a:t>ped</a:t>
-            </a:r>
-            <a:r>
-              <a:rPr lang="en-US" sz="2000" dirty="0">
-                <a:latin typeface="Courier"/>
-                <a:cs typeface="Courier"/>
-              </a:rPr>
-              <a:t> </a:t>
-            </a:r>
-            <a:r>
-              <a:rPr lang="en-US" sz="2000" dirty="0" smtClean="0">
-                <a:latin typeface="Courier"/>
-                <a:cs typeface="Courier"/>
-              </a:rPr>
-              <a:t>input/trio2/</a:t>
-            </a:r>
-            <a:r>
-              <a:rPr lang="en-US" sz="2000" dirty="0" err="1" smtClean="0">
-                <a:latin typeface="Courier"/>
-                <a:cs typeface="Courier"/>
-              </a:rPr>
-              <a:t>trio.fam</a:t>
-            </a:r>
-            <a:r>
-              <a:rPr lang="en-US" sz="2000" dirty="0" smtClean="0">
-                <a:latin typeface="Courier"/>
-                <a:cs typeface="Courier"/>
-              </a:rPr>
-              <a:t> </a:t>
-            </a:r>
-            <a:r>
-              <a:rPr lang="en-US" sz="2000" dirty="0">
-                <a:latin typeface="Courier"/>
-                <a:cs typeface="Courier"/>
-              </a:rPr>
-              <a:t>\</a:t>
-            </a:r>
-          </a:p>
-          <a:p>
-            <a:pPr marL="0" indent="0">
-              <a:buNone/>
-            </a:pPr>
-            <a:r>
-              <a:rPr lang="en-US" sz="2000" dirty="0" smtClean="0">
-                <a:latin typeface="Courier"/>
-                <a:cs typeface="Courier"/>
-              </a:rPr>
-              <a:t>-</a:t>
-            </a:r>
-            <a:r>
-              <a:rPr lang="en-US" sz="2000" dirty="0">
-                <a:latin typeface="Courier"/>
-                <a:cs typeface="Courier"/>
-              </a:rPr>
-              <a:t>o output</a:t>
-            </a:r>
-            <a:r>
-              <a:rPr lang="en-US" sz="2000" dirty="0" smtClean="0">
-                <a:latin typeface="Courier"/>
-                <a:cs typeface="Courier"/>
-              </a:rPr>
-              <a:t>/</a:t>
-            </a:r>
-            <a:r>
-              <a:rPr lang="en-US" sz="2000" dirty="0">
-                <a:latin typeface="Courier"/>
-                <a:cs typeface="Courier"/>
-              </a:rPr>
-              <a:t>ceu_trio_chr22_jointcalls_postCGP</a:t>
-            </a:r>
-            <a:r>
-              <a:rPr lang="en-US" sz="2000" dirty="0" smtClean="0">
-                <a:latin typeface="Courier"/>
-                <a:cs typeface="Courier"/>
-              </a:rPr>
-              <a:t>_deNovos.vcf</a:t>
-            </a:r>
-            <a:endParaRPr lang="en-US" sz="2000" dirty="0">
-              <a:latin typeface="Courier"/>
-              <a:cs typeface="Courier"/>
-            </a:endParaRPr>
+              <a:t>-o output/ceu_trio_chr22_jointcalls_postCGP_deNovos.vcf</a:t>
+            </a:r>
           </a:p>
         </p:txBody>
       </p:sp>
@@ -11275,21 +9846,6 @@
   <p:clrMapOvr>
     <a:masterClrMapping/>
   </p:clrMapOvr>
-  <mc:AlternateContent xmlns:mc="http://schemas.openxmlformats.org/markup-compatibility/2006" xmlns:p14="http://schemas.microsoft.com/office/powerpoint/2010/main">
-    <mc:Choice Requires="p14">
-      <p:transition spd="slow" p14:dur="2000"/>
-    </mc:Choice>
-    <mc:Fallback xmlns="">
-      <p:transition xmlns:p14="http://schemas.microsoft.com/office/powerpoint/2010/main" spd="slow"/>
-    </mc:Fallback>
-  </mc:AlternateContent>
-  <p:timing>
-    <p:tnLst>
-      <p:par>
-        <p:cTn id="1" dur="indefinite" restart="never" nodeType="tmRoot"/>
-      </p:par>
-    </p:tnLst>
-  </p:timing>
 </p:sld>
 </file>
 
@@ -11329,10 +9885,9 @@
           <a:p>
             <a:pPr algn="ctr"/>
             <a:r>
-              <a:rPr lang="en-US" dirty="0" smtClean="0"/>
+              <a:rPr lang="en-US" dirty="0"/>
               <a:t>PLOIDY</a:t>
             </a:r>
-            <a:endParaRPr lang="en-US" dirty="0"/>
           </a:p>
         </p:txBody>
       </p:sp>
@@ -11359,62 +9914,62 @@
           <a:lstStyle/>
           <a:p>
             <a:r>
-              <a:rPr lang="en-US" dirty="0" smtClean="0"/>
+              <a:rPr lang="en-US" dirty="0"/>
               <a:t>Plants and animals have multiple copies of each autosome</a:t>
             </a:r>
           </a:p>
           <a:p>
             <a:pPr lvl="1"/>
             <a:r>
-              <a:rPr lang="en-US" dirty="0" smtClean="0"/>
+              <a:rPr lang="en-US" dirty="0"/>
               <a:t>Humans have 2 (diploid)</a:t>
             </a:r>
           </a:p>
           <a:p>
             <a:pPr lvl="1"/>
             <a:r>
-              <a:rPr lang="en-US" dirty="0" smtClean="0"/>
+              <a:rPr lang="en-US" dirty="0"/>
               <a:t>Some plants have 4 or 8</a:t>
             </a:r>
           </a:p>
           <a:p>
             <a:r>
-              <a:rPr lang="en-US" dirty="0" smtClean="0"/>
+              <a:rPr lang="en-US" dirty="0"/>
               <a:t>Sex chromosomes are handled differently</a:t>
             </a:r>
           </a:p>
           <a:p>
             <a:pPr lvl="1"/>
             <a:r>
-              <a:rPr lang="en-US" dirty="0" smtClean="0"/>
+              <a:rPr lang="en-US" dirty="0"/>
               <a:t>In humans, females have twice as many X chromosomes, and males have a Y chromosome</a:t>
             </a:r>
           </a:p>
           <a:p>
             <a:pPr lvl="1"/>
             <a:r>
-              <a:rPr lang="en-US" dirty="0" smtClean="0"/>
+              <a:rPr lang="en-US" dirty="0"/>
               <a:t>Many implications for coverage depth, genotype probabilities, and copy number</a:t>
             </a:r>
           </a:p>
           <a:p>
             <a:r>
-              <a:rPr lang="en-US" dirty="0" smtClean="0"/>
+              <a:rPr lang="en-US" dirty="0"/>
               <a:t>Mitochondrial DNA is also different </a:t>
             </a:r>
             <a:r>
-              <a:rPr lang="mr-IN" dirty="0" smtClean="0"/>
+              <a:rPr lang="mr-IN" dirty="0"/>
               <a:t>–</a:t>
             </a:r>
             <a:r>
-              <a:rPr lang="en-US" dirty="0" smtClean="0"/>
+              <a:rPr lang="en-US" dirty="0"/>
               <a:t> haploid, maternally inherited, high copy (&gt;1k/cell), </a:t>
             </a:r>
             <a:r>
-              <a:rPr lang="en-US" dirty="0" err="1" smtClean="0"/>
+              <a:rPr lang="en-US" dirty="0" err="1"/>
               <a:t>mosaicism</a:t>
             </a:r>
-            <a:endParaRPr lang="en-US" dirty="0" smtClean="0"/>
+            <a:endParaRPr lang="en-US" dirty="0"/>
           </a:p>
         </p:txBody>
       </p:sp>
@@ -11428,21 +9983,6 @@
   <p:clrMapOvr>
     <a:masterClrMapping/>
   </p:clrMapOvr>
-  <mc:AlternateContent xmlns:mc="http://schemas.openxmlformats.org/markup-compatibility/2006" xmlns:p14="http://schemas.microsoft.com/office/powerpoint/2010/main">
-    <mc:Choice Requires="p14">
-      <p:transition spd="slow" p14:dur="2000"/>
-    </mc:Choice>
-    <mc:Fallback xmlns="">
-      <p:transition xmlns:p14="http://schemas.microsoft.com/office/powerpoint/2010/main" spd="slow"/>
-    </mc:Fallback>
-  </mc:AlternateContent>
-  <p:timing>
-    <p:tnLst>
-      <p:par>
-        <p:cTn id="1" dur="indefinite" restart="never" nodeType="tmRoot"/>
-      </p:par>
-    </p:tnLst>
-  </p:timing>
 </p:sld>
 </file>
 
@@ -11482,10 +10022,9 @@
           <a:p>
             <a:pPr algn="ctr"/>
             <a:r>
-              <a:rPr lang="en-US" dirty="0" smtClean="0"/>
+              <a:rPr lang="en-US" dirty="0"/>
               <a:t>SOMATIC VARIANT CALLING</a:t>
             </a:r>
-            <a:endParaRPr lang="en-US" dirty="0"/>
           </a:p>
         </p:txBody>
       </p:sp>
@@ -11512,37 +10051,36 @@
           <a:lstStyle/>
           <a:p>
             <a:r>
-              <a:rPr lang="en-US" dirty="0" smtClean="0"/>
+              <a:rPr lang="en-US" dirty="0"/>
               <a:t>Somatic calling is similar to trio calling:</a:t>
             </a:r>
           </a:p>
           <a:p>
             <a:pPr lvl="1"/>
             <a:r>
-              <a:rPr lang="en-US" sz="3200" dirty="0" smtClean="0"/>
+              <a:rPr lang="en-US" sz="3200" dirty="0"/>
               <a:t>The germline tissue is the "parent"</a:t>
             </a:r>
           </a:p>
           <a:p>
             <a:pPr lvl="1"/>
             <a:r>
-              <a:rPr lang="en-US" sz="3200" dirty="0" smtClean="0"/>
+              <a:rPr lang="en-US" sz="3200" dirty="0"/>
               <a:t>The tumor is the "offspring"</a:t>
             </a:r>
           </a:p>
           <a:p>
             <a:r>
-              <a:rPr lang="en-US" dirty="0" smtClean="0"/>
+              <a:rPr lang="en-US" dirty="0"/>
               <a:t>We're looking for the variant calls that are different between in the tumor versus the germline (or normal) tissue...easy, right?</a:t>
             </a:r>
+          </a:p>
+          <a:p>
+            <a:endParaRPr lang="en-US" sz="4000" dirty="0"/>
+          </a:p>
+          <a:p>
+            <a:pPr lvl="1"/>
             <a:endParaRPr lang="en-US" dirty="0"/>
-          </a:p>
-          <a:p>
-            <a:endParaRPr lang="en-US" sz="4000" dirty="0" smtClean="0"/>
-          </a:p>
-          <a:p>
-            <a:pPr lvl="1"/>
-            <a:endParaRPr lang="en-US" dirty="0" smtClean="0"/>
           </a:p>
         </p:txBody>
       </p:sp>
@@ -11556,21 +10094,6 @@
   <p:clrMapOvr>
     <a:masterClrMapping/>
   </p:clrMapOvr>
-  <mc:AlternateContent xmlns:mc="http://schemas.openxmlformats.org/markup-compatibility/2006" xmlns:p14="http://schemas.microsoft.com/office/powerpoint/2010/main">
-    <mc:Choice Requires="p14">
-      <p:transition spd="slow" p14:dur="2000"/>
-    </mc:Choice>
-    <mc:Fallback xmlns="">
-      <p:transition xmlns:p14="http://schemas.microsoft.com/office/powerpoint/2010/main" spd="slow"/>
-    </mc:Fallback>
-  </mc:AlternateContent>
-  <p:timing>
-    <p:tnLst>
-      <p:par>
-        <p:cTn id="1" dur="indefinite" restart="never" nodeType="tmRoot"/>
-      </p:par>
-    </p:tnLst>
-  </p:timing>
 </p:sld>
 </file>
 
@@ -11610,10 +10133,9 @@
           <a:p>
             <a:pPr algn="ctr"/>
             <a:r>
-              <a:rPr lang="en-US" dirty="0" smtClean="0"/>
+              <a:rPr lang="en-US" dirty="0"/>
               <a:t>SOMATIC VARIANT CALLING</a:t>
             </a:r>
-            <a:endParaRPr lang="en-US" dirty="0"/>
           </a:p>
         </p:txBody>
       </p:sp>
@@ -11664,10 +10186,9 @@
           <a:lstStyle/>
           <a:p>
             <a:r>
-              <a:rPr lang="en-US" dirty="0" smtClean="0"/>
+              <a:rPr lang="en-US" dirty="0"/>
               <a:t>Broad Institute</a:t>
             </a:r>
-            <a:endParaRPr lang="en-US" dirty="0"/>
           </a:p>
         </p:txBody>
       </p:sp>
@@ -11694,10 +10215,9 @@
           <a:p>
             <a:pPr algn="ctr"/>
             <a:r>
-              <a:rPr lang="en-US" sz="3200" u="sng" dirty="0" smtClean="0"/>
+              <a:rPr lang="en-US" sz="3200" u="sng" dirty="0"/>
               <a:t>Somatic Calling Challenges</a:t>
             </a:r>
-            <a:endParaRPr lang="en-US" sz="3200" u="sng" dirty="0"/>
           </a:p>
         </p:txBody>
       </p:sp>
@@ -11711,21 +10231,6 @@
   <p:clrMapOvr>
     <a:masterClrMapping/>
   </p:clrMapOvr>
-  <mc:AlternateContent xmlns:mc="http://schemas.openxmlformats.org/markup-compatibility/2006" xmlns:p14="http://schemas.microsoft.com/office/powerpoint/2010/main">
-    <mc:Choice Requires="p14">
-      <p:transition spd="slow" p14:dur="2000"/>
-    </mc:Choice>
-    <mc:Fallback xmlns="">
-      <p:transition xmlns:p14="http://schemas.microsoft.com/office/powerpoint/2010/main" spd="slow"/>
-    </mc:Fallback>
-  </mc:AlternateContent>
-  <p:timing>
-    <p:tnLst>
-      <p:par>
-        <p:cTn id="1" dur="indefinite" restart="never" nodeType="tmRoot"/>
-      </p:par>
-    </p:tnLst>
-  </p:timing>
 </p:sld>
 </file>
 
@@ -11765,10 +10270,9 @@
           <a:p>
             <a:pPr algn="ctr"/>
             <a:r>
-              <a:rPr lang="en-US" dirty="0" smtClean="0"/>
+              <a:rPr lang="en-US" dirty="0"/>
               <a:t>SOMATIC VARIANT CALLING</a:t>
             </a:r>
-            <a:endParaRPr lang="en-US" dirty="0"/>
           </a:p>
         </p:txBody>
       </p:sp>
@@ -11819,10 +10323,9 @@
           <a:lstStyle/>
           <a:p>
             <a:r>
-              <a:rPr lang="en-US" dirty="0" smtClean="0"/>
+              <a:rPr lang="en-US" dirty="0"/>
               <a:t>Broad Institute</a:t>
             </a:r>
-            <a:endParaRPr lang="en-US" dirty="0"/>
           </a:p>
         </p:txBody>
       </p:sp>
@@ -11849,10 +10352,9 @@
           <a:p>
             <a:pPr algn="ctr"/>
             <a:r>
-              <a:rPr lang="en-US" sz="3200" u="sng" dirty="0" smtClean="0"/>
+              <a:rPr lang="en-US" sz="3200" u="sng" dirty="0"/>
               <a:t>Somatic Calling Challenges: Purity and Heterogeneity</a:t>
             </a:r>
-            <a:endParaRPr lang="en-US" sz="3200" u="sng" dirty="0"/>
           </a:p>
         </p:txBody>
       </p:sp>
@@ -11866,21 +10368,6 @@
   <p:clrMapOvr>
     <a:masterClrMapping/>
   </p:clrMapOvr>
-  <mc:AlternateContent xmlns:mc="http://schemas.openxmlformats.org/markup-compatibility/2006" xmlns:p14="http://schemas.microsoft.com/office/powerpoint/2010/main">
-    <mc:Choice Requires="p14">
-      <p:transition spd="slow" p14:dur="2000"/>
-    </mc:Choice>
-    <mc:Fallback xmlns="">
-      <p:transition xmlns:p14="http://schemas.microsoft.com/office/powerpoint/2010/main" spd="slow"/>
-    </mc:Fallback>
-  </mc:AlternateContent>
-  <p:timing>
-    <p:tnLst>
-      <p:par>
-        <p:cTn id="1" dur="indefinite" restart="never" nodeType="tmRoot"/>
-      </p:par>
-    </p:tnLst>
-  </p:timing>
 </p:sld>
 </file>
 
@@ -11920,10 +10407,9 @@
           <a:p>
             <a:pPr algn="ctr"/>
             <a:r>
-              <a:rPr lang="en-US" dirty="0" smtClean="0"/>
+              <a:rPr lang="en-US" dirty="0"/>
               <a:t>SOMATIC VARIANT CALLING</a:t>
             </a:r>
-            <a:endParaRPr lang="en-US" dirty="0"/>
           </a:p>
         </p:txBody>
       </p:sp>
@@ -11974,10 +10460,9 @@
           <a:lstStyle/>
           <a:p>
             <a:r>
-              <a:rPr lang="en-US" dirty="0" smtClean="0"/>
+              <a:rPr lang="en-US" dirty="0"/>
               <a:t>Broad Institute</a:t>
             </a:r>
-            <a:endParaRPr lang="en-US" dirty="0"/>
           </a:p>
         </p:txBody>
       </p:sp>
@@ -12004,10 +10489,9 @@
           <a:p>
             <a:pPr algn="ctr"/>
             <a:r>
-              <a:rPr lang="en-US" sz="3200" u="sng" dirty="0" smtClean="0"/>
+              <a:rPr lang="en-US" sz="3200" u="sng" dirty="0"/>
               <a:t>Somatic Calling Challenges: Signal to Noise </a:t>
             </a:r>
-            <a:endParaRPr lang="en-US" sz="3200" u="sng" dirty="0"/>
           </a:p>
         </p:txBody>
       </p:sp>
@@ -12021,21 +10505,6 @@
   <p:clrMapOvr>
     <a:masterClrMapping/>
   </p:clrMapOvr>
-  <mc:AlternateContent xmlns:mc="http://schemas.openxmlformats.org/markup-compatibility/2006" xmlns:p14="http://schemas.microsoft.com/office/powerpoint/2010/main">
-    <mc:Choice Requires="p14">
-      <p:transition spd="slow" p14:dur="2000"/>
-    </mc:Choice>
-    <mc:Fallback xmlns="">
-      <p:transition xmlns:p14="http://schemas.microsoft.com/office/powerpoint/2010/main" spd="slow"/>
-    </mc:Fallback>
-  </mc:AlternateContent>
-  <p:timing>
-    <p:tnLst>
-      <p:par>
-        <p:cTn id="1" dur="indefinite" restart="never" nodeType="tmRoot"/>
-      </p:par>
-    </p:tnLst>
-  </p:timing>
 </p:sld>
 </file>
 
@@ -12075,10 +10544,9 @@
           <a:p>
             <a:pPr algn="ctr"/>
             <a:r>
-              <a:rPr lang="en-US" dirty="0" smtClean="0"/>
+              <a:rPr lang="en-US" dirty="0"/>
               <a:t>SOMATIC VARIANT CALLING</a:t>
             </a:r>
-            <a:endParaRPr lang="en-US" dirty="0"/>
           </a:p>
         </p:txBody>
       </p:sp>
@@ -12105,10 +10573,9 @@
           <a:lstStyle/>
           <a:p>
             <a:r>
-              <a:rPr lang="en-US" dirty="0" smtClean="0"/>
+              <a:rPr lang="en-US" dirty="0"/>
               <a:t>Broad Institute</a:t>
             </a:r>
-            <a:endParaRPr lang="en-US" dirty="0"/>
           </a:p>
         </p:txBody>
       </p:sp>
@@ -12135,10 +10602,9 @@
           <a:p>
             <a:pPr algn="ctr"/>
             <a:r>
-              <a:rPr lang="en-US" sz="2400" u="sng" dirty="0" smtClean="0"/>
+              <a:rPr lang="en-US" sz="2400" u="sng" dirty="0"/>
               <a:t>Somatic Calling Challenges: Artifacts and Uncalled Germline Events</a:t>
             </a:r>
-            <a:endParaRPr lang="en-US" sz="2400" u="sng" dirty="0"/>
           </a:p>
         </p:txBody>
       </p:sp>
@@ -12176,21 +10642,6 @@
   <p:clrMapOvr>
     <a:masterClrMapping/>
   </p:clrMapOvr>
-  <mc:AlternateContent xmlns:mc="http://schemas.openxmlformats.org/markup-compatibility/2006" xmlns:p14="http://schemas.microsoft.com/office/powerpoint/2010/main">
-    <mc:Choice Requires="p14">
-      <p:transition spd="slow" p14:dur="2000"/>
-    </mc:Choice>
-    <mc:Fallback xmlns="">
-      <p:transition xmlns:p14="http://schemas.microsoft.com/office/powerpoint/2010/main" spd="slow"/>
-    </mc:Fallback>
-  </mc:AlternateContent>
-  <p:timing>
-    <p:tnLst>
-      <p:par>
-        <p:cTn id="1" dur="indefinite" restart="never" nodeType="tmRoot"/>
-      </p:par>
-    </p:tnLst>
-  </p:timing>
 </p:sld>
 </file>
 
@@ -12230,10 +10681,9 @@
           <a:p>
             <a:pPr algn="ctr"/>
             <a:r>
-              <a:rPr lang="en-US" dirty="0" smtClean="0"/>
+              <a:rPr lang="en-US" dirty="0"/>
               <a:t>SOMATIC VARIANT CALLING</a:t>
             </a:r>
-            <a:endParaRPr lang="en-US" dirty="0"/>
           </a:p>
         </p:txBody>
       </p:sp>
@@ -12260,41 +10710,38 @@
           <a:lstStyle/>
           <a:p>
             <a:r>
-              <a:rPr lang="en-US" dirty="0" smtClean="0"/>
-              <a:t>The good news: GATK has a new somatic variant caller, MuTect2, that is based on </a:t>
-            </a:r>
-            <a:r>
-              <a:rPr lang="en-US" dirty="0" err="1" smtClean="0"/>
+              <a:rPr lang="en-US" dirty="0"/>
+              <a:t>GATK 4.0 has a new somatic variant caller, MuTect2, that is based on </a:t>
+            </a:r>
+            <a:r>
+              <a:rPr lang="en-US" dirty="0" err="1"/>
               <a:t>HaplotypeCaller</a:t>
             </a:r>
             <a:r>
-              <a:rPr lang="en-US" dirty="0" smtClean="0"/>
-              <a:t> and is reported to be very accurate</a:t>
-            </a:r>
-          </a:p>
-          <a:p>
-            <a:r>
-              <a:rPr lang="en-US" dirty="0" smtClean="0"/>
-              <a:t>The bad news: It's not ready yet</a:t>
-            </a:r>
-          </a:p>
-          <a:p>
-            <a:r>
-              <a:rPr lang="en-US" dirty="0" smtClean="0"/>
-              <a:t>Until then: We'll use a different tool, </a:t>
-            </a:r>
-            <a:r>
-              <a:rPr lang="en-US" dirty="0" err="1" smtClean="0"/>
+              <a:rPr lang="en-US" dirty="0"/>
+              <a:t>. However, the workflow is quite involved.</a:t>
+            </a:r>
+          </a:p>
+          <a:p>
+            <a:r>
+              <a:rPr lang="en-US" dirty="0"/>
+              <a:t>We’ll walk through the GATK workflow, but for practice we'll use a different tool, </a:t>
+            </a:r>
+            <a:r>
+              <a:rPr lang="en-US" dirty="0" err="1"/>
               <a:t>FreeBayes</a:t>
             </a:r>
+            <a:r>
+              <a:rPr lang="en-US" dirty="0"/>
+              <a:t>.</a:t>
+            </a:r>
+          </a:p>
+          <a:p>
+            <a:endParaRPr lang="en-US" sz="4000" dirty="0"/>
+          </a:p>
+          <a:p>
+            <a:pPr lvl="1"/>
             <a:endParaRPr lang="en-US" dirty="0"/>
-          </a:p>
-          <a:p>
-            <a:endParaRPr lang="en-US" sz="4000" dirty="0" smtClean="0"/>
-          </a:p>
-          <a:p>
-            <a:pPr lvl="1"/>
-            <a:endParaRPr lang="en-US" dirty="0" smtClean="0"/>
           </a:p>
         </p:txBody>
       </p:sp>
@@ -12308,21 +10755,6 @@
   <p:clrMapOvr>
     <a:masterClrMapping/>
   </p:clrMapOvr>
-  <mc:AlternateContent xmlns:mc="http://schemas.openxmlformats.org/markup-compatibility/2006" xmlns:p14="http://schemas.microsoft.com/office/powerpoint/2010/main">
-    <mc:Choice Requires="p14">
-      <p:transition spd="slow" p14:dur="2000"/>
-    </mc:Choice>
-    <mc:Fallback xmlns="">
-      <p:transition xmlns:p14="http://schemas.microsoft.com/office/powerpoint/2010/main" spd="slow"/>
-    </mc:Fallback>
-  </mc:AlternateContent>
-  <p:timing>
-    <p:tnLst>
-      <p:par>
-        <p:cTn id="1" dur="indefinite" restart="never" nodeType="tmRoot"/>
-      </p:par>
-    </p:tnLst>
-  </p:timing>
 </p:sld>
 </file>
 
@@ -12362,10 +10794,9 @@
           <a:p>
             <a:pPr algn="ctr"/>
             <a:r>
-              <a:rPr lang="en-US" dirty="0" smtClean="0"/>
+              <a:rPr lang="en-US" dirty="0"/>
               <a:t>VARIANT CALLING</a:t>
             </a:r>
-            <a:endParaRPr lang="en-US" dirty="0"/>
           </a:p>
         </p:txBody>
       </p:sp>
@@ -12395,48 +10826,47 @@
               <a:buNone/>
             </a:pPr>
             <a:r>
-              <a:rPr lang="en-US" u="sng" dirty="0" err="1" smtClean="0"/>
+              <a:rPr lang="en-US" u="sng" dirty="0" err="1"/>
               <a:t>FreeBayes</a:t>
             </a:r>
-            <a:endParaRPr lang="en-US" u="sng" dirty="0" smtClean="0"/>
-          </a:p>
-          <a:p>
-            <a:r>
-              <a:rPr lang="en-US" dirty="0" smtClean="0"/>
+            <a:endParaRPr lang="en-US" u="sng" dirty="0"/>
+          </a:p>
+          <a:p>
+            <a:r>
+              <a:rPr lang="en-US" dirty="0"/>
               <a:t>Bayesian variant caller – leverages base quality, alignment metrics, read depth, local sequence context, and population information</a:t>
             </a:r>
           </a:p>
           <a:p>
             <a:r>
-              <a:rPr lang="en-US" dirty="0" smtClean="0"/>
+              <a:rPr lang="en-US" dirty="0"/>
               <a:t>Performs haplotype-based calling</a:t>
             </a:r>
-            <a:endParaRPr lang="en-US" dirty="0"/>
           </a:p>
           <a:p>
             <a:pPr lvl="1"/>
             <a:r>
-              <a:rPr lang="en-US" dirty="0" smtClean="0"/>
+              <a:rPr lang="en-US" dirty="0"/>
               <a:t>Designed to run on many individuals simultaneously</a:t>
             </a:r>
           </a:p>
           <a:p>
             <a:pPr lvl="1"/>
             <a:r>
-              <a:rPr lang="en-US" dirty="0" smtClean="0"/>
+              <a:rPr lang="en-US" dirty="0"/>
               <a:t>More samples == better accuracy</a:t>
             </a:r>
           </a:p>
           <a:p>
             <a:pPr lvl="1"/>
             <a:r>
-              <a:rPr lang="en-US" dirty="0" smtClean="0"/>
+              <a:rPr lang="en-US" dirty="0"/>
               <a:t>Sequencing errors detected as unique haplotypes</a:t>
             </a:r>
           </a:p>
           <a:p>
             <a:r>
-              <a:rPr lang="en-US" dirty="0" smtClean="0"/>
+              <a:rPr lang="en-US" dirty="0"/>
               <a:t>Performs local realignment across overlapping reads</a:t>
             </a:r>
           </a:p>
@@ -12448,18 +10878,12 @@
               <a:rPr lang="en-US" dirty="0">
                 <a:hlinkClick r:id="rId2"/>
               </a:rPr>
-              <a:t>https://github.com/ekg/</a:t>
-            </a:r>
-            <a:r>
-              <a:rPr lang="en-US" dirty="0" smtClean="0">
-                <a:hlinkClick r:id="rId2"/>
-              </a:rPr>
-              <a:t>freebayes</a:t>
-            </a:r>
-            <a:endParaRPr lang="en-US" dirty="0" smtClean="0"/>
-          </a:p>
-          <a:p>
-            <a:endParaRPr lang="en-US" dirty="0" smtClean="0"/>
+              <a:t>https://github.com/ekg/freebayes</a:t>
+            </a:r>
+            <a:endParaRPr lang="en-US" dirty="0"/>
+          </a:p>
+          <a:p>
+            <a:endParaRPr lang="en-US" dirty="0"/>
           </a:p>
         </p:txBody>
       </p:sp>
@@ -12473,21 +10897,6 @@
   <p:clrMapOvr>
     <a:masterClrMapping/>
   </p:clrMapOvr>
-  <mc:AlternateContent xmlns:mc="http://schemas.openxmlformats.org/markup-compatibility/2006" xmlns:p14="http://schemas.microsoft.com/office/powerpoint/2010/main">
-    <mc:Choice Requires="p14">
-      <p:transition spd="slow" p14:dur="2000"/>
-    </mc:Choice>
-    <mc:Fallback xmlns="">
-      <p:transition xmlns:p14="http://schemas.microsoft.com/office/powerpoint/2010/main" spd="slow"/>
-    </mc:Fallback>
-  </mc:AlternateContent>
-  <p:timing>
-    <p:tnLst>
-      <p:par>
-        <p:cTn id="1" dur="indefinite" restart="never" nodeType="tmRoot"/>
-      </p:par>
-    </p:tnLst>
-  </p:timing>
 </p:sld>
 </file>
 
@@ -12527,10 +10936,9 @@
           <a:p>
             <a:pPr algn="ctr"/>
             <a:r>
-              <a:rPr lang="en-US" dirty="0" smtClean="0"/>
+              <a:rPr lang="en-US" dirty="0"/>
               <a:t>SOMATIC VARIANT CALLING</a:t>
             </a:r>
-            <a:endParaRPr lang="en-US" dirty="0"/>
           </a:p>
         </p:txBody>
       </p:sp>
@@ -12560,14 +10968,14 @@
               <a:buNone/>
             </a:pPr>
             <a:r>
-              <a:rPr lang="en-US" u="sng" dirty="0" smtClean="0"/>
+              <a:rPr lang="en-US" u="sng" dirty="0"/>
               <a:t>Exercise: Call Somatic Variants with </a:t>
             </a:r>
             <a:r>
-              <a:rPr lang="en-US" u="sng" dirty="0" err="1" smtClean="0"/>
+              <a:rPr lang="en-US" u="sng" dirty="0" err="1"/>
               <a:t>FreeBayes</a:t>
             </a:r>
-            <a:endParaRPr lang="en-US" dirty="0" smtClean="0">
+            <a:endParaRPr lang="en-US" dirty="0">
               <a:latin typeface="Courier"/>
               <a:cs typeface="Courier"/>
             </a:endParaRPr>
@@ -12577,13 +10985,250 @@
               <a:buNone/>
             </a:pPr>
             <a:r>
-              <a:rPr lang="en-US" sz="2200" dirty="0" smtClean="0">
+              <a:rPr lang="en-US" sz="2200" dirty="0">
                 <a:latin typeface="Courier"/>
                 <a:cs typeface="Courier"/>
               </a:rPr>
               <a:t># We need two BAM files – one from normal </a:t>
             </a:r>
-            <a:endParaRPr lang="en-US" sz="2200" dirty="0">
+          </a:p>
+          <a:p>
+            <a:pPr marL="0" indent="0">
+              <a:buNone/>
+            </a:pPr>
+            <a:r>
+              <a:rPr lang="en-US" sz="2200" dirty="0">
+                <a:latin typeface="Courier"/>
+                <a:cs typeface="Courier"/>
+              </a:rPr>
+              <a:t># tissue and one from a matched tumor sample.</a:t>
+            </a:r>
+          </a:p>
+          <a:p>
+            <a:pPr marL="0" indent="0">
+              <a:buNone/>
+            </a:pPr>
+            <a:r>
+              <a:rPr lang="en-US" sz="2200" dirty="0">
+                <a:latin typeface="Courier"/>
+                <a:cs typeface="Courier"/>
+              </a:rPr>
+              <a:t>$ </a:t>
+            </a:r>
+            <a:r>
+              <a:rPr lang="en-US" sz="2200" dirty="0" err="1">
+                <a:latin typeface="Courier"/>
+                <a:cs typeface="Courier"/>
+              </a:rPr>
+              <a:t>freebayes</a:t>
+            </a:r>
+            <a:r>
+              <a:rPr lang="en-US" sz="2200" dirty="0">
+                <a:latin typeface="Courier"/>
+                <a:cs typeface="Courier"/>
+              </a:rPr>
+              <a:t> -r 1:16899000-16920000 \</a:t>
+            </a:r>
+          </a:p>
+          <a:p>
+            <a:pPr marL="0" indent="0">
+              <a:buNone/>
+            </a:pPr>
+            <a:r>
+              <a:rPr lang="en-US" sz="2200" dirty="0">
+                <a:latin typeface="Courier"/>
+                <a:cs typeface="Courier"/>
+              </a:rPr>
+              <a:t>  -f resources/human_g1k_v37.fasta \</a:t>
+            </a:r>
+          </a:p>
+          <a:p>
+            <a:pPr marL="0" indent="0">
+              <a:buNone/>
+            </a:pPr>
+            <a:r>
+              <a:rPr lang="en-US" sz="2200" dirty="0">
+                <a:latin typeface="Courier"/>
+                <a:cs typeface="Courier"/>
+              </a:rPr>
+              <a:t>  --genotype-qualities --min-alternate-count 2 \</a:t>
+            </a:r>
+          </a:p>
+          <a:p>
+            <a:pPr marL="0" indent="0">
+              <a:buNone/>
+            </a:pPr>
+            <a:r>
+              <a:rPr lang="en-US" sz="2200" dirty="0">
+                <a:latin typeface="Courier"/>
+                <a:cs typeface="Courier"/>
+              </a:rPr>
+              <a:t>  --pooled-discrete --min-alternate-fraction 0.05 \</a:t>
+            </a:r>
+          </a:p>
+          <a:p>
+            <a:pPr marL="0" indent="0">
+              <a:buNone/>
+            </a:pPr>
+            <a:r>
+              <a:rPr lang="en-US" sz="2200" dirty="0">
+                <a:latin typeface="Courier"/>
+                <a:cs typeface="Courier"/>
+              </a:rPr>
+              <a:t>  input/somatic/</a:t>
+            </a:r>
+            <a:r>
+              <a:rPr lang="en-US" sz="2200" dirty="0" err="1">
+                <a:latin typeface="Courier"/>
+                <a:cs typeface="Courier"/>
+              </a:rPr>
+              <a:t>normal.bam</a:t>
+            </a:r>
+            <a:r>
+              <a:rPr lang="en-US" sz="2200" dirty="0">
+                <a:latin typeface="Courier"/>
+                <a:cs typeface="Courier"/>
+              </a:rPr>
+              <a:t> \</a:t>
+            </a:r>
+          </a:p>
+          <a:p>
+            <a:pPr marL="0" indent="0">
+              <a:buNone/>
+            </a:pPr>
+            <a:r>
+              <a:rPr lang="en-US" sz="2200" dirty="0">
+                <a:latin typeface="Courier"/>
+                <a:cs typeface="Courier"/>
+              </a:rPr>
+              <a:t>  input/somatic/</a:t>
+            </a:r>
+            <a:r>
+              <a:rPr lang="en-US" sz="2200" dirty="0" err="1">
+                <a:latin typeface="Courier"/>
+                <a:cs typeface="Courier"/>
+              </a:rPr>
+              <a:t>tumor.bam</a:t>
+            </a:r>
+            <a:r>
+              <a:rPr lang="en-US" sz="2200" dirty="0">
+                <a:latin typeface="Courier"/>
+                <a:cs typeface="Courier"/>
+              </a:rPr>
+              <a:t> \</a:t>
+            </a:r>
+          </a:p>
+          <a:p>
+            <a:pPr marL="0" indent="0">
+              <a:buNone/>
+            </a:pPr>
+            <a:r>
+              <a:rPr lang="en-US" sz="2200" dirty="0">
+                <a:latin typeface="Courier"/>
+                <a:cs typeface="Courier"/>
+              </a:rPr>
+              <a:t>  | scripts/</a:t>
+            </a:r>
+            <a:r>
+              <a:rPr lang="en-US" sz="2200" dirty="0" err="1">
+                <a:latin typeface="Courier"/>
+                <a:cs typeface="Courier"/>
+              </a:rPr>
+              <a:t>somatic_filter</a:t>
+            </a:r>
+            <a:r>
+              <a:rPr lang="en-US" sz="2200" dirty="0">
+                <a:latin typeface="Courier"/>
+                <a:cs typeface="Courier"/>
+              </a:rPr>
+              <a:t> 1e-5 18 0 \</a:t>
+            </a:r>
+          </a:p>
+          <a:p>
+            <a:pPr marL="0" indent="0">
+              <a:buNone/>
+            </a:pPr>
+            <a:r>
+              <a:rPr lang="en-US" sz="2200" dirty="0">
+                <a:latin typeface="Courier"/>
+                <a:cs typeface="Courier"/>
+              </a:rPr>
+              <a:t>  | </a:t>
+            </a:r>
+            <a:r>
+              <a:rPr lang="en-US" sz="2200" dirty="0" err="1">
+                <a:latin typeface="Courier"/>
+                <a:cs typeface="Courier"/>
+              </a:rPr>
+              <a:t>bgzip</a:t>
+            </a:r>
+            <a:r>
+              <a:rPr lang="en-US" sz="2200" dirty="0">
+                <a:latin typeface="Courier"/>
+                <a:cs typeface="Courier"/>
+              </a:rPr>
+              <a:t> &gt; output/</a:t>
+            </a:r>
+            <a:r>
+              <a:rPr lang="en-US" sz="2200" dirty="0" err="1">
+                <a:latin typeface="Courier"/>
+                <a:cs typeface="Courier"/>
+              </a:rPr>
+              <a:t>somatic.vcf.gz</a:t>
+            </a:r>
+            <a:r>
+              <a:rPr lang="en-US" sz="2200" dirty="0">
+                <a:latin typeface="Courier"/>
+                <a:cs typeface="Courier"/>
+              </a:rPr>
+              <a:t> \</a:t>
+            </a:r>
+          </a:p>
+          <a:p>
+            <a:pPr marL="0" indent="0">
+              <a:buNone/>
+            </a:pPr>
+            <a:r>
+              <a:rPr lang="en-US" sz="2200" dirty="0">
+                <a:latin typeface="Courier"/>
+                <a:cs typeface="Courier"/>
+              </a:rPr>
+              <a:t>  &amp;&amp; </a:t>
+            </a:r>
+            <a:r>
+              <a:rPr lang="en-US" sz="2200" dirty="0" err="1">
+                <a:latin typeface="Courier"/>
+                <a:cs typeface="Courier"/>
+              </a:rPr>
+              <a:t>tabix</a:t>
+            </a:r>
+            <a:r>
+              <a:rPr lang="en-US" sz="2200" dirty="0">
+                <a:latin typeface="Courier"/>
+                <a:cs typeface="Courier"/>
+              </a:rPr>
+              <a:t> output/</a:t>
+            </a:r>
+            <a:r>
+              <a:rPr lang="en-US" sz="2200" dirty="0" err="1">
+                <a:latin typeface="Courier"/>
+                <a:cs typeface="Courier"/>
+              </a:rPr>
+              <a:t>somatic.vcf.gz</a:t>
+            </a:r>
+            <a:r>
+              <a:rPr lang="en-US" sz="2200" dirty="0">
+                <a:latin typeface="Courier"/>
+                <a:cs typeface="Courier"/>
+              </a:rPr>
+              <a:t> </a:t>
+            </a:r>
+          </a:p>
+          <a:p>
+            <a:pPr marL="0" indent="0">
+              <a:buNone/>
+            </a:pPr>
+            <a:endParaRPr lang="en-US" sz="2400" dirty="0">
               <a:latin typeface="Courier"/>
               <a:cs typeface="Courier"/>
             </a:endParaRPr>
@@ -12592,357 +11237,7 @@
             <a:pPr marL="0" indent="0">
               <a:buNone/>
             </a:pPr>
-            <a:r>
-              <a:rPr lang="en-US" sz="2200" dirty="0" smtClean="0">
-                <a:latin typeface="Courier"/>
-                <a:cs typeface="Courier"/>
-              </a:rPr>
-              <a:t># tissue and one from a matched tumor sample.</a:t>
-            </a:r>
-          </a:p>
-          <a:p>
-            <a:pPr marL="0" indent="0">
-              <a:buNone/>
-            </a:pPr>
-            <a:r>
-              <a:rPr lang="en-US" sz="2200" dirty="0" smtClean="0">
-                <a:latin typeface="Courier"/>
-                <a:cs typeface="Courier"/>
-              </a:rPr>
-              <a:t>$ </a:t>
-            </a:r>
-            <a:r>
-              <a:rPr lang="en-US" sz="2200" dirty="0" err="1" smtClean="0">
-                <a:latin typeface="Courier"/>
-                <a:cs typeface="Courier"/>
-              </a:rPr>
-              <a:t>freebayes</a:t>
-            </a:r>
-            <a:r>
-              <a:rPr lang="en-US" sz="2200" dirty="0" smtClean="0">
-                <a:latin typeface="Courier"/>
-                <a:cs typeface="Courier"/>
-              </a:rPr>
-              <a:t> </a:t>
-            </a:r>
-            <a:r>
-              <a:rPr lang="en-US" sz="2200" dirty="0">
-                <a:latin typeface="Courier"/>
-                <a:cs typeface="Courier"/>
-              </a:rPr>
-              <a:t>-</a:t>
-            </a:r>
-            <a:r>
-              <a:rPr lang="en-US" sz="2200" dirty="0" smtClean="0">
-                <a:latin typeface="Courier"/>
-                <a:cs typeface="Courier"/>
-              </a:rPr>
-              <a:t>r </a:t>
-            </a:r>
-            <a:r>
-              <a:rPr lang="en-US" sz="2200" dirty="0">
-                <a:latin typeface="Courier"/>
-                <a:cs typeface="Courier"/>
-              </a:rPr>
-              <a:t>1:16899000-</a:t>
-            </a:r>
-            <a:r>
-              <a:rPr lang="en-US" sz="2200" dirty="0" smtClean="0">
-                <a:latin typeface="Courier"/>
-                <a:cs typeface="Courier"/>
-              </a:rPr>
-              <a:t>16920000 \</a:t>
-            </a:r>
-          </a:p>
-          <a:p>
-            <a:pPr marL="0" indent="0">
-              <a:buNone/>
-            </a:pPr>
-            <a:r>
-              <a:rPr lang="en-US" sz="2200" dirty="0" smtClean="0">
-                <a:latin typeface="Courier"/>
-                <a:cs typeface="Courier"/>
-              </a:rPr>
-              <a:t>  -</a:t>
-            </a:r>
-            <a:r>
-              <a:rPr lang="en-US" sz="2200" dirty="0">
-                <a:latin typeface="Courier"/>
-                <a:cs typeface="Courier"/>
-              </a:rPr>
-              <a:t>f resources/human_g1k_v37.fasta \</a:t>
-            </a:r>
-            <a:endParaRPr lang="en-US" sz="2200" dirty="0" smtClean="0">
-              <a:latin typeface="Courier"/>
-              <a:cs typeface="Courier"/>
-            </a:endParaRPr>
-          </a:p>
-          <a:p>
-            <a:pPr marL="0" indent="0">
-              <a:buNone/>
-            </a:pPr>
-            <a:r>
-              <a:rPr lang="en-US" sz="2200" dirty="0" smtClean="0">
-                <a:latin typeface="Courier"/>
-                <a:cs typeface="Courier"/>
-              </a:rPr>
-              <a:t>  -</a:t>
-            </a:r>
-            <a:r>
-              <a:rPr lang="en-US" sz="2200" dirty="0">
-                <a:latin typeface="Courier"/>
-                <a:cs typeface="Courier"/>
-              </a:rPr>
-              <a:t>-genotype-</a:t>
-            </a:r>
-            <a:r>
-              <a:rPr lang="en-US" sz="2200" dirty="0" smtClean="0">
-                <a:latin typeface="Courier"/>
-                <a:cs typeface="Courier"/>
-              </a:rPr>
-              <a:t>qualities -</a:t>
-            </a:r>
-            <a:r>
-              <a:rPr lang="en-US" sz="2200" dirty="0">
-                <a:latin typeface="Courier"/>
-                <a:cs typeface="Courier"/>
-              </a:rPr>
-              <a:t>-min-alternate-count </a:t>
-            </a:r>
-            <a:r>
-              <a:rPr lang="en-US" sz="2200" dirty="0" smtClean="0">
-                <a:latin typeface="Courier"/>
-                <a:cs typeface="Courier"/>
-              </a:rPr>
-              <a:t>2 \</a:t>
-            </a:r>
-          </a:p>
-          <a:p>
-            <a:pPr marL="0" indent="0">
-              <a:buNone/>
-            </a:pPr>
-            <a:r>
-              <a:rPr lang="en-US" sz="2200" dirty="0" smtClean="0">
-                <a:latin typeface="Courier"/>
-                <a:cs typeface="Courier"/>
-              </a:rPr>
-              <a:t>  -</a:t>
-            </a:r>
-            <a:r>
-              <a:rPr lang="en-US" sz="2200" dirty="0">
-                <a:latin typeface="Courier"/>
-                <a:cs typeface="Courier"/>
-              </a:rPr>
-              <a:t>-pooled-discrete </a:t>
-            </a:r>
-            <a:r>
-              <a:rPr lang="en-US" sz="2200" dirty="0" smtClean="0">
-                <a:latin typeface="Courier"/>
-                <a:cs typeface="Courier"/>
-              </a:rPr>
-              <a:t>-</a:t>
-            </a:r>
-            <a:r>
-              <a:rPr lang="en-US" sz="2200" dirty="0">
-                <a:latin typeface="Courier"/>
-                <a:cs typeface="Courier"/>
-              </a:rPr>
-              <a:t>-min-alternate-fraction 0.05 </a:t>
-            </a:r>
-            <a:r>
-              <a:rPr lang="en-US" sz="2200" dirty="0" smtClean="0">
-                <a:latin typeface="Courier"/>
-                <a:cs typeface="Courier"/>
-              </a:rPr>
-              <a:t>\</a:t>
-            </a:r>
-          </a:p>
-          <a:p>
-            <a:pPr marL="0" indent="0">
-              <a:buNone/>
-            </a:pPr>
-            <a:r>
-              <a:rPr lang="en-US" sz="2200" dirty="0" smtClean="0">
-                <a:latin typeface="Courier"/>
-                <a:cs typeface="Courier"/>
-              </a:rPr>
-              <a:t>  input/somatic/</a:t>
-            </a:r>
-            <a:r>
-              <a:rPr lang="en-US" sz="2200" dirty="0" err="1" smtClean="0">
-                <a:latin typeface="Courier"/>
-                <a:cs typeface="Courier"/>
-              </a:rPr>
-              <a:t>normal.bam</a:t>
-            </a:r>
-            <a:r>
-              <a:rPr lang="en-US" sz="2200" dirty="0" smtClean="0">
-                <a:latin typeface="Courier"/>
-                <a:cs typeface="Courier"/>
-              </a:rPr>
-              <a:t> \</a:t>
-            </a:r>
-          </a:p>
-          <a:p>
-            <a:pPr marL="0" indent="0">
-              <a:buNone/>
-            </a:pPr>
-            <a:r>
-              <a:rPr lang="en-US" sz="2200" dirty="0" smtClean="0">
-                <a:latin typeface="Courier"/>
-                <a:cs typeface="Courier"/>
-              </a:rPr>
-              <a:t>  input/somatic/</a:t>
-            </a:r>
-            <a:r>
-              <a:rPr lang="en-US" sz="2200" dirty="0" err="1" smtClean="0">
-                <a:latin typeface="Courier"/>
-                <a:cs typeface="Courier"/>
-              </a:rPr>
-              <a:t>tumor.bam</a:t>
-            </a:r>
-            <a:r>
-              <a:rPr lang="en-US" sz="2200" dirty="0" smtClean="0">
-                <a:latin typeface="Courier"/>
-                <a:cs typeface="Courier"/>
-              </a:rPr>
-              <a:t> \</a:t>
-            </a:r>
-          </a:p>
-          <a:p>
-            <a:pPr marL="0" indent="0">
-              <a:buNone/>
-            </a:pPr>
-            <a:r>
-              <a:rPr lang="en-US" sz="2200" dirty="0" smtClean="0">
-                <a:latin typeface="Courier"/>
-                <a:cs typeface="Courier"/>
-              </a:rPr>
-              <a:t>  | scripts/</a:t>
-            </a:r>
-            <a:r>
-              <a:rPr lang="en-US" sz="2200" dirty="0" err="1" smtClean="0">
-                <a:latin typeface="Courier"/>
-                <a:cs typeface="Courier"/>
-              </a:rPr>
-              <a:t>somatic_filter</a:t>
-            </a:r>
-            <a:r>
-              <a:rPr lang="en-US" sz="2200" dirty="0" smtClean="0">
-                <a:latin typeface="Courier"/>
-                <a:cs typeface="Courier"/>
-              </a:rPr>
-              <a:t> 1e-5 18 0 \</a:t>
-            </a:r>
-          </a:p>
-          <a:p>
-            <a:pPr marL="0" indent="0">
-              <a:buNone/>
-            </a:pPr>
-            <a:r>
-              <a:rPr lang="en-US" sz="2200" dirty="0" smtClean="0">
-                <a:latin typeface="Courier"/>
-                <a:cs typeface="Courier"/>
-              </a:rPr>
-              <a:t>  | </a:t>
-            </a:r>
-            <a:r>
-              <a:rPr lang="en-US" sz="2200" dirty="0" err="1" smtClean="0">
-                <a:latin typeface="Courier"/>
-                <a:cs typeface="Courier"/>
-              </a:rPr>
-              <a:t>bgzip</a:t>
-            </a:r>
-            <a:r>
-              <a:rPr lang="en-US" sz="2200" dirty="0" smtClean="0">
-                <a:latin typeface="Courier"/>
-                <a:cs typeface="Courier"/>
-              </a:rPr>
-              <a:t> &gt; output/</a:t>
-            </a:r>
-            <a:r>
-              <a:rPr lang="en-US" sz="2200" dirty="0" err="1" smtClean="0">
-                <a:latin typeface="Courier"/>
-                <a:cs typeface="Courier"/>
-              </a:rPr>
-              <a:t>somatic.vcf.gz</a:t>
-            </a:r>
-            <a:r>
-              <a:rPr lang="en-US" sz="2200" dirty="0" smtClean="0">
-                <a:latin typeface="Courier"/>
-                <a:cs typeface="Courier"/>
-              </a:rPr>
-              <a:t> \</a:t>
-            </a:r>
-          </a:p>
-          <a:p>
-            <a:pPr marL="0" indent="0">
-              <a:buNone/>
-            </a:pPr>
-            <a:r>
-              <a:rPr lang="en-US" sz="2200" dirty="0">
-                <a:latin typeface="Courier"/>
-                <a:cs typeface="Courier"/>
-              </a:rPr>
-              <a:t> </a:t>
-            </a:r>
-            <a:r>
-              <a:rPr lang="en-US" sz="2200" dirty="0" smtClean="0">
-                <a:latin typeface="Courier"/>
-                <a:cs typeface="Courier"/>
-              </a:rPr>
-              <a:t> &amp;&amp; </a:t>
-            </a:r>
-            <a:r>
-              <a:rPr lang="en-US" sz="2200" dirty="0" err="1" smtClean="0">
-                <a:latin typeface="Courier"/>
-                <a:cs typeface="Courier"/>
-              </a:rPr>
-              <a:t>tabix</a:t>
-            </a:r>
-            <a:r>
-              <a:rPr lang="en-US" sz="2200" dirty="0" smtClean="0">
-                <a:latin typeface="Courier"/>
-                <a:cs typeface="Courier"/>
-              </a:rPr>
-              <a:t> </a:t>
-            </a:r>
-            <a:r>
-              <a:rPr lang="en-US" sz="2200" dirty="0">
-                <a:latin typeface="Courier"/>
-                <a:cs typeface="Courier"/>
-              </a:rPr>
-              <a:t>output/</a:t>
-            </a:r>
-            <a:r>
-              <a:rPr lang="en-US" sz="2200" dirty="0" err="1">
-                <a:latin typeface="Courier"/>
-                <a:cs typeface="Courier"/>
-              </a:rPr>
-              <a:t>somatic.vcf.gz</a:t>
-            </a:r>
-            <a:r>
-              <a:rPr lang="en-US" sz="2200" dirty="0">
-                <a:latin typeface="Courier"/>
-                <a:cs typeface="Courier"/>
-              </a:rPr>
-              <a:t> </a:t>
-            </a:r>
-          </a:p>
-          <a:p>
-            <a:pPr marL="0" indent="0">
-              <a:buNone/>
-            </a:pPr>
-            <a:endParaRPr lang="en-US" sz="2400" dirty="0" smtClean="0">
-              <a:latin typeface="Courier"/>
-              <a:cs typeface="Courier"/>
-            </a:endParaRPr>
-          </a:p>
-          <a:p>
-            <a:pPr marL="0" indent="0">
-              <a:buNone/>
-            </a:pPr>
-            <a:endParaRPr lang="en-US" sz="2400" dirty="0" smtClean="0">
+            <a:endParaRPr lang="en-US" sz="2400" dirty="0">
               <a:latin typeface="Courier"/>
               <a:cs typeface="Courier"/>
             </a:endParaRPr>
@@ -12959,21 +11254,6 @@
   <p:clrMapOvr>
     <a:masterClrMapping/>
   </p:clrMapOvr>
-  <mc:AlternateContent xmlns:mc="http://schemas.openxmlformats.org/markup-compatibility/2006" xmlns:p14="http://schemas.microsoft.com/office/powerpoint/2010/main">
-    <mc:Choice Requires="p14">
-      <p:transition spd="slow" p14:dur="2000"/>
-    </mc:Choice>
-    <mc:Fallback xmlns="">
-      <p:transition xmlns:p14="http://schemas.microsoft.com/office/powerpoint/2010/main" spd="slow"/>
-    </mc:Fallback>
-  </mc:AlternateContent>
-  <p:timing>
-    <p:tnLst>
-      <p:par>
-        <p:cTn id="1" dur="indefinite" restart="never" nodeType="tmRoot"/>
-      </p:par>
-    </p:tnLst>
-  </p:timing>
 </p:sld>
 </file>
 
@@ -13013,10 +11293,9 @@
           <a:p>
             <a:pPr algn="ctr"/>
             <a:r>
-              <a:rPr lang="en-US" dirty="0" smtClean="0"/>
+              <a:rPr lang="en-US" dirty="0"/>
               <a:t>HAPLOTYPES</a:t>
             </a:r>
-            <a:endParaRPr lang="en-US" dirty="0"/>
           </a:p>
         </p:txBody>
       </p:sp>
@@ -13043,25 +11322,25 @@
           <a:lstStyle/>
           <a:p>
             <a:r>
-              <a:rPr lang="en-US" dirty="0" smtClean="0"/>
+              <a:rPr lang="en-US" dirty="0"/>
               <a:t>The alleles at polymorphic sites on a single chromosome constitute a haplotype</a:t>
             </a:r>
           </a:p>
           <a:p>
             <a:r>
-              <a:rPr lang="en-US" dirty="0" smtClean="0"/>
+              <a:rPr lang="en-US" dirty="0"/>
               <a:t>Two alleles on the same chromosome are said to be "in phase"</a:t>
             </a:r>
           </a:p>
           <a:p>
             <a:r>
-              <a:rPr lang="en-US" dirty="0" smtClean="0"/>
+              <a:rPr lang="en-US" dirty="0"/>
               <a:t>It is difficult to determine phase from genotypes absent any linkage information</a:t>
             </a:r>
           </a:p>
           <a:p>
             <a:r>
-              <a:rPr lang="en-US" dirty="0" smtClean="0"/>
+              <a:rPr lang="en-US" dirty="0"/>
               <a:t>Sequencing data provides linkage information:</a:t>
             </a:r>
           </a:p>
@@ -13070,7 +11349,7 @@
               <a:buNone/>
             </a:pPr>
             <a:r>
-              <a:rPr lang="en-US" dirty="0" smtClean="0">
+              <a:rPr lang="en-US" dirty="0">
                 <a:latin typeface="Courier"/>
                 <a:cs typeface="Courier"/>
               </a:rPr>
@@ -13082,14 +11361,14 @@
               <a:buNone/>
             </a:pPr>
             <a:r>
-              <a:rPr lang="en-US" dirty="0" smtClean="0">
+              <a:rPr lang="en-US" dirty="0">
                 <a:latin typeface="Courier"/>
                 <a:cs typeface="Courier"/>
               </a:rPr>
               <a:t>Read: AAG</a:t>
             </a:r>
             <a:r>
-              <a:rPr lang="en-US" b="1" dirty="0" smtClean="0">
+              <a:rPr lang="en-US" b="1" dirty="0">
                 <a:solidFill>
                   <a:srgbClr val="FF0000"/>
                 </a:solidFill>
@@ -13099,14 +11378,14 @@
               <a:t>C</a:t>
             </a:r>
             <a:r>
-              <a:rPr lang="en-US" dirty="0" smtClean="0">
+              <a:rPr lang="en-US" dirty="0">
                 <a:latin typeface="Courier"/>
                 <a:cs typeface="Courier"/>
               </a:rPr>
               <a:t>A</a:t>
             </a:r>
             <a:r>
-              <a:rPr lang="en-US" b="1" dirty="0" smtClean="0">
+              <a:rPr lang="en-US" b="1" dirty="0">
                 <a:solidFill>
                   <a:srgbClr val="FF0000"/>
                 </a:solidFill>
@@ -13116,14 +11395,14 @@
               <a:t>G</a:t>
             </a:r>
             <a:r>
-              <a:rPr lang="en-US" dirty="0" smtClean="0">
+              <a:rPr lang="en-US" dirty="0">
                 <a:latin typeface="Courier"/>
                 <a:cs typeface="Courier"/>
               </a:rPr>
               <a:t>ATC----------CA</a:t>
             </a:r>
             <a:r>
-              <a:rPr lang="en-US" b="1" dirty="0" smtClean="0">
+              <a:rPr lang="en-US" b="1" dirty="0">
                 <a:solidFill>
                   <a:srgbClr val="FF0000"/>
                 </a:solidFill>
@@ -13133,14 +11412,14 @@
               <a:t>G</a:t>
             </a:r>
             <a:r>
-              <a:rPr lang="en-US" dirty="0" smtClean="0">
+              <a:rPr lang="en-US" dirty="0">
                 <a:latin typeface="Courier"/>
                 <a:cs typeface="Courier"/>
               </a:rPr>
               <a:t>GATAGA</a:t>
             </a:r>
             <a:r>
-              <a:rPr lang="en-US" b="1" dirty="0" smtClean="0">
+              <a:rPr lang="en-US" b="1" dirty="0">
                 <a:solidFill>
                   <a:srgbClr val="FF0000"/>
                 </a:solidFill>
@@ -13162,21 +11441,6 @@
   <p:clrMapOvr>
     <a:masterClrMapping/>
   </p:clrMapOvr>
-  <mc:AlternateContent xmlns:mc="http://schemas.openxmlformats.org/markup-compatibility/2006" xmlns:p14="http://schemas.microsoft.com/office/powerpoint/2010/main">
-    <mc:Choice Requires="p14">
-      <p:transition spd="slow" p14:dur="2000"/>
-    </mc:Choice>
-    <mc:Fallback xmlns="">
-      <p:transition xmlns:p14="http://schemas.microsoft.com/office/powerpoint/2010/main" spd="slow"/>
-    </mc:Fallback>
-  </mc:AlternateContent>
-  <p:timing>
-    <p:tnLst>
-      <p:par>
-        <p:cTn id="1" dur="indefinite" restart="never" nodeType="tmRoot"/>
-      </p:par>
-    </p:tnLst>
-  </p:timing>
 </p:sld>
 </file>
 
@@ -13216,10 +11480,9 @@
           <a:p>
             <a:pPr algn="ctr"/>
             <a:r>
-              <a:rPr lang="en-US" dirty="0" smtClean="0"/>
+              <a:rPr lang="en-US" dirty="0"/>
               <a:t>HAPLOTYPES</a:t>
             </a:r>
-            <a:endParaRPr lang="en-US" dirty="0"/>
           </a:p>
         </p:txBody>
       </p:sp>
@@ -13249,32 +11512,32 @@
               <a:buNone/>
             </a:pPr>
             <a:r>
-              <a:rPr lang="en-US" u="sng" dirty="0" smtClean="0"/>
+              <a:rPr lang="en-US" u="sng" dirty="0"/>
               <a:t>Importance</a:t>
             </a:r>
           </a:p>
           <a:p>
             <a:r>
-              <a:rPr lang="en-US" dirty="0" smtClean="0"/>
+              <a:rPr lang="en-US" dirty="0"/>
               <a:t>Alleles within the same haplotype "tag" each other</a:t>
             </a:r>
           </a:p>
           <a:p>
             <a:pPr lvl="1"/>
             <a:r>
-              <a:rPr lang="en-US" dirty="0" smtClean="0"/>
+              <a:rPr lang="en-US" dirty="0"/>
               <a:t>In humans, a relatively small number of variants is required to indicate the haploid sequences of the entire genome (with some level of error)</a:t>
             </a:r>
           </a:p>
           <a:p>
             <a:r>
-              <a:rPr lang="en-US" dirty="0" smtClean="0"/>
+              <a:rPr lang="en-US" dirty="0"/>
               <a:t>Disease mechanism may be different depending on whether mutations are on the same or different chromosomes</a:t>
             </a:r>
           </a:p>
           <a:p>
             <a:r>
-              <a:rPr lang="en-US" dirty="0" smtClean="0"/>
+              <a:rPr lang="en-US" dirty="0"/>
               <a:t>Phasing enables allele-specific analyses of gene expression and epigenetics</a:t>
             </a:r>
           </a:p>
@@ -13290,21 +11553,6 @@
   <p:clrMapOvr>
     <a:masterClrMapping/>
   </p:clrMapOvr>
-  <mc:AlternateContent xmlns:mc="http://schemas.openxmlformats.org/markup-compatibility/2006" xmlns:p14="http://schemas.microsoft.com/office/powerpoint/2010/main">
-    <mc:Choice Requires="p14">
-      <p:transition spd="slow" p14:dur="2000"/>
-    </mc:Choice>
-    <mc:Fallback xmlns="">
-      <p:transition xmlns:p14="http://schemas.microsoft.com/office/powerpoint/2010/main" spd="slow"/>
-    </mc:Fallback>
-  </mc:AlternateContent>
-  <p:timing>
-    <p:tnLst>
-      <p:par>
-        <p:cTn id="1" dur="indefinite" restart="never" nodeType="tmRoot"/>
-      </p:par>
-    </p:tnLst>
-  </p:timing>
 </p:sld>
 </file>
 
@@ -13344,10 +11592,9 @@
           <a:p>
             <a:pPr algn="ctr"/>
             <a:r>
-              <a:rPr lang="en-US" dirty="0" smtClean="0"/>
+              <a:rPr lang="en-US" dirty="0"/>
               <a:t>RECOMBINATION</a:t>
             </a:r>
-            <a:endParaRPr lang="en-US" dirty="0"/>
           </a:p>
         </p:txBody>
       </p:sp>
@@ -13374,13 +11621,13 @@
           <a:lstStyle/>
           <a:p>
             <a:r>
-              <a:rPr lang="en-US" dirty="0" smtClean="0"/>
+              <a:rPr lang="en-US" dirty="0"/>
               <a:t>Imagine two hypothetical ancestors of all humans ("Adam and Eve")</a:t>
             </a:r>
           </a:p>
           <a:p>
             <a:r>
-              <a:rPr lang="en-US" dirty="0" smtClean="0">
+              <a:rPr lang="en-US" dirty="0">
                 <a:solidFill>
                   <a:srgbClr val="000000"/>
                 </a:solidFill>
@@ -13392,7 +11639,7 @@
           </a:p>
           <a:p>
             <a:r>
-              <a:rPr lang="en-US" dirty="0" smtClean="0">
+              <a:rPr lang="en-US" dirty="0">
                 <a:solidFill>
                   <a:srgbClr val="000000"/>
                 </a:solidFill>
@@ -13404,7 +11651,7 @@
           </a:p>
           <a:p>
             <a:r>
-              <a:rPr lang="en-US" dirty="0" smtClean="0">
+              <a:rPr lang="en-US" dirty="0">
                 <a:solidFill>
                   <a:srgbClr val="000000"/>
                 </a:solidFill>
@@ -13416,7 +11663,7 @@
           </a:p>
           <a:p>
             <a:r>
-              <a:rPr lang="en-US" dirty="0" smtClean="0">
+              <a:rPr lang="en-US" dirty="0">
                 <a:solidFill>
                   <a:srgbClr val="000000"/>
                 </a:solidFill>
@@ -13490,21 +11737,6 @@
   <p:clrMapOvr>
     <a:masterClrMapping/>
   </p:clrMapOvr>
-  <mc:AlternateContent xmlns:mc="http://schemas.openxmlformats.org/markup-compatibility/2006" xmlns:p14="http://schemas.microsoft.com/office/powerpoint/2010/main">
-    <mc:Choice Requires="p14">
-      <p:transition spd="slow" p14:dur="2000"/>
-    </mc:Choice>
-    <mc:Fallback xmlns="">
-      <p:transition xmlns:p14="http://schemas.microsoft.com/office/powerpoint/2010/main" spd="slow"/>
-    </mc:Fallback>
-  </mc:AlternateContent>
-  <p:timing>
-    <p:tnLst>
-      <p:par>
-        <p:cTn id="1" dur="indefinite" restart="never" nodeType="tmRoot"/>
-      </p:par>
-    </p:tnLst>
-  </p:timing>
 </p:sld>
 </file>
 
@@ -13544,10 +11776,9 @@
           <a:p>
             <a:pPr algn="ctr"/>
             <a:r>
-              <a:rPr lang="en-US" dirty="0" smtClean="0"/>
+              <a:rPr lang="en-US" dirty="0"/>
               <a:t>RECOMBINATION</a:t>
             </a:r>
-            <a:endParaRPr lang="en-US" dirty="0"/>
           </a:p>
         </p:txBody>
       </p:sp>
@@ -13577,22 +11808,22 @@
               <a:buNone/>
             </a:pPr>
             <a:r>
-              <a:rPr lang="en-US" u="sng" dirty="0" smtClean="0"/>
+              <a:rPr lang="en-US" u="sng" dirty="0"/>
               <a:t>Example: </a:t>
             </a:r>
             <a:r>
-              <a:rPr lang="en-US" u="sng" dirty="0" err="1" smtClean="0"/>
+              <a:rPr lang="en-US" u="sng" dirty="0" err="1"/>
               <a:t>mtDNA</a:t>
             </a:r>
             <a:r>
-              <a:rPr lang="en-US" u="sng" dirty="0" smtClean="0"/>
+              <a:rPr lang="en-US" u="sng" dirty="0"/>
               <a:t> </a:t>
             </a:r>
             <a:r>
-              <a:rPr lang="en-US" u="sng" dirty="0" err="1" smtClean="0"/>
+              <a:rPr lang="en-US" u="sng" dirty="0" err="1"/>
               <a:t>Haplogroups</a:t>
             </a:r>
-            <a:endParaRPr lang="en-US" u="sng" dirty="0" smtClean="0"/>
+            <a:endParaRPr lang="en-US" u="sng" dirty="0"/>
           </a:p>
         </p:txBody>
       </p:sp>
@@ -13630,21 +11861,6 @@
   <p:clrMapOvr>
     <a:masterClrMapping/>
   </p:clrMapOvr>
-  <mc:AlternateContent xmlns:mc="http://schemas.openxmlformats.org/markup-compatibility/2006" xmlns:p14="http://schemas.microsoft.com/office/powerpoint/2010/main">
-    <mc:Choice Requires="p14">
-      <p:transition spd="slow" p14:dur="2000"/>
-    </mc:Choice>
-    <mc:Fallback xmlns="">
-      <p:transition xmlns:p14="http://schemas.microsoft.com/office/powerpoint/2010/main" spd="slow"/>
-    </mc:Fallback>
-  </mc:AlternateContent>
-  <p:timing>
-    <p:tnLst>
-      <p:par>
-        <p:cTn id="1" dur="indefinite" restart="never" nodeType="tmRoot"/>
-      </p:par>
-    </p:tnLst>
-  </p:timing>
 </p:sld>
 </file>
 
@@ -13684,10 +11900,9 @@
           <a:p>
             <a:pPr algn="ctr"/>
             <a:r>
-              <a:rPr lang="en-US" dirty="0" smtClean="0"/>
+              <a:rPr lang="en-US" dirty="0"/>
               <a:t>LINKAGE DISEQUILIBRIUM (LD)</a:t>
             </a:r>
-            <a:endParaRPr lang="en-US" dirty="0"/>
           </a:p>
         </p:txBody>
       </p:sp>
@@ -13714,13 +11929,13 @@
           <a:lstStyle/>
           <a:p>
             <a:r>
-              <a:rPr lang="en-US" dirty="0" smtClean="0"/>
+              <a:rPr lang="en-US" dirty="0"/>
               <a:t>Non-random association of two alleles due to co-inheritance</a:t>
             </a:r>
           </a:p>
           <a:p>
             <a:r>
-              <a:rPr lang="en-US" dirty="0" smtClean="0">
+              <a:rPr lang="en-US" dirty="0">
                 <a:solidFill>
                   <a:srgbClr val="000000"/>
                 </a:solidFill>
@@ -13730,7 +11945,7 @@
               <a:t>Expressed in terms of correlation coefficient (r</a:t>
             </a:r>
             <a:r>
-              <a:rPr lang="en-US" baseline="30000" dirty="0" smtClean="0">
+              <a:rPr lang="en-US" baseline="30000" dirty="0">
                 <a:solidFill>
                   <a:srgbClr val="000000"/>
                 </a:solidFill>
@@ -13740,7 +11955,7 @@
               <a:t>2</a:t>
             </a:r>
             <a:r>
-              <a:rPr lang="en-US" dirty="0" smtClean="0">
+              <a:rPr lang="en-US" dirty="0">
                 <a:solidFill>
                   <a:srgbClr val="000000"/>
                 </a:solidFill>
@@ -13752,7 +11967,7 @@
           </a:p>
           <a:p>
             <a:r>
-              <a:rPr lang="en-US" dirty="0" smtClean="0">
+              <a:rPr lang="en-US" dirty="0">
                 <a:solidFill>
                   <a:srgbClr val="000000"/>
                 </a:solidFill>
@@ -13764,7 +11979,7 @@
           </a:p>
           <a:p>
             <a:r>
-              <a:rPr lang="en-US" dirty="0" smtClean="0">
+              <a:rPr lang="en-US" dirty="0">
                 <a:solidFill>
                   <a:srgbClr val="000000"/>
                 </a:solidFill>
@@ -13774,7 +11989,7 @@
               <a:t>LD extends over fairly long distance in humans </a:t>
             </a:r>
             <a:r>
-              <a:rPr lang="mr-IN" dirty="0" smtClean="0">
+              <a:rPr lang="mr-IN" dirty="0">
                 <a:solidFill>
                   <a:srgbClr val="000000"/>
                 </a:solidFill>
@@ -13784,7 +11999,7 @@
               <a:t>–</a:t>
             </a:r>
             <a:r>
-              <a:rPr lang="en-US" dirty="0" smtClean="0">
+              <a:rPr lang="en-US" dirty="0">
                 <a:solidFill>
                   <a:srgbClr val="000000"/>
                 </a:solidFill>
@@ -13794,7 +12009,7 @@
               <a:t> on average, sites 50 kb apart have </a:t>
             </a:r>
             <a:r>
-              <a:rPr lang="en-US" dirty="0" smtClean="0">
+              <a:rPr lang="en-US" dirty="0">
                 <a:solidFill>
                   <a:srgbClr val="000000"/>
                 </a:solidFill>
@@ -13803,7 +12018,7 @@
               <a:t>r</a:t>
             </a:r>
             <a:r>
-              <a:rPr lang="en-US" baseline="30000" dirty="0" smtClean="0">
+              <a:rPr lang="en-US" baseline="30000" dirty="0">
                 <a:solidFill>
                   <a:srgbClr val="000000"/>
                 </a:solidFill>
@@ -13812,7 +12027,7 @@
               <a:t>2 </a:t>
             </a:r>
             <a:r>
-              <a:rPr lang="en-US" dirty="0" smtClean="0">
+              <a:rPr lang="en-US" dirty="0">
                 <a:solidFill>
                   <a:srgbClr val="000000"/>
                 </a:solidFill>
@@ -13820,7 +12035,7 @@
               </a:rPr>
               <a:t>&gt; 0.8</a:t>
             </a:r>
-            <a:endParaRPr lang="en-US" dirty="0" smtClean="0">
+            <a:endParaRPr lang="en-US" dirty="0">
               <a:solidFill>
                 <a:srgbClr val="000000"/>
               </a:solidFill>
@@ -13840,21 +12055,6 @@
   <p:clrMapOvr>
     <a:masterClrMapping/>
   </p:clrMapOvr>
-  <mc:AlternateContent xmlns:mc="http://schemas.openxmlformats.org/markup-compatibility/2006" xmlns:p14="http://schemas.microsoft.com/office/powerpoint/2010/main">
-    <mc:Choice Requires="p14">
-      <p:transition spd="slow" p14:dur="2000"/>
-    </mc:Choice>
-    <mc:Fallback xmlns="">
-      <p:transition xmlns:p14="http://schemas.microsoft.com/office/powerpoint/2010/main" spd="slow"/>
-    </mc:Fallback>
-  </mc:AlternateContent>
-  <p:timing>
-    <p:tnLst>
-      <p:par>
-        <p:cTn id="1" dur="indefinite" restart="never" nodeType="tmRoot"/>
-      </p:par>
-    </p:tnLst>
-  </p:timing>
 </p:sld>
 </file>
 
